--- a/presentations/frankfurt_july_2019 day5.pptx
+++ b/presentations/frankfurt_july_2019 day5.pptx
@@ -5,11 +5,20 @@
     <p:sldMasterId id="2147483648" r:id="rId1"/>
   </p:sldMasterIdLst>
   <p:notesMasterIdLst>
-    <p:notesMasterId r:id="rId4"/>
+    <p:notesMasterId r:id="rId13"/>
   </p:notesMasterIdLst>
   <p:sldIdLst>
     <p:sldId id="354" r:id="rId2"/>
     <p:sldId id="385" r:id="rId3"/>
+    <p:sldId id="386" r:id="rId4"/>
+    <p:sldId id="387" r:id="rId5"/>
+    <p:sldId id="388" r:id="rId6"/>
+    <p:sldId id="389" r:id="rId7"/>
+    <p:sldId id="390" r:id="rId8"/>
+    <p:sldId id="391" r:id="rId9"/>
+    <p:sldId id="392" r:id="rId10"/>
+    <p:sldId id="393" r:id="rId11"/>
+    <p:sldId id="394" r:id="rId12"/>
   </p:sldIdLst>
   <p:sldSz cx="12192000" cy="6858000"/>
   <p:notesSz cx="6858000" cy="9144000"/>
@@ -4138,6 +4147,1486 @@
 </p:sld>
 </file>
 
+<file path=ppt/slides/slide10.xml><?xml version="1.0" encoding="utf-8"?>
+<p:sld xmlns:a="http://schemas.openxmlformats.org/drawingml/2006/main" xmlns:r="http://schemas.openxmlformats.org/officeDocument/2006/relationships" xmlns:p="http://schemas.openxmlformats.org/presentationml/2006/main">
+  <p:cSld>
+    <p:spTree>
+      <p:nvGrpSpPr>
+        <p:cNvPr id="1" name=""/>
+        <p:cNvGrpSpPr/>
+        <p:nvPr/>
+      </p:nvGrpSpPr>
+      <p:grpSpPr>
+        <a:xfrm>
+          <a:off x="0" y="0"/>
+          <a:ext cx="0" cy="0"/>
+          <a:chOff x="0" y="0"/>
+          <a:chExt cx="0" cy="0"/>
+        </a:xfrm>
+      </p:grpSpPr>
+      <p:sp>
+        <p:nvSpPr>
+          <p:cNvPr id="2" name="Title 1"/>
+          <p:cNvSpPr>
+            <a:spLocks noGrp="1"/>
+          </p:cNvSpPr>
+          <p:nvPr>
+            <p:ph type="title"/>
+          </p:nvPr>
+        </p:nvSpPr>
+        <p:spPr/>
+        <p:txBody>
+          <a:bodyPr/>
+          <a:lstStyle/>
+          <a:p>
+            <a:r>
+              <a:rPr lang="en-US" dirty="0" err="1" smtClean="0"/>
+              <a:t>mTurk</a:t>
+            </a:r>
+            <a:r>
+              <a:rPr lang="en-US" dirty="0" smtClean="0"/>
+              <a:t>. </a:t>
+            </a:r>
+            <a:r>
+              <a:rPr lang="en-US" dirty="0" err="1" smtClean="0"/>
+              <a:t>settings.py</a:t>
+            </a:r>
+            <a:endParaRPr lang="en-US" dirty="0"/>
+          </a:p>
+        </p:txBody>
+      </p:sp>
+      <p:sp>
+        <p:nvSpPr>
+          <p:cNvPr id="4" name="Rectangle 3"/>
+          <p:cNvSpPr/>
+          <p:nvPr/>
+        </p:nvSpPr>
+        <p:spPr>
+          <a:xfrm>
+            <a:off x="647700" y="1779687"/>
+            <a:ext cx="11544300" cy="5078313"/>
+          </a:xfrm>
+          <a:prstGeom prst="rect">
+            <a:avLst/>
+          </a:prstGeom>
+        </p:spPr>
+        <p:txBody>
+          <a:bodyPr wrap="square">
+            <a:spAutoFit/>
+          </a:bodyPr>
+          <a:lstStyle/>
+          <a:p>
+            <a:r>
+              <a:rPr lang="en-US" dirty="0">
+                <a:latin typeface="Menlo" charset="0"/>
+                <a:ea typeface="Menlo" charset="0"/>
+                <a:cs typeface="Menlo" charset="0"/>
+              </a:rPr>
+              <a:t/>
+            </a:r>
+            <a:br>
+              <a:rPr lang="en-US" dirty="0">
+                <a:latin typeface="Menlo" charset="0"/>
+                <a:ea typeface="Menlo" charset="0"/>
+                <a:cs typeface="Menlo" charset="0"/>
+              </a:rPr>
+            </a:br>
+            <a:r>
+              <a:rPr lang="en-US" dirty="0" err="1">
+                <a:latin typeface="Menlo" charset="0"/>
+                <a:ea typeface="Menlo" charset="0"/>
+                <a:cs typeface="Menlo" charset="0"/>
+              </a:rPr>
+              <a:t>mturk_hit_settings</a:t>
+            </a:r>
+            <a:r>
+              <a:rPr lang="en-US" dirty="0">
+                <a:latin typeface="Menlo" charset="0"/>
+                <a:ea typeface="Menlo" charset="0"/>
+                <a:cs typeface="Menlo" charset="0"/>
+              </a:rPr>
+              <a:t> = {</a:t>
+            </a:r>
+            <a:br>
+              <a:rPr lang="en-US" dirty="0">
+                <a:latin typeface="Menlo" charset="0"/>
+                <a:ea typeface="Menlo" charset="0"/>
+                <a:cs typeface="Menlo" charset="0"/>
+              </a:rPr>
+            </a:br>
+            <a:r>
+              <a:rPr lang="en-US" dirty="0">
+                <a:latin typeface="Menlo" charset="0"/>
+                <a:ea typeface="Menlo" charset="0"/>
+                <a:cs typeface="Menlo" charset="0"/>
+              </a:rPr>
+              <a:t>    </a:t>
+            </a:r>
+            <a:r>
+              <a:rPr lang="en-US" dirty="0">
+                <a:solidFill>
+                  <a:srgbClr val="6A8759"/>
+                </a:solidFill>
+                <a:latin typeface="Menlo" charset="0"/>
+                <a:ea typeface="Menlo" charset="0"/>
+                <a:cs typeface="Menlo" charset="0"/>
+              </a:rPr>
+              <a:t>'keywords'</a:t>
+            </a:r>
+            <a:r>
+              <a:rPr lang="en-US" dirty="0">
+                <a:latin typeface="Menlo" charset="0"/>
+                <a:ea typeface="Menlo" charset="0"/>
+                <a:cs typeface="Menlo" charset="0"/>
+              </a:rPr>
+              <a:t>: [</a:t>
+            </a:r>
+            <a:r>
+              <a:rPr lang="en-US" dirty="0">
+                <a:solidFill>
+                  <a:srgbClr val="6A8759"/>
+                </a:solidFill>
+                <a:latin typeface="Menlo" charset="0"/>
+                <a:ea typeface="Menlo" charset="0"/>
+                <a:cs typeface="Menlo" charset="0"/>
+              </a:rPr>
+              <a:t>'easy'</a:t>
+            </a:r>
+            <a:r>
+              <a:rPr lang="en-US" dirty="0">
+                <a:solidFill>
+                  <a:srgbClr val="CC7832"/>
+                </a:solidFill>
+                <a:latin typeface="Menlo" charset="0"/>
+                <a:ea typeface="Menlo" charset="0"/>
+                <a:cs typeface="Menlo" charset="0"/>
+              </a:rPr>
+              <a:t>, </a:t>
+            </a:r>
+            <a:r>
+              <a:rPr lang="en-US" dirty="0">
+                <a:solidFill>
+                  <a:srgbClr val="6A8759"/>
+                </a:solidFill>
+                <a:latin typeface="Menlo" charset="0"/>
+                <a:ea typeface="Menlo" charset="0"/>
+                <a:cs typeface="Menlo" charset="0"/>
+              </a:rPr>
+              <a:t>'bonus'</a:t>
+            </a:r>
+            <a:r>
+              <a:rPr lang="en-US" dirty="0">
+                <a:solidFill>
+                  <a:srgbClr val="CC7832"/>
+                </a:solidFill>
+                <a:latin typeface="Menlo" charset="0"/>
+                <a:ea typeface="Menlo" charset="0"/>
+                <a:cs typeface="Menlo" charset="0"/>
+              </a:rPr>
+              <a:t>, </a:t>
+            </a:r>
+            <a:r>
+              <a:rPr lang="en-US" dirty="0">
+                <a:solidFill>
+                  <a:srgbClr val="6A8759"/>
+                </a:solidFill>
+                <a:latin typeface="Menlo" charset="0"/>
+                <a:ea typeface="Menlo" charset="0"/>
+                <a:cs typeface="Menlo" charset="0"/>
+              </a:rPr>
+              <a:t>'choice'</a:t>
+            </a:r>
+            <a:r>
+              <a:rPr lang="en-US" dirty="0">
+                <a:solidFill>
+                  <a:srgbClr val="CC7832"/>
+                </a:solidFill>
+                <a:latin typeface="Menlo" charset="0"/>
+                <a:ea typeface="Menlo" charset="0"/>
+                <a:cs typeface="Menlo" charset="0"/>
+              </a:rPr>
+              <a:t>, </a:t>
+            </a:r>
+            <a:r>
+              <a:rPr lang="en-US" dirty="0">
+                <a:solidFill>
+                  <a:srgbClr val="6A8759"/>
+                </a:solidFill>
+                <a:latin typeface="Menlo" charset="0"/>
+                <a:ea typeface="Menlo" charset="0"/>
+                <a:cs typeface="Menlo" charset="0"/>
+              </a:rPr>
+              <a:t>'study'</a:t>
+            </a:r>
+            <a:r>
+              <a:rPr lang="en-US" dirty="0">
+                <a:latin typeface="Menlo" charset="0"/>
+                <a:ea typeface="Menlo" charset="0"/>
+                <a:cs typeface="Menlo" charset="0"/>
+              </a:rPr>
+              <a:t>]</a:t>
+            </a:r>
+            <a:r>
+              <a:rPr lang="en-US" dirty="0">
+                <a:solidFill>
+                  <a:srgbClr val="CC7832"/>
+                </a:solidFill>
+                <a:latin typeface="Menlo" charset="0"/>
+                <a:ea typeface="Menlo" charset="0"/>
+                <a:cs typeface="Menlo" charset="0"/>
+              </a:rPr>
+              <a:t>,</a:t>
+            </a:r>
+            <a:br>
+              <a:rPr lang="en-US" dirty="0">
+                <a:solidFill>
+                  <a:srgbClr val="CC7832"/>
+                </a:solidFill>
+                <a:latin typeface="Menlo" charset="0"/>
+                <a:ea typeface="Menlo" charset="0"/>
+                <a:cs typeface="Menlo" charset="0"/>
+              </a:rPr>
+            </a:br>
+            <a:r>
+              <a:rPr lang="en-US" dirty="0">
+                <a:solidFill>
+                  <a:srgbClr val="CC7832"/>
+                </a:solidFill>
+                <a:latin typeface="Menlo" charset="0"/>
+                <a:ea typeface="Menlo" charset="0"/>
+                <a:cs typeface="Menlo" charset="0"/>
+              </a:rPr>
+              <a:t>    </a:t>
+            </a:r>
+            <a:r>
+              <a:rPr lang="en-US" dirty="0">
+                <a:solidFill>
+                  <a:srgbClr val="6A8759"/>
+                </a:solidFill>
+                <a:latin typeface="Menlo" charset="0"/>
+                <a:ea typeface="Menlo" charset="0"/>
+                <a:cs typeface="Menlo" charset="0"/>
+              </a:rPr>
+              <a:t>'title'</a:t>
+            </a:r>
+            <a:r>
+              <a:rPr lang="en-US" dirty="0">
+                <a:latin typeface="Menlo" charset="0"/>
+                <a:ea typeface="Menlo" charset="0"/>
+                <a:cs typeface="Menlo" charset="0"/>
+              </a:rPr>
+              <a:t>: </a:t>
+            </a:r>
+            <a:r>
+              <a:rPr lang="en-US" dirty="0">
+                <a:solidFill>
+                  <a:srgbClr val="6A8759"/>
+                </a:solidFill>
+                <a:latin typeface="Menlo" charset="0"/>
+                <a:ea typeface="Menlo" charset="0"/>
+                <a:cs typeface="Menlo" charset="0"/>
+              </a:rPr>
+              <a:t>'Brief psychological study (2 minutes max.)'</a:t>
+            </a:r>
+            <a:r>
+              <a:rPr lang="en-US" dirty="0">
+                <a:solidFill>
+                  <a:srgbClr val="CC7832"/>
+                </a:solidFill>
+                <a:latin typeface="Menlo" charset="0"/>
+                <a:ea typeface="Menlo" charset="0"/>
+                <a:cs typeface="Menlo" charset="0"/>
+              </a:rPr>
+              <a:t>,</a:t>
+            </a:r>
+            <a:br>
+              <a:rPr lang="en-US" dirty="0">
+                <a:solidFill>
+                  <a:srgbClr val="CC7832"/>
+                </a:solidFill>
+                <a:latin typeface="Menlo" charset="0"/>
+                <a:ea typeface="Menlo" charset="0"/>
+                <a:cs typeface="Menlo" charset="0"/>
+              </a:rPr>
+            </a:br>
+            <a:r>
+              <a:rPr lang="en-US" dirty="0">
+                <a:solidFill>
+                  <a:srgbClr val="CC7832"/>
+                </a:solidFill>
+                <a:latin typeface="Menlo" charset="0"/>
+                <a:ea typeface="Menlo" charset="0"/>
+                <a:cs typeface="Menlo" charset="0"/>
+              </a:rPr>
+              <a:t>    </a:t>
+            </a:r>
+            <a:r>
+              <a:rPr lang="en-US" dirty="0">
+                <a:solidFill>
+                  <a:srgbClr val="6A8759"/>
+                </a:solidFill>
+                <a:latin typeface="Menlo" charset="0"/>
+                <a:ea typeface="Menlo" charset="0"/>
+                <a:cs typeface="Menlo" charset="0"/>
+              </a:rPr>
+              <a:t>'description'</a:t>
+            </a:r>
+            <a:r>
+              <a:rPr lang="en-US" dirty="0">
+                <a:latin typeface="Menlo" charset="0"/>
+                <a:ea typeface="Menlo" charset="0"/>
+                <a:cs typeface="Menlo" charset="0"/>
+              </a:rPr>
+              <a:t>: </a:t>
+            </a:r>
+            <a:r>
+              <a:rPr lang="en-US" dirty="0">
+                <a:solidFill>
+                  <a:srgbClr val="6A8759"/>
+                </a:solidFill>
+                <a:latin typeface="Menlo" charset="0"/>
+                <a:ea typeface="Menlo" charset="0"/>
+                <a:cs typeface="Menlo" charset="0"/>
+              </a:rPr>
+              <a:t>'A brief psychological study'</a:t>
+            </a:r>
+            <a:r>
+              <a:rPr lang="en-US" dirty="0">
+                <a:solidFill>
+                  <a:srgbClr val="CC7832"/>
+                </a:solidFill>
+                <a:latin typeface="Menlo" charset="0"/>
+                <a:ea typeface="Menlo" charset="0"/>
+                <a:cs typeface="Menlo" charset="0"/>
+              </a:rPr>
+              <a:t>,</a:t>
+            </a:r>
+            <a:br>
+              <a:rPr lang="en-US" dirty="0">
+                <a:solidFill>
+                  <a:srgbClr val="CC7832"/>
+                </a:solidFill>
+                <a:latin typeface="Menlo" charset="0"/>
+                <a:ea typeface="Menlo" charset="0"/>
+                <a:cs typeface="Menlo" charset="0"/>
+              </a:rPr>
+            </a:br>
+            <a:r>
+              <a:rPr lang="en-US" dirty="0">
+                <a:solidFill>
+                  <a:srgbClr val="CC7832"/>
+                </a:solidFill>
+                <a:latin typeface="Menlo" charset="0"/>
+                <a:ea typeface="Menlo" charset="0"/>
+                <a:cs typeface="Menlo" charset="0"/>
+              </a:rPr>
+              <a:t>    </a:t>
+            </a:r>
+            <a:r>
+              <a:rPr lang="en-US" dirty="0">
+                <a:solidFill>
+                  <a:srgbClr val="6A8759"/>
+                </a:solidFill>
+                <a:latin typeface="Menlo" charset="0"/>
+                <a:ea typeface="Menlo" charset="0"/>
+                <a:cs typeface="Menlo" charset="0"/>
+              </a:rPr>
+              <a:t>'</a:t>
+            </a:r>
+            <a:r>
+              <a:rPr lang="en-US" dirty="0" err="1">
+                <a:solidFill>
+                  <a:srgbClr val="6A8759"/>
+                </a:solidFill>
+                <a:latin typeface="Menlo" charset="0"/>
+                <a:ea typeface="Menlo" charset="0"/>
+                <a:cs typeface="Menlo" charset="0"/>
+              </a:rPr>
+              <a:t>frame_height</a:t>
+            </a:r>
+            <a:r>
+              <a:rPr lang="en-US" dirty="0">
+                <a:solidFill>
+                  <a:srgbClr val="6A8759"/>
+                </a:solidFill>
+                <a:latin typeface="Menlo" charset="0"/>
+                <a:ea typeface="Menlo" charset="0"/>
+                <a:cs typeface="Menlo" charset="0"/>
+              </a:rPr>
+              <a:t>'</a:t>
+            </a:r>
+            <a:r>
+              <a:rPr lang="en-US" dirty="0">
+                <a:latin typeface="Menlo" charset="0"/>
+                <a:ea typeface="Menlo" charset="0"/>
+                <a:cs typeface="Menlo" charset="0"/>
+              </a:rPr>
+              <a:t>: </a:t>
+            </a:r>
+            <a:r>
+              <a:rPr lang="en-US" dirty="0">
+                <a:solidFill>
+                  <a:srgbClr val="6897BB"/>
+                </a:solidFill>
+                <a:latin typeface="Menlo" charset="0"/>
+                <a:ea typeface="Menlo" charset="0"/>
+                <a:cs typeface="Menlo" charset="0"/>
+              </a:rPr>
+              <a:t>700</a:t>
+            </a:r>
+            <a:r>
+              <a:rPr lang="en-US" dirty="0">
+                <a:solidFill>
+                  <a:srgbClr val="CC7832"/>
+                </a:solidFill>
+                <a:latin typeface="Menlo" charset="0"/>
+                <a:ea typeface="Menlo" charset="0"/>
+                <a:cs typeface="Menlo" charset="0"/>
+              </a:rPr>
+              <a:t>,</a:t>
+            </a:r>
+            <a:br>
+              <a:rPr lang="en-US" dirty="0">
+                <a:solidFill>
+                  <a:srgbClr val="CC7832"/>
+                </a:solidFill>
+                <a:latin typeface="Menlo" charset="0"/>
+                <a:ea typeface="Menlo" charset="0"/>
+                <a:cs typeface="Menlo" charset="0"/>
+              </a:rPr>
+            </a:br>
+            <a:r>
+              <a:rPr lang="en-US" dirty="0">
+                <a:solidFill>
+                  <a:srgbClr val="CC7832"/>
+                </a:solidFill>
+                <a:latin typeface="Menlo" charset="0"/>
+                <a:ea typeface="Menlo" charset="0"/>
+                <a:cs typeface="Menlo" charset="0"/>
+              </a:rPr>
+              <a:t>    </a:t>
+            </a:r>
+            <a:r>
+              <a:rPr lang="en-US" dirty="0">
+                <a:solidFill>
+                  <a:srgbClr val="6A8759"/>
+                </a:solidFill>
+                <a:latin typeface="Menlo" charset="0"/>
+                <a:ea typeface="Menlo" charset="0"/>
+                <a:cs typeface="Menlo" charset="0"/>
+              </a:rPr>
+              <a:t>'</a:t>
+            </a:r>
+            <a:r>
+              <a:rPr lang="en-US" dirty="0" err="1">
+                <a:solidFill>
+                  <a:srgbClr val="6A8759"/>
+                </a:solidFill>
+                <a:latin typeface="Menlo" charset="0"/>
+                <a:ea typeface="Menlo" charset="0"/>
+                <a:cs typeface="Menlo" charset="0"/>
+              </a:rPr>
+              <a:t>preview_template</a:t>
+            </a:r>
+            <a:r>
+              <a:rPr lang="en-US" dirty="0">
+                <a:solidFill>
+                  <a:srgbClr val="6A8759"/>
+                </a:solidFill>
+                <a:latin typeface="Menlo" charset="0"/>
+                <a:ea typeface="Menlo" charset="0"/>
+                <a:cs typeface="Menlo" charset="0"/>
+              </a:rPr>
+              <a:t>'</a:t>
+            </a:r>
+            <a:r>
+              <a:rPr lang="en-US" dirty="0">
+                <a:latin typeface="Menlo" charset="0"/>
+                <a:ea typeface="Menlo" charset="0"/>
+                <a:cs typeface="Menlo" charset="0"/>
+              </a:rPr>
+              <a:t>: </a:t>
+            </a:r>
+            <a:r>
+              <a:rPr lang="en-US" dirty="0">
+                <a:solidFill>
+                  <a:srgbClr val="6A8759"/>
+                </a:solidFill>
+                <a:latin typeface="Menlo" charset="0"/>
+                <a:ea typeface="Menlo" charset="0"/>
+                <a:cs typeface="Menlo" charset="0"/>
+              </a:rPr>
+              <a:t>'global/</a:t>
+            </a:r>
+            <a:r>
+              <a:rPr lang="en-US" dirty="0" err="1">
+                <a:solidFill>
+                  <a:srgbClr val="6A8759"/>
+                </a:solidFill>
+                <a:latin typeface="Menlo" charset="0"/>
+                <a:ea typeface="Menlo" charset="0"/>
+                <a:cs typeface="Menlo" charset="0"/>
+              </a:rPr>
+              <a:t>MTurkPreview.html</a:t>
+            </a:r>
+            <a:r>
+              <a:rPr lang="en-US" dirty="0">
+                <a:solidFill>
+                  <a:srgbClr val="6A8759"/>
+                </a:solidFill>
+                <a:latin typeface="Menlo" charset="0"/>
+                <a:ea typeface="Menlo" charset="0"/>
+                <a:cs typeface="Menlo" charset="0"/>
+              </a:rPr>
+              <a:t>'</a:t>
+            </a:r>
+            <a:r>
+              <a:rPr lang="en-US" dirty="0">
+                <a:solidFill>
+                  <a:srgbClr val="CC7832"/>
+                </a:solidFill>
+                <a:latin typeface="Menlo" charset="0"/>
+                <a:ea typeface="Menlo" charset="0"/>
+                <a:cs typeface="Menlo" charset="0"/>
+              </a:rPr>
+              <a:t>,</a:t>
+            </a:r>
+            <a:br>
+              <a:rPr lang="en-US" dirty="0">
+                <a:solidFill>
+                  <a:srgbClr val="CC7832"/>
+                </a:solidFill>
+                <a:latin typeface="Menlo" charset="0"/>
+                <a:ea typeface="Menlo" charset="0"/>
+                <a:cs typeface="Menlo" charset="0"/>
+              </a:rPr>
+            </a:br>
+            <a:r>
+              <a:rPr lang="en-US" dirty="0">
+                <a:solidFill>
+                  <a:srgbClr val="CC7832"/>
+                </a:solidFill>
+                <a:latin typeface="Menlo" charset="0"/>
+                <a:ea typeface="Menlo" charset="0"/>
+                <a:cs typeface="Menlo" charset="0"/>
+              </a:rPr>
+              <a:t>    </a:t>
+            </a:r>
+            <a:r>
+              <a:rPr lang="en-US" dirty="0">
+                <a:solidFill>
+                  <a:srgbClr val="6A8759"/>
+                </a:solidFill>
+                <a:latin typeface="Menlo" charset="0"/>
+                <a:ea typeface="Menlo" charset="0"/>
+                <a:cs typeface="Menlo" charset="0"/>
+              </a:rPr>
+              <a:t>'</a:t>
+            </a:r>
+            <a:r>
+              <a:rPr lang="en-US" dirty="0" err="1">
+                <a:solidFill>
+                  <a:srgbClr val="6A8759"/>
+                </a:solidFill>
+                <a:latin typeface="Menlo" charset="0"/>
+                <a:ea typeface="Menlo" charset="0"/>
+                <a:cs typeface="Menlo" charset="0"/>
+              </a:rPr>
+              <a:t>minutes_allotted_per_assignment</a:t>
+            </a:r>
+            <a:r>
+              <a:rPr lang="en-US" dirty="0">
+                <a:solidFill>
+                  <a:srgbClr val="6A8759"/>
+                </a:solidFill>
+                <a:latin typeface="Menlo" charset="0"/>
+                <a:ea typeface="Menlo" charset="0"/>
+                <a:cs typeface="Menlo" charset="0"/>
+              </a:rPr>
+              <a:t>'</a:t>
+            </a:r>
+            <a:r>
+              <a:rPr lang="en-US" dirty="0">
+                <a:latin typeface="Menlo" charset="0"/>
+                <a:ea typeface="Menlo" charset="0"/>
+                <a:cs typeface="Menlo" charset="0"/>
+              </a:rPr>
+              <a:t>: </a:t>
+            </a:r>
+            <a:r>
+              <a:rPr lang="en-US" dirty="0">
+                <a:solidFill>
+                  <a:srgbClr val="6897BB"/>
+                </a:solidFill>
+                <a:latin typeface="Menlo" charset="0"/>
+                <a:ea typeface="Menlo" charset="0"/>
+                <a:cs typeface="Menlo" charset="0"/>
+              </a:rPr>
+              <a:t>60</a:t>
+            </a:r>
+            <a:r>
+              <a:rPr lang="en-US" dirty="0">
+                <a:solidFill>
+                  <a:srgbClr val="CC7832"/>
+                </a:solidFill>
+                <a:latin typeface="Menlo" charset="0"/>
+                <a:ea typeface="Menlo" charset="0"/>
+                <a:cs typeface="Menlo" charset="0"/>
+              </a:rPr>
+              <a:t>,</a:t>
+            </a:r>
+            <a:br>
+              <a:rPr lang="en-US" dirty="0">
+                <a:solidFill>
+                  <a:srgbClr val="CC7832"/>
+                </a:solidFill>
+                <a:latin typeface="Menlo" charset="0"/>
+                <a:ea typeface="Menlo" charset="0"/>
+                <a:cs typeface="Menlo" charset="0"/>
+              </a:rPr>
+            </a:br>
+            <a:r>
+              <a:rPr lang="en-US" dirty="0">
+                <a:solidFill>
+                  <a:srgbClr val="CC7832"/>
+                </a:solidFill>
+                <a:latin typeface="Menlo" charset="0"/>
+                <a:ea typeface="Menlo" charset="0"/>
+                <a:cs typeface="Menlo" charset="0"/>
+              </a:rPr>
+              <a:t>    </a:t>
+            </a:r>
+            <a:r>
+              <a:rPr lang="en-US" dirty="0">
+                <a:solidFill>
+                  <a:srgbClr val="6A8759"/>
+                </a:solidFill>
+                <a:latin typeface="Menlo" charset="0"/>
+                <a:ea typeface="Menlo" charset="0"/>
+                <a:cs typeface="Menlo" charset="0"/>
+              </a:rPr>
+              <a:t>'</a:t>
+            </a:r>
+            <a:r>
+              <a:rPr lang="en-US" dirty="0" err="1">
+                <a:solidFill>
+                  <a:srgbClr val="6A8759"/>
+                </a:solidFill>
+                <a:latin typeface="Menlo" charset="0"/>
+                <a:ea typeface="Menlo" charset="0"/>
+                <a:cs typeface="Menlo" charset="0"/>
+              </a:rPr>
+              <a:t>expiration_hours</a:t>
+            </a:r>
+            <a:r>
+              <a:rPr lang="en-US" dirty="0">
+                <a:solidFill>
+                  <a:srgbClr val="6A8759"/>
+                </a:solidFill>
+                <a:latin typeface="Menlo" charset="0"/>
+                <a:ea typeface="Menlo" charset="0"/>
+                <a:cs typeface="Menlo" charset="0"/>
+              </a:rPr>
+              <a:t>'</a:t>
+            </a:r>
+            <a:r>
+              <a:rPr lang="en-US" dirty="0">
+                <a:latin typeface="Menlo" charset="0"/>
+                <a:ea typeface="Menlo" charset="0"/>
+                <a:cs typeface="Menlo" charset="0"/>
+              </a:rPr>
+              <a:t>: </a:t>
+            </a:r>
+            <a:r>
+              <a:rPr lang="en-US" dirty="0">
+                <a:solidFill>
+                  <a:srgbClr val="6897BB"/>
+                </a:solidFill>
+                <a:latin typeface="Menlo" charset="0"/>
+                <a:ea typeface="Menlo" charset="0"/>
+                <a:cs typeface="Menlo" charset="0"/>
+              </a:rPr>
+              <a:t>7 </a:t>
+            </a:r>
+            <a:r>
+              <a:rPr lang="en-US" dirty="0">
+                <a:latin typeface="Menlo" charset="0"/>
+                <a:ea typeface="Menlo" charset="0"/>
+                <a:cs typeface="Menlo" charset="0"/>
+              </a:rPr>
+              <a:t>* </a:t>
+            </a:r>
+            <a:r>
+              <a:rPr lang="en-US" dirty="0">
+                <a:solidFill>
+                  <a:srgbClr val="6897BB"/>
+                </a:solidFill>
+                <a:latin typeface="Menlo" charset="0"/>
+                <a:ea typeface="Menlo" charset="0"/>
+                <a:cs typeface="Menlo" charset="0"/>
+              </a:rPr>
+              <a:t>24</a:t>
+            </a:r>
+            <a:r>
+              <a:rPr lang="en-US" dirty="0">
+                <a:solidFill>
+                  <a:srgbClr val="CC7832"/>
+                </a:solidFill>
+                <a:latin typeface="Menlo" charset="0"/>
+                <a:ea typeface="Menlo" charset="0"/>
+                <a:cs typeface="Menlo" charset="0"/>
+              </a:rPr>
+              <a:t>,  </a:t>
+            </a:r>
+            <a:r>
+              <a:rPr lang="en-US" dirty="0">
+                <a:solidFill>
+                  <a:srgbClr val="808080"/>
+                </a:solidFill>
+                <a:latin typeface="Menlo" charset="0"/>
+                <a:ea typeface="Menlo" charset="0"/>
+                <a:cs typeface="Menlo" charset="0"/>
+              </a:rPr>
+              <a:t># 7 days</a:t>
+            </a:r>
+            <a:br>
+              <a:rPr lang="en-US" dirty="0">
+                <a:solidFill>
+                  <a:srgbClr val="808080"/>
+                </a:solidFill>
+                <a:latin typeface="Menlo" charset="0"/>
+                <a:ea typeface="Menlo" charset="0"/>
+                <a:cs typeface="Menlo" charset="0"/>
+              </a:rPr>
+            </a:br>
+            <a:r>
+              <a:rPr lang="en-US" dirty="0">
+                <a:solidFill>
+                  <a:srgbClr val="808080"/>
+                </a:solidFill>
+                <a:latin typeface="Menlo" charset="0"/>
+                <a:ea typeface="Menlo" charset="0"/>
+                <a:cs typeface="Menlo" charset="0"/>
+              </a:rPr>
+              <a:t>    # '</a:t>
+            </a:r>
+            <a:r>
+              <a:rPr lang="en-US" dirty="0" err="1">
+                <a:solidFill>
+                  <a:srgbClr val="808080"/>
+                </a:solidFill>
+                <a:latin typeface="Menlo" charset="0"/>
+                <a:ea typeface="Menlo" charset="0"/>
+                <a:cs typeface="Menlo" charset="0"/>
+              </a:rPr>
+              <a:t>grant_qualification_id</a:t>
+            </a:r>
+            <a:r>
+              <a:rPr lang="en-US" dirty="0">
+                <a:solidFill>
+                  <a:srgbClr val="808080"/>
+                </a:solidFill>
+                <a:latin typeface="Menlo" charset="0"/>
+                <a:ea typeface="Menlo" charset="0"/>
+                <a:cs typeface="Menlo" charset="0"/>
+              </a:rPr>
+              <a:t>': 'YOUR_QUALIFICATION_ID_HERE',# to prevent retakes</a:t>
+            </a:r>
+            <a:br>
+              <a:rPr lang="en-US" dirty="0">
+                <a:solidFill>
+                  <a:srgbClr val="808080"/>
+                </a:solidFill>
+                <a:latin typeface="Menlo" charset="0"/>
+                <a:ea typeface="Menlo" charset="0"/>
+                <a:cs typeface="Menlo" charset="0"/>
+              </a:rPr>
+            </a:br>
+            <a:r>
+              <a:rPr lang="en-US" dirty="0">
+                <a:solidFill>
+                  <a:srgbClr val="808080"/>
+                </a:solidFill>
+                <a:latin typeface="Menlo" charset="0"/>
+                <a:ea typeface="Menlo" charset="0"/>
+                <a:cs typeface="Menlo" charset="0"/>
+              </a:rPr>
+              <a:t>    </a:t>
+            </a:r>
+            <a:r>
+              <a:rPr lang="en-US" dirty="0">
+                <a:solidFill>
+                  <a:srgbClr val="6A8759"/>
+                </a:solidFill>
+                <a:latin typeface="Menlo" charset="0"/>
+                <a:ea typeface="Menlo" charset="0"/>
+                <a:cs typeface="Menlo" charset="0"/>
+              </a:rPr>
+              <a:t>'</a:t>
+            </a:r>
+            <a:r>
+              <a:rPr lang="en-US" dirty="0" err="1">
+                <a:solidFill>
+                  <a:srgbClr val="6A8759"/>
+                </a:solidFill>
+                <a:latin typeface="Menlo" charset="0"/>
+                <a:ea typeface="Menlo" charset="0"/>
+                <a:cs typeface="Menlo" charset="0"/>
+              </a:rPr>
+              <a:t>qualification_requirements</a:t>
+            </a:r>
+            <a:r>
+              <a:rPr lang="en-US" dirty="0">
+                <a:solidFill>
+                  <a:srgbClr val="6A8759"/>
+                </a:solidFill>
+                <a:latin typeface="Menlo" charset="0"/>
+                <a:ea typeface="Menlo" charset="0"/>
+                <a:cs typeface="Menlo" charset="0"/>
+              </a:rPr>
+              <a:t>'</a:t>
+            </a:r>
+            <a:r>
+              <a:rPr lang="en-US" dirty="0">
+                <a:latin typeface="Menlo" charset="0"/>
+                <a:ea typeface="Menlo" charset="0"/>
+                <a:cs typeface="Menlo" charset="0"/>
+              </a:rPr>
+              <a:t>: [</a:t>
+            </a:r>
+            <a:br>
+              <a:rPr lang="en-US" dirty="0">
+                <a:latin typeface="Menlo" charset="0"/>
+                <a:ea typeface="Menlo" charset="0"/>
+                <a:cs typeface="Menlo" charset="0"/>
+              </a:rPr>
+            </a:br>
+            <a:r>
+              <a:rPr lang="en-US" dirty="0">
+                <a:latin typeface="Menlo" charset="0"/>
+                <a:ea typeface="Menlo" charset="0"/>
+                <a:cs typeface="Menlo" charset="0"/>
+              </a:rPr>
+              <a:t>        {</a:t>
+            </a:r>
+            <a:br>
+              <a:rPr lang="en-US" dirty="0">
+                <a:latin typeface="Menlo" charset="0"/>
+                <a:ea typeface="Menlo" charset="0"/>
+                <a:cs typeface="Menlo" charset="0"/>
+              </a:rPr>
+            </a:br>
+            <a:r>
+              <a:rPr lang="en-US" dirty="0">
+                <a:latin typeface="Menlo" charset="0"/>
+                <a:ea typeface="Menlo" charset="0"/>
+                <a:cs typeface="Menlo" charset="0"/>
+              </a:rPr>
+              <a:t>            </a:t>
+            </a:r>
+            <a:r>
+              <a:rPr lang="en-US" dirty="0">
+                <a:solidFill>
+                  <a:srgbClr val="6A8759"/>
+                </a:solidFill>
+                <a:latin typeface="Menlo" charset="0"/>
+                <a:ea typeface="Menlo" charset="0"/>
+                <a:cs typeface="Menlo" charset="0"/>
+              </a:rPr>
+              <a:t>'</a:t>
+            </a:r>
+            <a:r>
+              <a:rPr lang="en-US" dirty="0" err="1">
+                <a:solidFill>
+                  <a:srgbClr val="6A8759"/>
+                </a:solidFill>
+                <a:latin typeface="Menlo" charset="0"/>
+                <a:ea typeface="Menlo" charset="0"/>
+                <a:cs typeface="Menlo" charset="0"/>
+              </a:rPr>
+              <a:t>QualificationTypeId</a:t>
+            </a:r>
+            <a:r>
+              <a:rPr lang="en-US" dirty="0">
+                <a:solidFill>
+                  <a:srgbClr val="6A8759"/>
+                </a:solidFill>
+                <a:latin typeface="Menlo" charset="0"/>
+                <a:ea typeface="Menlo" charset="0"/>
+                <a:cs typeface="Menlo" charset="0"/>
+              </a:rPr>
+              <a:t>'</a:t>
+            </a:r>
+            <a:r>
+              <a:rPr lang="en-US" dirty="0">
+                <a:latin typeface="Menlo" charset="0"/>
+                <a:ea typeface="Menlo" charset="0"/>
+                <a:cs typeface="Menlo" charset="0"/>
+              </a:rPr>
+              <a:t>: </a:t>
+            </a:r>
+            <a:r>
+              <a:rPr lang="en-US" dirty="0">
+                <a:solidFill>
+                  <a:srgbClr val="6A8759"/>
+                </a:solidFill>
+                <a:latin typeface="Menlo" charset="0"/>
+                <a:ea typeface="Menlo" charset="0"/>
+                <a:cs typeface="Menlo" charset="0"/>
+              </a:rPr>
+              <a:t>"00000000000000000071"</a:t>
+            </a:r>
+            <a:r>
+              <a:rPr lang="en-US" dirty="0">
+                <a:solidFill>
+                  <a:srgbClr val="CC7832"/>
+                </a:solidFill>
+                <a:latin typeface="Menlo" charset="0"/>
+                <a:ea typeface="Menlo" charset="0"/>
+                <a:cs typeface="Menlo" charset="0"/>
+              </a:rPr>
+              <a:t>,</a:t>
+            </a:r>
+            <a:br>
+              <a:rPr lang="en-US" dirty="0">
+                <a:solidFill>
+                  <a:srgbClr val="CC7832"/>
+                </a:solidFill>
+                <a:latin typeface="Menlo" charset="0"/>
+                <a:ea typeface="Menlo" charset="0"/>
+                <a:cs typeface="Menlo" charset="0"/>
+              </a:rPr>
+            </a:br>
+            <a:r>
+              <a:rPr lang="en-US" dirty="0">
+                <a:solidFill>
+                  <a:srgbClr val="CC7832"/>
+                </a:solidFill>
+                <a:latin typeface="Menlo" charset="0"/>
+                <a:ea typeface="Menlo" charset="0"/>
+                <a:cs typeface="Menlo" charset="0"/>
+              </a:rPr>
+              <a:t>            </a:t>
+            </a:r>
+            <a:r>
+              <a:rPr lang="en-US" dirty="0">
+                <a:solidFill>
+                  <a:srgbClr val="6A8759"/>
+                </a:solidFill>
+                <a:latin typeface="Menlo" charset="0"/>
+                <a:ea typeface="Menlo" charset="0"/>
+                <a:cs typeface="Menlo" charset="0"/>
+              </a:rPr>
+              <a:t>'Comparator'</a:t>
+            </a:r>
+            <a:r>
+              <a:rPr lang="en-US" dirty="0">
+                <a:latin typeface="Menlo" charset="0"/>
+                <a:ea typeface="Menlo" charset="0"/>
+                <a:cs typeface="Menlo" charset="0"/>
+              </a:rPr>
+              <a:t>: </a:t>
+            </a:r>
+            <a:r>
+              <a:rPr lang="en-US" dirty="0">
+                <a:solidFill>
+                  <a:srgbClr val="6A8759"/>
+                </a:solidFill>
+                <a:latin typeface="Menlo" charset="0"/>
+                <a:ea typeface="Menlo" charset="0"/>
+                <a:cs typeface="Menlo" charset="0"/>
+              </a:rPr>
+              <a:t>"</a:t>
+            </a:r>
+            <a:r>
+              <a:rPr lang="en-US" dirty="0" err="1">
+                <a:solidFill>
+                  <a:srgbClr val="6A8759"/>
+                </a:solidFill>
+                <a:latin typeface="Menlo" charset="0"/>
+                <a:ea typeface="Menlo" charset="0"/>
+                <a:cs typeface="Menlo" charset="0"/>
+              </a:rPr>
+              <a:t>EqualTo</a:t>
+            </a:r>
+            <a:r>
+              <a:rPr lang="en-US" dirty="0">
+                <a:solidFill>
+                  <a:srgbClr val="6A8759"/>
+                </a:solidFill>
+                <a:latin typeface="Menlo" charset="0"/>
+                <a:ea typeface="Menlo" charset="0"/>
+                <a:cs typeface="Menlo" charset="0"/>
+              </a:rPr>
+              <a:t>"</a:t>
+            </a:r>
+            <a:r>
+              <a:rPr lang="en-US" dirty="0">
+                <a:solidFill>
+                  <a:srgbClr val="CC7832"/>
+                </a:solidFill>
+                <a:latin typeface="Menlo" charset="0"/>
+                <a:ea typeface="Menlo" charset="0"/>
+                <a:cs typeface="Menlo" charset="0"/>
+              </a:rPr>
+              <a:t>,</a:t>
+            </a:r>
+            <a:br>
+              <a:rPr lang="en-US" dirty="0">
+                <a:solidFill>
+                  <a:srgbClr val="CC7832"/>
+                </a:solidFill>
+                <a:latin typeface="Menlo" charset="0"/>
+                <a:ea typeface="Menlo" charset="0"/>
+                <a:cs typeface="Menlo" charset="0"/>
+              </a:rPr>
+            </a:br>
+            <a:r>
+              <a:rPr lang="en-US" dirty="0">
+                <a:solidFill>
+                  <a:srgbClr val="CC7832"/>
+                </a:solidFill>
+                <a:latin typeface="Menlo" charset="0"/>
+                <a:ea typeface="Menlo" charset="0"/>
+                <a:cs typeface="Menlo" charset="0"/>
+              </a:rPr>
+              <a:t>            </a:t>
+            </a:r>
+            <a:r>
+              <a:rPr lang="en-US" dirty="0">
+                <a:solidFill>
+                  <a:srgbClr val="6A8759"/>
+                </a:solidFill>
+                <a:latin typeface="Menlo" charset="0"/>
+                <a:ea typeface="Menlo" charset="0"/>
+                <a:cs typeface="Menlo" charset="0"/>
+              </a:rPr>
+              <a:t>'</a:t>
+            </a:r>
+            <a:r>
+              <a:rPr lang="en-US" dirty="0" err="1">
+                <a:solidFill>
+                  <a:srgbClr val="6A8759"/>
+                </a:solidFill>
+                <a:latin typeface="Menlo" charset="0"/>
+                <a:ea typeface="Menlo" charset="0"/>
+                <a:cs typeface="Menlo" charset="0"/>
+              </a:rPr>
+              <a:t>LocaleValues</a:t>
+            </a:r>
+            <a:r>
+              <a:rPr lang="en-US" dirty="0">
+                <a:solidFill>
+                  <a:srgbClr val="6A8759"/>
+                </a:solidFill>
+                <a:latin typeface="Menlo" charset="0"/>
+                <a:ea typeface="Menlo" charset="0"/>
+                <a:cs typeface="Menlo" charset="0"/>
+              </a:rPr>
+              <a:t>'</a:t>
+            </a:r>
+            <a:r>
+              <a:rPr lang="en-US" dirty="0">
+                <a:latin typeface="Menlo" charset="0"/>
+                <a:ea typeface="Menlo" charset="0"/>
+                <a:cs typeface="Menlo" charset="0"/>
+              </a:rPr>
+              <a:t>: [{</a:t>
+            </a:r>
+            <a:r>
+              <a:rPr lang="en-US" dirty="0">
+                <a:solidFill>
+                  <a:srgbClr val="6A8759"/>
+                </a:solidFill>
+                <a:latin typeface="Menlo" charset="0"/>
+                <a:ea typeface="Menlo" charset="0"/>
+                <a:cs typeface="Menlo" charset="0"/>
+              </a:rPr>
+              <a:t>'Country'</a:t>
+            </a:r>
+            <a:r>
+              <a:rPr lang="en-US" dirty="0">
+                <a:latin typeface="Menlo" charset="0"/>
+                <a:ea typeface="Menlo" charset="0"/>
+                <a:cs typeface="Menlo" charset="0"/>
+              </a:rPr>
+              <a:t>: </a:t>
+            </a:r>
+            <a:r>
+              <a:rPr lang="en-US" dirty="0">
+                <a:solidFill>
+                  <a:srgbClr val="6A8759"/>
+                </a:solidFill>
+                <a:latin typeface="Menlo" charset="0"/>
+                <a:ea typeface="Menlo" charset="0"/>
+                <a:cs typeface="Menlo" charset="0"/>
+              </a:rPr>
+              <a:t>"US"</a:t>
+            </a:r>
+            <a:r>
+              <a:rPr lang="en-US" dirty="0">
+                <a:latin typeface="Menlo" charset="0"/>
+                <a:ea typeface="Menlo" charset="0"/>
+                <a:cs typeface="Menlo" charset="0"/>
+              </a:rPr>
+              <a:t>}]</a:t>
+            </a:r>
+            <a:br>
+              <a:rPr lang="en-US" dirty="0">
+                <a:latin typeface="Menlo" charset="0"/>
+                <a:ea typeface="Menlo" charset="0"/>
+                <a:cs typeface="Menlo" charset="0"/>
+              </a:rPr>
+            </a:br>
+            <a:r>
+              <a:rPr lang="en-US" dirty="0">
+                <a:latin typeface="Menlo" charset="0"/>
+                <a:ea typeface="Menlo" charset="0"/>
+                <a:cs typeface="Menlo" charset="0"/>
+              </a:rPr>
+              <a:t>        }</a:t>
+            </a:r>
+            <a:r>
+              <a:rPr lang="en-US" dirty="0">
+                <a:solidFill>
+                  <a:srgbClr val="CC7832"/>
+                </a:solidFill>
+                <a:latin typeface="Menlo" charset="0"/>
+                <a:ea typeface="Menlo" charset="0"/>
+                <a:cs typeface="Menlo" charset="0"/>
+              </a:rPr>
+              <a:t>,</a:t>
+            </a:r>
+            <a:br>
+              <a:rPr lang="en-US" dirty="0">
+                <a:solidFill>
+                  <a:srgbClr val="CC7832"/>
+                </a:solidFill>
+                <a:latin typeface="Menlo" charset="0"/>
+                <a:ea typeface="Menlo" charset="0"/>
+                <a:cs typeface="Menlo" charset="0"/>
+              </a:rPr>
+            </a:br>
+            <a:r>
+              <a:rPr lang="en-US" dirty="0">
+                <a:solidFill>
+                  <a:srgbClr val="CC7832"/>
+                </a:solidFill>
+                <a:latin typeface="Menlo" charset="0"/>
+                <a:ea typeface="Menlo" charset="0"/>
+                <a:cs typeface="Menlo" charset="0"/>
+              </a:rPr>
+              <a:t>    </a:t>
+            </a:r>
+            <a:r>
+              <a:rPr lang="en-US" dirty="0">
+                <a:latin typeface="Menlo" charset="0"/>
+                <a:ea typeface="Menlo" charset="0"/>
+                <a:cs typeface="Menlo" charset="0"/>
+              </a:rPr>
+              <a:t>]</a:t>
+            </a:r>
+            <a:br>
+              <a:rPr lang="en-US" dirty="0">
+                <a:latin typeface="Menlo" charset="0"/>
+                <a:ea typeface="Menlo" charset="0"/>
+                <a:cs typeface="Menlo" charset="0"/>
+              </a:rPr>
+            </a:br>
+            <a:r>
+              <a:rPr lang="en-US" dirty="0">
+                <a:latin typeface="Menlo" charset="0"/>
+                <a:ea typeface="Menlo" charset="0"/>
+                <a:cs typeface="Menlo" charset="0"/>
+              </a:rPr>
+              <a:t>}</a:t>
+            </a:r>
+          </a:p>
+        </p:txBody>
+      </p:sp>
+    </p:spTree>
+    <p:extLst>
+      <p:ext uri="{BB962C8B-B14F-4D97-AF65-F5344CB8AC3E}">
+        <p14:creationId xmlns:p14="http://schemas.microsoft.com/office/powerpoint/2010/main" val="1454400547"/>
+      </p:ext>
+    </p:extLst>
+  </p:cSld>
+  <p:clrMapOvr>
+    <a:masterClrMapping/>
+  </p:clrMapOvr>
+  <p:timing>
+    <p:tnLst>
+      <p:par>
+        <p:cTn id="1" dur="indefinite" restart="never" nodeType="tmRoot"/>
+      </p:par>
+    </p:tnLst>
+  </p:timing>
+</p:sld>
+</file>
+
+<file path=ppt/slides/slide11.xml><?xml version="1.0" encoding="utf-8"?>
+<p:sld xmlns:a="http://schemas.openxmlformats.org/drawingml/2006/main" xmlns:r="http://schemas.openxmlformats.org/officeDocument/2006/relationships" xmlns:p="http://schemas.openxmlformats.org/presentationml/2006/main">
+  <p:cSld>
+    <p:spTree>
+      <p:nvGrpSpPr>
+        <p:cNvPr id="1" name=""/>
+        <p:cNvGrpSpPr/>
+        <p:nvPr/>
+      </p:nvGrpSpPr>
+      <p:grpSpPr>
+        <a:xfrm>
+          <a:off x="0" y="0"/>
+          <a:ext cx="0" cy="0"/>
+          <a:chOff x="0" y="0"/>
+          <a:chExt cx="0" cy="0"/>
+        </a:xfrm>
+      </p:grpSpPr>
+      <p:sp>
+        <p:nvSpPr>
+          <p:cNvPr id="2" name="Title 1"/>
+          <p:cNvSpPr>
+            <a:spLocks noGrp="1"/>
+          </p:cNvSpPr>
+          <p:nvPr>
+            <p:ph type="title"/>
+          </p:nvPr>
+        </p:nvSpPr>
+        <p:spPr/>
+        <p:txBody>
+          <a:bodyPr/>
+          <a:lstStyle/>
+          <a:p>
+            <a:r>
+              <a:rPr lang="en-US" smtClean="0"/>
+              <a:t>mTurk. Three steps</a:t>
+            </a:r>
+            <a:endParaRPr lang="en-US" dirty="0"/>
+          </a:p>
+        </p:txBody>
+      </p:sp>
+      <p:sp>
+        <p:nvSpPr>
+          <p:cNvPr id="7" name="Content Placeholder 6"/>
+          <p:cNvSpPr>
+            <a:spLocks noGrp="1"/>
+          </p:cNvSpPr>
+          <p:nvPr>
+            <p:ph idx="1"/>
+          </p:nvPr>
+        </p:nvSpPr>
+        <p:spPr>
+          <a:xfrm>
+            <a:off x="838200" y="1825625"/>
+            <a:ext cx="10515600" cy="1755775"/>
+          </a:xfrm>
+        </p:spPr>
+        <p:txBody>
+          <a:bodyPr/>
+          <a:lstStyle/>
+          <a:p>
+            <a:r>
+              <a:rPr lang="en-US" dirty="0" smtClean="0"/>
+              <a:t>1. Add parameters to </a:t>
+            </a:r>
+            <a:r>
+              <a:rPr lang="en-US" dirty="0" err="1" smtClean="0"/>
+              <a:t>settings.py</a:t>
+            </a:r>
+            <a:endParaRPr lang="en-US" dirty="0" smtClean="0"/>
+          </a:p>
+          <a:p>
+            <a:r>
+              <a:rPr lang="en-US" dirty="0" smtClean="0"/>
+              <a:t>2. install </a:t>
+            </a:r>
+            <a:r>
+              <a:rPr lang="en-US" dirty="0" err="1" smtClean="0"/>
+              <a:t>otree</a:t>
+            </a:r>
+            <a:r>
+              <a:rPr lang="en-US" dirty="0" smtClean="0"/>
+              <a:t>[</a:t>
+            </a:r>
+            <a:r>
+              <a:rPr lang="en-US" dirty="0" err="1" smtClean="0"/>
+              <a:t>mturk</a:t>
+            </a:r>
+            <a:r>
+              <a:rPr lang="en-US" dirty="0" smtClean="0"/>
+              <a:t>] and add this into </a:t>
+            </a:r>
+            <a:r>
+              <a:rPr lang="en-US" dirty="0" err="1" smtClean="0"/>
+              <a:t>requirements.txt</a:t>
+            </a:r>
+            <a:endParaRPr lang="en-US" dirty="0" smtClean="0"/>
+          </a:p>
+          <a:p>
+            <a:r>
+              <a:rPr lang="en-US" dirty="0" smtClean="0"/>
+              <a:t>3. set environment </a:t>
+            </a:r>
+            <a:r>
+              <a:rPr lang="en-US" dirty="0" err="1" smtClean="0"/>
+              <a:t>vars</a:t>
+            </a:r>
+            <a:r>
+              <a:rPr lang="en-US" dirty="0" smtClean="0"/>
+              <a:t> at server</a:t>
+            </a:r>
+            <a:endParaRPr lang="en-US" dirty="0"/>
+          </a:p>
+        </p:txBody>
+      </p:sp>
+      <p:sp>
+        <p:nvSpPr>
+          <p:cNvPr id="8" name="Rectangle 7"/>
+          <p:cNvSpPr/>
+          <p:nvPr/>
+        </p:nvSpPr>
+        <p:spPr>
+          <a:xfrm>
+            <a:off x="2000250" y="4028986"/>
+            <a:ext cx="8934450" cy="923330"/>
+          </a:xfrm>
+          <a:prstGeom prst="rect">
+            <a:avLst/>
+          </a:prstGeom>
+        </p:spPr>
+        <p:txBody>
+          <a:bodyPr wrap="square">
+            <a:spAutoFit/>
+          </a:bodyPr>
+          <a:lstStyle/>
+          <a:p>
+            <a:r>
+              <a:rPr lang="en-US" dirty="0">
+                <a:latin typeface="Menlo" charset="0"/>
+                <a:ea typeface="Menlo" charset="0"/>
+                <a:cs typeface="Menlo" charset="0"/>
+              </a:rPr>
+              <a:t>AWS_ACCESS_KEY_ID = </a:t>
+            </a:r>
+            <a:r>
+              <a:rPr lang="en-US" dirty="0" err="1">
+                <a:latin typeface="Menlo" charset="0"/>
+                <a:ea typeface="Menlo" charset="0"/>
+                <a:cs typeface="Menlo" charset="0"/>
+              </a:rPr>
+              <a:t>environ.get</a:t>
+            </a:r>
+            <a:r>
+              <a:rPr lang="en-US" dirty="0">
+                <a:latin typeface="Menlo" charset="0"/>
+                <a:ea typeface="Menlo" charset="0"/>
+                <a:cs typeface="Menlo" charset="0"/>
+              </a:rPr>
+              <a:t>(</a:t>
+            </a:r>
+            <a:r>
+              <a:rPr lang="en-US" dirty="0">
+                <a:solidFill>
+                  <a:srgbClr val="6A8759"/>
+                </a:solidFill>
+                <a:latin typeface="Menlo" charset="0"/>
+                <a:ea typeface="Menlo" charset="0"/>
+                <a:cs typeface="Menlo" charset="0"/>
+              </a:rPr>
+              <a:t>'AWS_ACCESS_KEY_ID'</a:t>
+            </a:r>
+            <a:r>
+              <a:rPr lang="en-US" dirty="0">
+                <a:latin typeface="Menlo" charset="0"/>
+                <a:ea typeface="Menlo" charset="0"/>
+                <a:cs typeface="Menlo" charset="0"/>
+              </a:rPr>
+              <a:t>)</a:t>
+            </a:r>
+            <a:br>
+              <a:rPr lang="en-US" dirty="0">
+                <a:latin typeface="Menlo" charset="0"/>
+                <a:ea typeface="Menlo" charset="0"/>
+                <a:cs typeface="Menlo" charset="0"/>
+              </a:rPr>
+            </a:br>
+            <a:r>
+              <a:rPr lang="en-US" dirty="0">
+                <a:latin typeface="Menlo" charset="0"/>
+                <a:ea typeface="Menlo" charset="0"/>
+                <a:cs typeface="Menlo" charset="0"/>
+              </a:rPr>
+              <a:t>AWS_SECRET_ACCESS_KEY = </a:t>
+            </a:r>
+            <a:r>
+              <a:rPr lang="en-US" dirty="0" err="1">
+                <a:latin typeface="Menlo" charset="0"/>
+                <a:ea typeface="Menlo" charset="0"/>
+                <a:cs typeface="Menlo" charset="0"/>
+              </a:rPr>
+              <a:t>environ.get</a:t>
+            </a:r>
+            <a:r>
+              <a:rPr lang="en-US" dirty="0">
+                <a:latin typeface="Menlo" charset="0"/>
+                <a:ea typeface="Menlo" charset="0"/>
+                <a:cs typeface="Menlo" charset="0"/>
+              </a:rPr>
+              <a:t>(</a:t>
+            </a:r>
+            <a:r>
+              <a:rPr lang="en-US" dirty="0">
+                <a:solidFill>
+                  <a:srgbClr val="6A8759"/>
+                </a:solidFill>
+                <a:latin typeface="Menlo" charset="0"/>
+                <a:ea typeface="Menlo" charset="0"/>
+                <a:cs typeface="Menlo" charset="0"/>
+              </a:rPr>
+              <a:t>'AWS_SECRET_ACCESS_KEY'</a:t>
+            </a:r>
+            <a:r>
+              <a:rPr lang="en-US" dirty="0">
+                <a:latin typeface="Menlo" charset="0"/>
+                <a:ea typeface="Menlo" charset="0"/>
+                <a:cs typeface="Menlo" charset="0"/>
+              </a:rPr>
+              <a:t>)</a:t>
+            </a:r>
+            <a:br>
+              <a:rPr lang="en-US" dirty="0">
+                <a:latin typeface="Menlo" charset="0"/>
+                <a:ea typeface="Menlo" charset="0"/>
+                <a:cs typeface="Menlo" charset="0"/>
+              </a:rPr>
+            </a:br>
+            <a:endParaRPr lang="en-US" dirty="0">
+              <a:latin typeface="Menlo" charset="0"/>
+              <a:ea typeface="Menlo" charset="0"/>
+              <a:cs typeface="Menlo" charset="0"/>
+            </a:endParaRPr>
+          </a:p>
+        </p:txBody>
+      </p:sp>
+    </p:spTree>
+    <p:extLst>
+      <p:ext uri="{BB962C8B-B14F-4D97-AF65-F5344CB8AC3E}">
+        <p14:creationId xmlns:p14="http://schemas.microsoft.com/office/powerpoint/2010/main" val="781074569"/>
+      </p:ext>
+    </p:extLst>
+  </p:cSld>
+  <p:clrMapOvr>
+    <a:masterClrMapping/>
+  </p:clrMapOvr>
+  <p:timing>
+    <p:tnLst>
+      <p:par>
+        <p:cTn id="1" dur="indefinite" restart="never" nodeType="tmRoot"/>
+      </p:par>
+    </p:tnLst>
+  </p:timing>
+</p:sld>
+</file>
+
 <file path=ppt/slides/slide2.xml><?xml version="1.0" encoding="utf-8"?>
 <p:sld xmlns:a="http://schemas.openxmlformats.org/drawingml/2006/main" xmlns:r="http://schemas.openxmlformats.org/officeDocument/2006/relationships" xmlns:p="http://schemas.openxmlformats.org/presentationml/2006/main">
   <p:cSld>
@@ -4204,30 +5693,27 @@
           </a:p>
           <a:p>
             <a:r>
+              <a:rPr lang="en-US" dirty="0" err="1"/>
+              <a:t>getattr</a:t>
+            </a:r>
+            <a:r>
+              <a:rPr lang="en-US" dirty="0"/>
+              <a:t>, </a:t>
+            </a:r>
+            <a:r>
+              <a:rPr lang="en-US" dirty="0" err="1" smtClean="0"/>
+              <a:t>setattr</a:t>
+            </a:r>
+            <a:endParaRPr lang="en-US" dirty="0" smtClean="0"/>
+          </a:p>
+          <a:p>
+            <a:r>
               <a:rPr lang="en-US" dirty="0" smtClean="0"/>
               <a:t>Bootstrap </a:t>
             </a:r>
-          </a:p>
-          <a:p>
-            <a:r>
-              <a:rPr lang="en-US" dirty="0" err="1" smtClean="0"/>
-              <a:t>getattr</a:t>
-            </a:r>
-            <a:r>
-              <a:rPr lang="en-US" dirty="0"/>
-              <a:t>, </a:t>
-            </a:r>
-            <a:r>
-              <a:rPr lang="en-US" dirty="0" err="1" smtClean="0"/>
-              <a:t>setattr</a:t>
-            </a:r>
             <a:endParaRPr lang="en-US" dirty="0" smtClean="0"/>
           </a:p>
           <a:p>
-            <a:r>
-              <a:rPr lang="en-US" dirty="0" smtClean="0"/>
-              <a:t> </a:t>
-            </a:r>
             <a:r>
               <a:rPr lang="en-US" dirty="0" err="1" smtClean="0"/>
               <a:t>mTurk</a:t>
@@ -4246,6 +5732,3928 @@
   <p:clrMapOvr>
     <a:masterClrMapping/>
   </p:clrMapOvr>
+</p:sld>
+</file>
+
+<file path=ppt/slides/slide3.xml><?xml version="1.0" encoding="utf-8"?>
+<p:sld xmlns:a="http://schemas.openxmlformats.org/drawingml/2006/main" xmlns:r="http://schemas.openxmlformats.org/officeDocument/2006/relationships" xmlns:p="http://schemas.openxmlformats.org/presentationml/2006/main">
+  <p:cSld>
+    <p:spTree>
+      <p:nvGrpSpPr>
+        <p:cNvPr id="1" name=""/>
+        <p:cNvGrpSpPr/>
+        <p:nvPr/>
+      </p:nvGrpSpPr>
+      <p:grpSpPr>
+        <a:xfrm>
+          <a:off x="0" y="0"/>
+          <a:ext cx="0" cy="0"/>
+          <a:chOff x="0" y="0"/>
+          <a:chExt cx="0" cy="0"/>
+        </a:xfrm>
+      </p:grpSpPr>
+      <p:sp>
+        <p:nvSpPr>
+          <p:cNvPr id="2" name="Title 1"/>
+          <p:cNvSpPr>
+            <a:spLocks noGrp="1"/>
+          </p:cNvSpPr>
+          <p:nvPr>
+            <p:ph type="title"/>
+          </p:nvPr>
+        </p:nvSpPr>
+        <p:spPr/>
+        <p:txBody>
+          <a:bodyPr/>
+          <a:lstStyle/>
+          <a:p>
+            <a:r>
+              <a:rPr lang="en-US" dirty="0" smtClean="0"/>
+              <a:t>PGGFG (Fehr and </a:t>
+            </a:r>
+            <a:r>
+              <a:rPr lang="en-US" dirty="0" err="1" smtClean="0"/>
+              <a:t>Gaechter</a:t>
+            </a:r>
+            <a:r>
+              <a:rPr lang="en-US" dirty="0" smtClean="0"/>
+              <a:t> 1999)</a:t>
+            </a:r>
+            <a:endParaRPr lang="en-US" dirty="0"/>
+          </a:p>
+        </p:txBody>
+      </p:sp>
+      <p:sp>
+        <p:nvSpPr>
+          <p:cNvPr id="3" name="Content Placeholder 2"/>
+          <p:cNvSpPr>
+            <a:spLocks noGrp="1"/>
+          </p:cNvSpPr>
+          <p:nvPr>
+            <p:ph idx="1"/>
+          </p:nvPr>
+        </p:nvSpPr>
+        <p:spPr/>
+        <p:txBody>
+          <a:bodyPr/>
+          <a:lstStyle/>
+          <a:p>
+            <a:r>
+              <a:rPr lang="en-US" dirty="0" smtClean="0"/>
+              <a:t>PGG (VCM) + one more stage</a:t>
+            </a:r>
+          </a:p>
+          <a:p>
+            <a:r>
+              <a:rPr lang="en-US" dirty="0" smtClean="0"/>
+              <a:t>Deduction tokens: either an extra endowment or using profits from Stage 1</a:t>
+            </a:r>
+          </a:p>
+          <a:p>
+            <a:r>
+              <a:rPr lang="en-US" dirty="0" smtClean="0"/>
+              <a:t>Parameters: </a:t>
+            </a:r>
+          </a:p>
+          <a:p>
+            <a:pPr lvl="1"/>
+            <a:r>
+              <a:rPr lang="en-US" dirty="0" smtClean="0"/>
+              <a:t>punishment coefficient</a:t>
+            </a:r>
+          </a:p>
+          <a:p>
+            <a:pPr lvl="1"/>
+            <a:r>
+              <a:rPr lang="en-US" dirty="0" smtClean="0"/>
+              <a:t>Max punishment sent to all/individual members</a:t>
+            </a:r>
+          </a:p>
+          <a:p>
+            <a:r>
+              <a:rPr lang="en-US" dirty="0" smtClean="0"/>
+              <a:t>Within-subject design (Punishment stage starts from Nth round)</a:t>
+            </a:r>
+          </a:p>
+          <a:p>
+            <a:endParaRPr lang="en-US" dirty="0"/>
+          </a:p>
+        </p:txBody>
+      </p:sp>
+    </p:spTree>
+    <p:extLst>
+      <p:ext uri="{BB962C8B-B14F-4D97-AF65-F5344CB8AC3E}">
+        <p14:creationId xmlns:p14="http://schemas.microsoft.com/office/powerpoint/2010/main" val="892081725"/>
+      </p:ext>
+    </p:extLst>
+  </p:cSld>
+  <p:clrMapOvr>
+    <a:masterClrMapping/>
+  </p:clrMapOvr>
+  <p:timing>
+    <p:tnLst>
+      <p:par>
+        <p:cTn id="1" dur="indefinite" restart="never" nodeType="tmRoot"/>
+      </p:par>
+    </p:tnLst>
+  </p:timing>
+</p:sld>
+</file>
+
+<file path=ppt/slides/slide4.xml><?xml version="1.0" encoding="utf-8"?>
+<p:sld xmlns:a="http://schemas.openxmlformats.org/drawingml/2006/main" xmlns:r="http://schemas.openxmlformats.org/officeDocument/2006/relationships" xmlns:p="http://schemas.openxmlformats.org/presentationml/2006/main">
+  <p:cSld>
+    <p:spTree>
+      <p:nvGrpSpPr>
+        <p:cNvPr id="1" name=""/>
+        <p:cNvGrpSpPr/>
+        <p:nvPr/>
+      </p:nvGrpSpPr>
+      <p:grpSpPr>
+        <a:xfrm>
+          <a:off x="0" y="0"/>
+          <a:ext cx="0" cy="0"/>
+          <a:chOff x="0" y="0"/>
+          <a:chExt cx="0" cy="0"/>
+        </a:xfrm>
+      </p:grpSpPr>
+      <p:sp>
+        <p:nvSpPr>
+          <p:cNvPr id="2" name="Title 1"/>
+          <p:cNvSpPr>
+            <a:spLocks noGrp="1"/>
+          </p:cNvSpPr>
+          <p:nvPr>
+            <p:ph type="title"/>
+          </p:nvPr>
+        </p:nvSpPr>
+        <p:spPr/>
+        <p:txBody>
+          <a:bodyPr/>
+          <a:lstStyle/>
+          <a:p>
+            <a:r>
+              <a:rPr lang="en-US" dirty="0" err="1" smtClean="0"/>
+              <a:t>Getattr</a:t>
+            </a:r>
+            <a:r>
+              <a:rPr lang="en-US" dirty="0" smtClean="0"/>
+              <a:t>/</a:t>
+            </a:r>
+            <a:r>
+              <a:rPr lang="en-US" dirty="0" err="1" smtClean="0"/>
+              <a:t>setattr</a:t>
+            </a:r>
+            <a:endParaRPr lang="en-US" dirty="0"/>
+          </a:p>
+        </p:txBody>
+      </p:sp>
+      <p:sp>
+        <p:nvSpPr>
+          <p:cNvPr id="3" name="Content Placeholder 2"/>
+          <p:cNvSpPr>
+            <a:spLocks noGrp="1"/>
+          </p:cNvSpPr>
+          <p:nvPr>
+            <p:ph idx="1"/>
+          </p:nvPr>
+        </p:nvSpPr>
+        <p:spPr/>
+        <p:txBody>
+          <a:bodyPr/>
+          <a:lstStyle/>
+          <a:p>
+            <a:r>
+              <a:rPr lang="en-US" dirty="0" err="1" smtClean="0"/>
+              <a:t>getattr</a:t>
+            </a:r>
+            <a:r>
+              <a:rPr lang="en-US" dirty="0" smtClean="0"/>
+              <a:t>(</a:t>
+            </a:r>
+            <a:r>
+              <a:rPr lang="en-US" dirty="0" err="1" smtClean="0"/>
+              <a:t>obj</a:t>
+            </a:r>
+            <a:r>
+              <a:rPr lang="en-US" dirty="0" smtClean="0"/>
+              <a:t>, field)</a:t>
+            </a:r>
+          </a:p>
+          <a:p>
+            <a:r>
+              <a:rPr lang="en-US" dirty="0" err="1"/>
+              <a:t>s</a:t>
+            </a:r>
+            <a:r>
+              <a:rPr lang="en-US" dirty="0" err="1" smtClean="0"/>
+              <a:t>etattr</a:t>
+            </a:r>
+            <a:r>
+              <a:rPr lang="en-US" dirty="0" smtClean="0"/>
+              <a:t>(</a:t>
+            </a:r>
+            <a:r>
+              <a:rPr lang="en-US" dirty="0" err="1" smtClean="0"/>
+              <a:t>obj</a:t>
+            </a:r>
+            <a:r>
+              <a:rPr lang="en-US" dirty="0" smtClean="0"/>
+              <a:t>, field, value)</a:t>
+            </a:r>
+          </a:p>
+        </p:txBody>
+      </p:sp>
+      <p:sp>
+        <p:nvSpPr>
+          <p:cNvPr id="4" name="Rectangle 3"/>
+          <p:cNvSpPr/>
+          <p:nvPr/>
+        </p:nvSpPr>
+        <p:spPr>
+          <a:xfrm>
+            <a:off x="495300" y="3201927"/>
+            <a:ext cx="11696700" cy="2246769"/>
+          </a:xfrm>
+          <a:prstGeom prst="rect">
+            <a:avLst/>
+          </a:prstGeom>
+        </p:spPr>
+        <p:txBody>
+          <a:bodyPr wrap="square">
+            <a:spAutoFit/>
+          </a:bodyPr>
+          <a:lstStyle/>
+          <a:p>
+            <a:r>
+              <a:rPr lang="en-US" sz="1400" dirty="0" err="1">
+                <a:solidFill>
+                  <a:srgbClr val="CC7832"/>
+                </a:solidFill>
+                <a:latin typeface="Menlo" charset="0"/>
+                <a:ea typeface="Menlo" charset="0"/>
+                <a:cs typeface="Menlo" charset="0"/>
+              </a:rPr>
+              <a:t>def</a:t>
+            </a:r>
+            <a:r>
+              <a:rPr lang="en-US" sz="1400" dirty="0">
+                <a:solidFill>
+                  <a:srgbClr val="CC7832"/>
+                </a:solidFill>
+                <a:latin typeface="Menlo" charset="0"/>
+                <a:ea typeface="Menlo" charset="0"/>
+                <a:cs typeface="Menlo" charset="0"/>
+              </a:rPr>
+              <a:t> </a:t>
+            </a:r>
+            <a:r>
+              <a:rPr lang="en-US" sz="1400" dirty="0" err="1">
+                <a:solidFill>
+                  <a:srgbClr val="FFC66D"/>
+                </a:solidFill>
+                <a:latin typeface="Menlo" charset="0"/>
+                <a:ea typeface="Menlo" charset="0"/>
+                <a:cs typeface="Menlo" charset="0"/>
+              </a:rPr>
+              <a:t>set_punishment</a:t>
+            </a:r>
+            <a:r>
+              <a:rPr lang="en-US" sz="1400" dirty="0">
+                <a:latin typeface="Menlo" charset="0"/>
+                <a:ea typeface="Menlo" charset="0"/>
+                <a:cs typeface="Menlo" charset="0"/>
+              </a:rPr>
+              <a:t>(</a:t>
+            </a:r>
+            <a:r>
+              <a:rPr lang="en-US" sz="1400" dirty="0">
+                <a:solidFill>
+                  <a:srgbClr val="94558D"/>
+                </a:solidFill>
+                <a:latin typeface="Menlo" charset="0"/>
+                <a:ea typeface="Menlo" charset="0"/>
+                <a:cs typeface="Menlo" charset="0"/>
+              </a:rPr>
+              <a:t>self</a:t>
+            </a:r>
+            <a:r>
+              <a:rPr lang="en-US" sz="1400" dirty="0">
+                <a:latin typeface="Menlo" charset="0"/>
+                <a:ea typeface="Menlo" charset="0"/>
+                <a:cs typeface="Menlo" charset="0"/>
+              </a:rPr>
+              <a:t>):</a:t>
+            </a:r>
+            <a:br>
+              <a:rPr lang="en-US" sz="1400" dirty="0">
+                <a:latin typeface="Menlo" charset="0"/>
+                <a:ea typeface="Menlo" charset="0"/>
+                <a:cs typeface="Menlo" charset="0"/>
+              </a:rPr>
+            </a:br>
+            <a:r>
+              <a:rPr lang="en-US" sz="1400" dirty="0">
+                <a:latin typeface="Menlo" charset="0"/>
+                <a:ea typeface="Menlo" charset="0"/>
+                <a:cs typeface="Menlo" charset="0"/>
+              </a:rPr>
+              <a:t>    </a:t>
+            </a:r>
+            <a:r>
+              <a:rPr lang="en-US" sz="1400" dirty="0" err="1">
+                <a:latin typeface="Menlo" charset="0"/>
+                <a:ea typeface="Menlo" charset="0"/>
+                <a:cs typeface="Menlo" charset="0"/>
+              </a:rPr>
+              <a:t>puns_sent</a:t>
+            </a:r>
+            <a:r>
+              <a:rPr lang="en-US" sz="1400" dirty="0">
+                <a:latin typeface="Menlo" charset="0"/>
+                <a:ea typeface="Menlo" charset="0"/>
+                <a:cs typeface="Menlo" charset="0"/>
+              </a:rPr>
+              <a:t> = [</a:t>
+            </a:r>
+            <a:r>
+              <a:rPr lang="en-US" sz="1400" dirty="0" err="1">
+                <a:solidFill>
+                  <a:srgbClr val="8888C6"/>
+                </a:solidFill>
+                <a:latin typeface="Menlo" charset="0"/>
+                <a:ea typeface="Menlo" charset="0"/>
+                <a:cs typeface="Menlo" charset="0"/>
+              </a:rPr>
+              <a:t>getattr</a:t>
+            </a:r>
+            <a:r>
+              <a:rPr lang="en-US" sz="1400" dirty="0">
+                <a:latin typeface="Menlo" charset="0"/>
+                <a:ea typeface="Menlo" charset="0"/>
+                <a:cs typeface="Menlo" charset="0"/>
+              </a:rPr>
+              <a:t>(</a:t>
+            </a:r>
+            <a:r>
+              <a:rPr lang="en-US" sz="1400" dirty="0">
+                <a:solidFill>
+                  <a:srgbClr val="94558D"/>
+                </a:solidFill>
+                <a:latin typeface="Menlo" charset="0"/>
+                <a:ea typeface="Menlo" charset="0"/>
+                <a:cs typeface="Menlo" charset="0"/>
+              </a:rPr>
+              <a:t>self</a:t>
+            </a:r>
+            <a:r>
+              <a:rPr lang="en-US" sz="1400" dirty="0">
+                <a:solidFill>
+                  <a:srgbClr val="CC7832"/>
+                </a:solidFill>
+                <a:latin typeface="Menlo" charset="0"/>
+                <a:ea typeface="Menlo" charset="0"/>
+                <a:cs typeface="Menlo" charset="0"/>
+              </a:rPr>
+              <a:t>, </a:t>
+            </a:r>
+            <a:r>
+              <a:rPr lang="en-US" sz="1400" dirty="0">
+                <a:solidFill>
+                  <a:srgbClr val="6A8759"/>
+                </a:solidFill>
+                <a:latin typeface="Menlo" charset="0"/>
+                <a:ea typeface="Menlo" charset="0"/>
+                <a:cs typeface="Menlo" charset="0"/>
+              </a:rPr>
+              <a:t>'pun{}'</a:t>
+            </a:r>
+            <a:r>
+              <a:rPr lang="en-US" sz="1400" dirty="0">
+                <a:latin typeface="Menlo" charset="0"/>
+                <a:ea typeface="Menlo" charset="0"/>
+                <a:cs typeface="Menlo" charset="0"/>
+              </a:rPr>
+              <a:t>.format(</a:t>
+            </a:r>
+            <a:r>
+              <a:rPr lang="en-US" sz="1400" dirty="0" err="1">
+                <a:latin typeface="Menlo" charset="0"/>
+                <a:ea typeface="Menlo" charset="0"/>
+                <a:cs typeface="Menlo" charset="0"/>
+              </a:rPr>
+              <a:t>p.id_in_group</a:t>
+            </a:r>
+            <a:r>
+              <a:rPr lang="en-US" sz="1400" dirty="0">
+                <a:latin typeface="Menlo" charset="0"/>
+                <a:ea typeface="Menlo" charset="0"/>
+                <a:cs typeface="Menlo" charset="0"/>
+              </a:rPr>
+              <a:t>)) </a:t>
+            </a:r>
+            <a:r>
+              <a:rPr lang="en-US" sz="1400" dirty="0">
+                <a:solidFill>
+                  <a:srgbClr val="CC7832"/>
+                </a:solidFill>
+                <a:latin typeface="Menlo" charset="0"/>
+                <a:ea typeface="Menlo" charset="0"/>
+                <a:cs typeface="Menlo" charset="0"/>
+              </a:rPr>
+              <a:t>for </a:t>
+            </a:r>
+            <a:r>
+              <a:rPr lang="en-US" sz="1400" dirty="0">
+                <a:latin typeface="Menlo" charset="0"/>
+                <a:ea typeface="Menlo" charset="0"/>
+                <a:cs typeface="Menlo" charset="0"/>
+              </a:rPr>
+              <a:t>p </a:t>
+            </a:r>
+            <a:r>
+              <a:rPr lang="en-US" sz="1400" dirty="0">
+                <a:solidFill>
+                  <a:srgbClr val="CC7832"/>
+                </a:solidFill>
+                <a:latin typeface="Menlo" charset="0"/>
+                <a:ea typeface="Menlo" charset="0"/>
+                <a:cs typeface="Menlo" charset="0"/>
+              </a:rPr>
+              <a:t>in </a:t>
+            </a:r>
+            <a:r>
+              <a:rPr lang="en-US" sz="1400" dirty="0" err="1">
+                <a:solidFill>
+                  <a:srgbClr val="94558D"/>
+                </a:solidFill>
+                <a:latin typeface="Menlo" charset="0"/>
+                <a:ea typeface="Menlo" charset="0"/>
+                <a:cs typeface="Menlo" charset="0"/>
+              </a:rPr>
+              <a:t>self</a:t>
+            </a:r>
+            <a:r>
+              <a:rPr lang="en-US" sz="1400" dirty="0" err="1">
+                <a:latin typeface="Menlo" charset="0"/>
+                <a:ea typeface="Menlo" charset="0"/>
+                <a:cs typeface="Menlo" charset="0"/>
+              </a:rPr>
+              <a:t>.get_others_in_group</a:t>
+            </a:r>
+            <a:r>
+              <a:rPr lang="en-US" sz="1400" dirty="0">
+                <a:latin typeface="Menlo" charset="0"/>
+                <a:ea typeface="Menlo" charset="0"/>
+                <a:cs typeface="Menlo" charset="0"/>
+              </a:rPr>
+              <a:t>()]</a:t>
+            </a:r>
+            <a:br>
+              <a:rPr lang="en-US" sz="1400" dirty="0">
+                <a:latin typeface="Menlo" charset="0"/>
+                <a:ea typeface="Menlo" charset="0"/>
+                <a:cs typeface="Menlo" charset="0"/>
+              </a:rPr>
+            </a:br>
+            <a:r>
+              <a:rPr lang="en-US" sz="1400" dirty="0">
+                <a:latin typeface="Menlo" charset="0"/>
+                <a:ea typeface="Menlo" charset="0"/>
+                <a:cs typeface="Menlo" charset="0"/>
+              </a:rPr>
+              <a:t>    </a:t>
+            </a:r>
+            <a:r>
+              <a:rPr lang="en-US" sz="1400" dirty="0" err="1">
+                <a:latin typeface="Menlo" charset="0"/>
+                <a:ea typeface="Menlo" charset="0"/>
+                <a:cs typeface="Menlo" charset="0"/>
+              </a:rPr>
+              <a:t>puns_received</a:t>
+            </a:r>
+            <a:r>
+              <a:rPr lang="en-US" sz="1400" dirty="0">
+                <a:latin typeface="Menlo" charset="0"/>
+                <a:ea typeface="Menlo" charset="0"/>
+                <a:cs typeface="Menlo" charset="0"/>
+              </a:rPr>
+              <a:t> = [</a:t>
+            </a:r>
+            <a:r>
+              <a:rPr lang="en-US" sz="1400" dirty="0" err="1">
+                <a:solidFill>
+                  <a:srgbClr val="8888C6"/>
+                </a:solidFill>
+                <a:latin typeface="Menlo" charset="0"/>
+                <a:ea typeface="Menlo" charset="0"/>
+                <a:cs typeface="Menlo" charset="0"/>
+              </a:rPr>
+              <a:t>getattr</a:t>
+            </a:r>
+            <a:r>
+              <a:rPr lang="en-US" sz="1400" dirty="0">
+                <a:latin typeface="Menlo" charset="0"/>
+                <a:ea typeface="Menlo" charset="0"/>
+                <a:cs typeface="Menlo" charset="0"/>
+              </a:rPr>
+              <a:t>(p</a:t>
+            </a:r>
+            <a:r>
+              <a:rPr lang="en-US" sz="1400" dirty="0">
+                <a:solidFill>
+                  <a:srgbClr val="CC7832"/>
+                </a:solidFill>
+                <a:latin typeface="Menlo" charset="0"/>
+                <a:ea typeface="Menlo" charset="0"/>
+                <a:cs typeface="Menlo" charset="0"/>
+              </a:rPr>
+              <a:t>, </a:t>
+            </a:r>
+            <a:r>
+              <a:rPr lang="en-US" sz="1400" dirty="0">
+                <a:solidFill>
+                  <a:srgbClr val="6A8759"/>
+                </a:solidFill>
+                <a:latin typeface="Menlo" charset="0"/>
+                <a:ea typeface="Menlo" charset="0"/>
+                <a:cs typeface="Menlo" charset="0"/>
+              </a:rPr>
+              <a:t>'pun{}'</a:t>
+            </a:r>
+            <a:r>
+              <a:rPr lang="en-US" sz="1400" dirty="0">
+                <a:latin typeface="Menlo" charset="0"/>
+                <a:ea typeface="Menlo" charset="0"/>
+                <a:cs typeface="Menlo" charset="0"/>
+              </a:rPr>
+              <a:t>.format(</a:t>
+            </a:r>
+            <a:r>
+              <a:rPr lang="en-US" sz="1400" dirty="0" err="1">
+                <a:solidFill>
+                  <a:srgbClr val="94558D"/>
+                </a:solidFill>
+                <a:latin typeface="Menlo" charset="0"/>
+                <a:ea typeface="Menlo" charset="0"/>
+                <a:cs typeface="Menlo" charset="0"/>
+              </a:rPr>
+              <a:t>self</a:t>
+            </a:r>
+            <a:r>
+              <a:rPr lang="en-US" sz="1400" dirty="0" err="1">
+                <a:latin typeface="Menlo" charset="0"/>
+                <a:ea typeface="Menlo" charset="0"/>
+                <a:cs typeface="Menlo" charset="0"/>
+              </a:rPr>
+              <a:t>.id_in_group</a:t>
+            </a:r>
+            <a:r>
+              <a:rPr lang="en-US" sz="1400" dirty="0">
+                <a:latin typeface="Menlo" charset="0"/>
+                <a:ea typeface="Menlo" charset="0"/>
+                <a:cs typeface="Menlo" charset="0"/>
+              </a:rPr>
+              <a:t>)) </a:t>
+            </a:r>
+            <a:r>
+              <a:rPr lang="en-US" sz="1400" dirty="0">
+                <a:solidFill>
+                  <a:srgbClr val="CC7832"/>
+                </a:solidFill>
+                <a:latin typeface="Menlo" charset="0"/>
+                <a:ea typeface="Menlo" charset="0"/>
+                <a:cs typeface="Menlo" charset="0"/>
+              </a:rPr>
+              <a:t>for </a:t>
+            </a:r>
+            <a:r>
+              <a:rPr lang="en-US" sz="1400" dirty="0">
+                <a:latin typeface="Menlo" charset="0"/>
+                <a:ea typeface="Menlo" charset="0"/>
+                <a:cs typeface="Menlo" charset="0"/>
+              </a:rPr>
+              <a:t>p </a:t>
+            </a:r>
+            <a:r>
+              <a:rPr lang="en-US" sz="1400" dirty="0">
+                <a:solidFill>
+                  <a:srgbClr val="CC7832"/>
+                </a:solidFill>
+                <a:latin typeface="Menlo" charset="0"/>
+                <a:ea typeface="Menlo" charset="0"/>
+                <a:cs typeface="Menlo" charset="0"/>
+              </a:rPr>
+              <a:t>in </a:t>
+            </a:r>
+            <a:r>
+              <a:rPr lang="en-US" sz="1400" dirty="0" err="1">
+                <a:solidFill>
+                  <a:srgbClr val="94558D"/>
+                </a:solidFill>
+                <a:latin typeface="Menlo" charset="0"/>
+                <a:ea typeface="Menlo" charset="0"/>
+                <a:cs typeface="Menlo" charset="0"/>
+              </a:rPr>
+              <a:t>self</a:t>
+            </a:r>
+            <a:r>
+              <a:rPr lang="en-US" sz="1400" dirty="0" err="1">
+                <a:latin typeface="Menlo" charset="0"/>
+                <a:ea typeface="Menlo" charset="0"/>
+                <a:cs typeface="Menlo" charset="0"/>
+              </a:rPr>
+              <a:t>.get_others_in_group</a:t>
+            </a:r>
+            <a:r>
+              <a:rPr lang="en-US" sz="1400" dirty="0">
+                <a:latin typeface="Menlo" charset="0"/>
+                <a:ea typeface="Menlo" charset="0"/>
+                <a:cs typeface="Menlo" charset="0"/>
+              </a:rPr>
+              <a:t>()]</a:t>
+            </a:r>
+            <a:br>
+              <a:rPr lang="en-US" sz="1400" dirty="0">
+                <a:latin typeface="Menlo" charset="0"/>
+                <a:ea typeface="Menlo" charset="0"/>
+                <a:cs typeface="Menlo" charset="0"/>
+              </a:rPr>
+            </a:br>
+            <a:r>
+              <a:rPr lang="en-US" sz="1400" dirty="0">
+                <a:latin typeface="Menlo" charset="0"/>
+                <a:ea typeface="Menlo" charset="0"/>
+                <a:cs typeface="Menlo" charset="0"/>
+              </a:rPr>
+              <a:t>    </a:t>
+            </a:r>
+            <a:r>
+              <a:rPr lang="en-US" sz="1400" dirty="0">
+                <a:solidFill>
+                  <a:srgbClr val="CC7832"/>
+                </a:solidFill>
+                <a:latin typeface="Menlo" charset="0"/>
+                <a:ea typeface="Menlo" charset="0"/>
+                <a:cs typeface="Menlo" charset="0"/>
+              </a:rPr>
+              <a:t>if </a:t>
+            </a:r>
+            <a:r>
+              <a:rPr lang="en-US" sz="1400" dirty="0" err="1">
+                <a:solidFill>
+                  <a:srgbClr val="94558D"/>
+                </a:solidFill>
+                <a:latin typeface="Menlo" charset="0"/>
+                <a:ea typeface="Menlo" charset="0"/>
+                <a:cs typeface="Menlo" charset="0"/>
+              </a:rPr>
+              <a:t>self</a:t>
+            </a:r>
+            <a:r>
+              <a:rPr lang="en-US" sz="1400" dirty="0" err="1">
+                <a:latin typeface="Menlo" charset="0"/>
+                <a:ea typeface="Menlo" charset="0"/>
+                <a:cs typeface="Menlo" charset="0"/>
+              </a:rPr>
+              <a:t>.subsession.punishment</a:t>
+            </a:r>
+            <a:r>
+              <a:rPr lang="en-US" sz="1400" dirty="0">
+                <a:latin typeface="Menlo" charset="0"/>
+                <a:ea typeface="Menlo" charset="0"/>
+                <a:cs typeface="Menlo" charset="0"/>
+              </a:rPr>
+              <a:t>:</a:t>
+            </a:r>
+            <a:br>
+              <a:rPr lang="en-US" sz="1400" dirty="0">
+                <a:latin typeface="Menlo" charset="0"/>
+                <a:ea typeface="Menlo" charset="0"/>
+                <a:cs typeface="Menlo" charset="0"/>
+              </a:rPr>
+            </a:br>
+            <a:r>
+              <a:rPr lang="en-US" sz="1400" dirty="0">
+                <a:latin typeface="Menlo" charset="0"/>
+                <a:ea typeface="Menlo" charset="0"/>
+                <a:cs typeface="Menlo" charset="0"/>
+              </a:rPr>
+              <a:t>        </a:t>
+            </a:r>
+            <a:r>
+              <a:rPr lang="en-US" sz="1400" dirty="0" err="1">
+                <a:solidFill>
+                  <a:srgbClr val="94558D"/>
+                </a:solidFill>
+                <a:latin typeface="Menlo" charset="0"/>
+                <a:ea typeface="Menlo" charset="0"/>
+                <a:cs typeface="Menlo" charset="0"/>
+              </a:rPr>
+              <a:t>self</a:t>
+            </a:r>
+            <a:r>
+              <a:rPr lang="en-US" sz="1400" dirty="0" err="1">
+                <a:latin typeface="Menlo" charset="0"/>
+                <a:ea typeface="Menlo" charset="0"/>
+                <a:cs typeface="Menlo" charset="0"/>
+              </a:rPr>
+              <a:t>.punishment_sent</a:t>
+            </a:r>
+            <a:r>
+              <a:rPr lang="en-US" sz="1400" dirty="0">
+                <a:latin typeface="Menlo" charset="0"/>
+                <a:ea typeface="Menlo" charset="0"/>
+                <a:cs typeface="Menlo" charset="0"/>
+              </a:rPr>
+              <a:t> = </a:t>
+            </a:r>
+            <a:r>
+              <a:rPr lang="en-US" sz="1400" dirty="0" err="1">
+                <a:solidFill>
+                  <a:srgbClr val="8888C6"/>
+                </a:solidFill>
+                <a:latin typeface="Menlo" charset="0"/>
+                <a:ea typeface="Menlo" charset="0"/>
+                <a:cs typeface="Menlo" charset="0"/>
+              </a:rPr>
+              <a:t>int</a:t>
+            </a:r>
+            <a:r>
+              <a:rPr lang="en-US" sz="1400" dirty="0">
+                <a:latin typeface="Menlo" charset="0"/>
+                <a:ea typeface="Menlo" charset="0"/>
+                <a:cs typeface="Menlo" charset="0"/>
+              </a:rPr>
+              <a:t>(</a:t>
+            </a:r>
+            <a:r>
+              <a:rPr lang="en-US" sz="1400" dirty="0">
+                <a:solidFill>
+                  <a:srgbClr val="8888C6"/>
+                </a:solidFill>
+                <a:latin typeface="Menlo" charset="0"/>
+                <a:ea typeface="Menlo" charset="0"/>
+                <a:cs typeface="Menlo" charset="0"/>
+              </a:rPr>
+              <a:t>sum</a:t>
+            </a:r>
+            <a:r>
+              <a:rPr lang="en-US" sz="1400" dirty="0">
+                <a:latin typeface="Menlo" charset="0"/>
+                <a:ea typeface="Menlo" charset="0"/>
+                <a:cs typeface="Menlo" charset="0"/>
+              </a:rPr>
+              <a:t>(</a:t>
+            </a:r>
+            <a:r>
+              <a:rPr lang="en-US" sz="1400" dirty="0" err="1">
+                <a:latin typeface="Menlo" charset="0"/>
+                <a:ea typeface="Menlo" charset="0"/>
+                <a:cs typeface="Menlo" charset="0"/>
+              </a:rPr>
+              <a:t>puns_sent</a:t>
+            </a:r>
+            <a:r>
+              <a:rPr lang="en-US" sz="1400" dirty="0">
+                <a:latin typeface="Menlo" charset="0"/>
+                <a:ea typeface="Menlo" charset="0"/>
+                <a:cs typeface="Menlo" charset="0"/>
+              </a:rPr>
+              <a:t>))</a:t>
+            </a:r>
+            <a:br>
+              <a:rPr lang="en-US" sz="1400" dirty="0">
+                <a:latin typeface="Menlo" charset="0"/>
+                <a:ea typeface="Menlo" charset="0"/>
+                <a:cs typeface="Menlo" charset="0"/>
+              </a:rPr>
+            </a:br>
+            <a:r>
+              <a:rPr lang="en-US" sz="1400" dirty="0">
+                <a:latin typeface="Menlo" charset="0"/>
+                <a:ea typeface="Menlo" charset="0"/>
+                <a:cs typeface="Menlo" charset="0"/>
+              </a:rPr>
+              <a:t>        </a:t>
+            </a:r>
+            <a:r>
+              <a:rPr lang="en-US" sz="1400" dirty="0" err="1">
+                <a:solidFill>
+                  <a:srgbClr val="94558D"/>
+                </a:solidFill>
+                <a:latin typeface="Menlo" charset="0"/>
+                <a:ea typeface="Menlo" charset="0"/>
+                <a:cs typeface="Menlo" charset="0"/>
+              </a:rPr>
+              <a:t>self</a:t>
+            </a:r>
+            <a:r>
+              <a:rPr lang="en-US" sz="1400" dirty="0" err="1">
+                <a:latin typeface="Menlo" charset="0"/>
+                <a:ea typeface="Menlo" charset="0"/>
+                <a:cs typeface="Menlo" charset="0"/>
+              </a:rPr>
+              <a:t>.punishment_received</a:t>
+            </a:r>
+            <a:r>
+              <a:rPr lang="en-US" sz="1400" dirty="0">
+                <a:latin typeface="Menlo" charset="0"/>
+                <a:ea typeface="Menlo" charset="0"/>
+                <a:cs typeface="Menlo" charset="0"/>
+              </a:rPr>
+              <a:t> = </a:t>
+            </a:r>
+            <a:r>
+              <a:rPr lang="en-US" sz="1400" dirty="0" err="1">
+                <a:solidFill>
+                  <a:srgbClr val="8888C6"/>
+                </a:solidFill>
+                <a:latin typeface="Menlo" charset="0"/>
+                <a:ea typeface="Menlo" charset="0"/>
+                <a:cs typeface="Menlo" charset="0"/>
+              </a:rPr>
+              <a:t>int</a:t>
+            </a:r>
+            <a:r>
+              <a:rPr lang="en-US" sz="1400" dirty="0">
+                <a:latin typeface="Menlo" charset="0"/>
+                <a:ea typeface="Menlo" charset="0"/>
+                <a:cs typeface="Menlo" charset="0"/>
+              </a:rPr>
+              <a:t>(</a:t>
+            </a:r>
+            <a:r>
+              <a:rPr lang="en-US" sz="1400" dirty="0">
+                <a:solidFill>
+                  <a:srgbClr val="8888C6"/>
+                </a:solidFill>
+                <a:latin typeface="Menlo" charset="0"/>
+                <a:ea typeface="Menlo" charset="0"/>
+                <a:cs typeface="Menlo" charset="0"/>
+              </a:rPr>
+              <a:t>sum</a:t>
+            </a:r>
+            <a:r>
+              <a:rPr lang="en-US" sz="1400" dirty="0">
+                <a:latin typeface="Menlo" charset="0"/>
+                <a:ea typeface="Menlo" charset="0"/>
+                <a:cs typeface="Menlo" charset="0"/>
+              </a:rPr>
+              <a:t>(</a:t>
+            </a:r>
+            <a:r>
+              <a:rPr lang="en-US" sz="1400" dirty="0" err="1">
+                <a:latin typeface="Menlo" charset="0"/>
+                <a:ea typeface="Menlo" charset="0"/>
+                <a:cs typeface="Menlo" charset="0"/>
+              </a:rPr>
+              <a:t>puns_received</a:t>
+            </a:r>
+            <a:r>
+              <a:rPr lang="en-US" sz="1400" dirty="0">
+                <a:latin typeface="Menlo" charset="0"/>
+                <a:ea typeface="Menlo" charset="0"/>
+                <a:cs typeface="Menlo" charset="0"/>
+              </a:rPr>
+              <a:t>)) * </a:t>
+            </a:r>
+            <a:r>
+              <a:rPr lang="en-US" sz="1400" dirty="0" err="1">
+                <a:latin typeface="Menlo" charset="0"/>
+                <a:ea typeface="Menlo" charset="0"/>
+                <a:cs typeface="Menlo" charset="0"/>
+              </a:rPr>
+              <a:t>Constants.punishment_factor</a:t>
+            </a:r>
+            <a:r>
+              <a:rPr lang="en-US" sz="1400" dirty="0">
+                <a:latin typeface="Menlo" charset="0"/>
+                <a:ea typeface="Menlo" charset="0"/>
+                <a:cs typeface="Menlo" charset="0"/>
+              </a:rPr>
+              <a:t/>
+            </a:r>
+            <a:br>
+              <a:rPr lang="en-US" sz="1400" dirty="0">
+                <a:latin typeface="Menlo" charset="0"/>
+                <a:ea typeface="Menlo" charset="0"/>
+                <a:cs typeface="Menlo" charset="0"/>
+              </a:rPr>
+            </a:br>
+            <a:r>
+              <a:rPr lang="en-US" sz="1400" dirty="0">
+                <a:latin typeface="Menlo" charset="0"/>
+                <a:ea typeface="Menlo" charset="0"/>
+                <a:cs typeface="Menlo" charset="0"/>
+              </a:rPr>
+              <a:t>    </a:t>
+            </a:r>
+            <a:r>
+              <a:rPr lang="en-US" sz="1400" dirty="0">
+                <a:solidFill>
+                  <a:srgbClr val="CC7832"/>
+                </a:solidFill>
+                <a:latin typeface="Menlo" charset="0"/>
+                <a:ea typeface="Menlo" charset="0"/>
+                <a:cs typeface="Menlo" charset="0"/>
+              </a:rPr>
+              <a:t>else</a:t>
+            </a:r>
+            <a:r>
+              <a:rPr lang="en-US" sz="1400" dirty="0">
+                <a:latin typeface="Menlo" charset="0"/>
+                <a:ea typeface="Menlo" charset="0"/>
+                <a:cs typeface="Menlo" charset="0"/>
+              </a:rPr>
+              <a:t>:</a:t>
+            </a:r>
+            <a:br>
+              <a:rPr lang="en-US" sz="1400" dirty="0">
+                <a:latin typeface="Menlo" charset="0"/>
+                <a:ea typeface="Menlo" charset="0"/>
+                <a:cs typeface="Menlo" charset="0"/>
+              </a:rPr>
+            </a:br>
+            <a:r>
+              <a:rPr lang="en-US" sz="1400" dirty="0">
+                <a:latin typeface="Menlo" charset="0"/>
+                <a:ea typeface="Menlo" charset="0"/>
+                <a:cs typeface="Menlo" charset="0"/>
+              </a:rPr>
+              <a:t>        </a:t>
+            </a:r>
+            <a:r>
+              <a:rPr lang="en-US" sz="1400" dirty="0" err="1">
+                <a:solidFill>
+                  <a:srgbClr val="94558D"/>
+                </a:solidFill>
+                <a:latin typeface="Menlo" charset="0"/>
+                <a:ea typeface="Menlo" charset="0"/>
+                <a:cs typeface="Menlo" charset="0"/>
+              </a:rPr>
+              <a:t>self</a:t>
+            </a:r>
+            <a:r>
+              <a:rPr lang="en-US" sz="1400" dirty="0" err="1">
+                <a:latin typeface="Menlo" charset="0"/>
+                <a:ea typeface="Menlo" charset="0"/>
+                <a:cs typeface="Menlo" charset="0"/>
+              </a:rPr>
+              <a:t>.punishment_sent</a:t>
+            </a:r>
+            <a:r>
+              <a:rPr lang="en-US" sz="1400" dirty="0">
+                <a:latin typeface="Menlo" charset="0"/>
+                <a:ea typeface="Menlo" charset="0"/>
+                <a:cs typeface="Menlo" charset="0"/>
+              </a:rPr>
+              <a:t> = </a:t>
+            </a:r>
+            <a:r>
+              <a:rPr lang="en-US" sz="1400" dirty="0">
+                <a:solidFill>
+                  <a:srgbClr val="6897BB"/>
+                </a:solidFill>
+                <a:latin typeface="Menlo" charset="0"/>
+                <a:ea typeface="Menlo" charset="0"/>
+                <a:cs typeface="Menlo" charset="0"/>
+              </a:rPr>
+              <a:t>0</a:t>
+            </a:r>
+            <a:br>
+              <a:rPr lang="en-US" sz="1400" dirty="0">
+                <a:solidFill>
+                  <a:srgbClr val="6897BB"/>
+                </a:solidFill>
+                <a:latin typeface="Menlo" charset="0"/>
+                <a:ea typeface="Menlo" charset="0"/>
+                <a:cs typeface="Menlo" charset="0"/>
+              </a:rPr>
+            </a:br>
+            <a:r>
+              <a:rPr lang="en-US" sz="1400" dirty="0">
+                <a:solidFill>
+                  <a:srgbClr val="6897BB"/>
+                </a:solidFill>
+                <a:latin typeface="Menlo" charset="0"/>
+                <a:ea typeface="Menlo" charset="0"/>
+                <a:cs typeface="Menlo" charset="0"/>
+              </a:rPr>
+              <a:t>        </a:t>
+            </a:r>
+            <a:r>
+              <a:rPr lang="en-US" sz="1400" dirty="0" err="1">
+                <a:solidFill>
+                  <a:srgbClr val="94558D"/>
+                </a:solidFill>
+                <a:latin typeface="Menlo" charset="0"/>
+                <a:ea typeface="Menlo" charset="0"/>
+                <a:cs typeface="Menlo" charset="0"/>
+              </a:rPr>
+              <a:t>self</a:t>
+            </a:r>
+            <a:r>
+              <a:rPr lang="en-US" sz="1400" dirty="0" err="1">
+                <a:latin typeface="Menlo" charset="0"/>
+                <a:ea typeface="Menlo" charset="0"/>
+                <a:cs typeface="Menlo" charset="0"/>
+              </a:rPr>
+              <a:t>.punishment_received</a:t>
+            </a:r>
+            <a:r>
+              <a:rPr lang="en-US" sz="1400" dirty="0">
+                <a:latin typeface="Menlo" charset="0"/>
+                <a:ea typeface="Menlo" charset="0"/>
+                <a:cs typeface="Menlo" charset="0"/>
+              </a:rPr>
+              <a:t> = </a:t>
+            </a:r>
+            <a:r>
+              <a:rPr lang="en-US" sz="1400" dirty="0">
+                <a:solidFill>
+                  <a:srgbClr val="6897BB"/>
+                </a:solidFill>
+                <a:latin typeface="Menlo" charset="0"/>
+                <a:ea typeface="Menlo" charset="0"/>
+                <a:cs typeface="Menlo" charset="0"/>
+              </a:rPr>
+              <a:t>0</a:t>
+            </a:r>
+            <a:br>
+              <a:rPr lang="en-US" sz="1400" dirty="0">
+                <a:solidFill>
+                  <a:srgbClr val="6897BB"/>
+                </a:solidFill>
+                <a:latin typeface="Menlo" charset="0"/>
+                <a:ea typeface="Menlo" charset="0"/>
+                <a:cs typeface="Menlo" charset="0"/>
+              </a:rPr>
+            </a:br>
+            <a:endParaRPr lang="en-US" sz="1400" dirty="0">
+              <a:latin typeface="Menlo" charset="0"/>
+              <a:ea typeface="Menlo" charset="0"/>
+              <a:cs typeface="Menlo" charset="0"/>
+            </a:endParaRPr>
+          </a:p>
+        </p:txBody>
+      </p:sp>
+    </p:spTree>
+    <p:extLst>
+      <p:ext uri="{BB962C8B-B14F-4D97-AF65-F5344CB8AC3E}">
+        <p14:creationId xmlns:p14="http://schemas.microsoft.com/office/powerpoint/2010/main" val="615174059"/>
+      </p:ext>
+    </p:extLst>
+  </p:cSld>
+  <p:clrMapOvr>
+    <a:masterClrMapping/>
+  </p:clrMapOvr>
+  <p:timing>
+    <p:tnLst>
+      <p:par>
+        <p:cTn id="1" dur="indefinite" restart="never" nodeType="tmRoot"/>
+      </p:par>
+    </p:tnLst>
+  </p:timing>
+</p:sld>
+</file>
+
+<file path=ppt/slides/slide5.xml><?xml version="1.0" encoding="utf-8"?>
+<p:sld xmlns:a="http://schemas.openxmlformats.org/drawingml/2006/main" xmlns:r="http://schemas.openxmlformats.org/officeDocument/2006/relationships" xmlns:p="http://schemas.openxmlformats.org/presentationml/2006/main">
+  <p:cSld>
+    <p:spTree>
+      <p:nvGrpSpPr>
+        <p:cNvPr id="1" name=""/>
+        <p:cNvGrpSpPr/>
+        <p:nvPr/>
+      </p:nvGrpSpPr>
+      <p:grpSpPr>
+        <a:xfrm>
+          <a:off x="0" y="0"/>
+          <a:ext cx="0" cy="0"/>
+          <a:chOff x="0" y="0"/>
+          <a:chExt cx="0" cy="0"/>
+        </a:xfrm>
+      </p:grpSpPr>
+      <p:sp>
+        <p:nvSpPr>
+          <p:cNvPr id="2" name="Title 1"/>
+          <p:cNvSpPr>
+            <a:spLocks noGrp="1"/>
+          </p:cNvSpPr>
+          <p:nvPr>
+            <p:ph type="title"/>
+          </p:nvPr>
+        </p:nvSpPr>
+        <p:spPr/>
+        <p:txBody>
+          <a:bodyPr/>
+          <a:lstStyle/>
+          <a:p>
+            <a:r>
+              <a:rPr lang="en-US" dirty="0" smtClean="0"/>
+              <a:t>Punishment fields</a:t>
+            </a:r>
+            <a:endParaRPr lang="en-US" dirty="0"/>
+          </a:p>
+        </p:txBody>
+      </p:sp>
+      <p:sp>
+        <p:nvSpPr>
+          <p:cNvPr id="4" name="Rectangle 3"/>
+          <p:cNvSpPr/>
+          <p:nvPr/>
+        </p:nvSpPr>
+        <p:spPr>
+          <a:xfrm>
+            <a:off x="342900" y="1997839"/>
+            <a:ext cx="11849100" cy="2308324"/>
+          </a:xfrm>
+          <a:prstGeom prst="rect">
+            <a:avLst/>
+          </a:prstGeom>
+        </p:spPr>
+        <p:txBody>
+          <a:bodyPr wrap="square">
+            <a:spAutoFit/>
+          </a:bodyPr>
+          <a:lstStyle/>
+          <a:p>
+            <a:r>
+              <a:rPr lang="en-US" sz="1600" dirty="0">
+                <a:solidFill>
+                  <a:srgbClr val="CC7832"/>
+                </a:solidFill>
+                <a:latin typeface="Menlo" charset="0"/>
+                <a:ea typeface="Menlo" charset="0"/>
+                <a:cs typeface="Menlo" charset="0"/>
+              </a:rPr>
+              <a:t>class </a:t>
+            </a:r>
+            <a:r>
+              <a:rPr lang="en-US" sz="1600" dirty="0">
+                <a:latin typeface="Menlo" charset="0"/>
+                <a:ea typeface="Menlo" charset="0"/>
+                <a:cs typeface="Menlo" charset="0"/>
+              </a:rPr>
+              <a:t>Punishment(Page):</a:t>
+            </a:r>
+            <a:br>
+              <a:rPr lang="en-US" sz="1600" dirty="0">
+                <a:latin typeface="Menlo" charset="0"/>
+                <a:ea typeface="Menlo" charset="0"/>
+                <a:cs typeface="Menlo" charset="0"/>
+              </a:rPr>
+            </a:br>
+            <a:r>
+              <a:rPr lang="en-US" sz="1600" dirty="0">
+                <a:latin typeface="Menlo" charset="0"/>
+                <a:ea typeface="Menlo" charset="0"/>
+                <a:cs typeface="Menlo" charset="0"/>
+              </a:rPr>
+              <a:t>    </a:t>
+            </a:r>
+            <a:r>
+              <a:rPr lang="en-US" sz="1600" dirty="0" err="1">
+                <a:latin typeface="Menlo" charset="0"/>
+                <a:ea typeface="Menlo" charset="0"/>
+                <a:cs typeface="Menlo" charset="0"/>
+              </a:rPr>
+              <a:t>form_model</a:t>
+            </a:r>
+            <a:r>
+              <a:rPr lang="en-US" sz="1600" dirty="0">
+                <a:latin typeface="Menlo" charset="0"/>
+                <a:ea typeface="Menlo" charset="0"/>
+                <a:cs typeface="Menlo" charset="0"/>
+              </a:rPr>
+              <a:t> = </a:t>
+            </a:r>
+            <a:r>
+              <a:rPr lang="en-US" sz="1600" dirty="0">
+                <a:solidFill>
+                  <a:srgbClr val="6A8759"/>
+                </a:solidFill>
+                <a:latin typeface="Menlo" charset="0"/>
+                <a:ea typeface="Menlo" charset="0"/>
+                <a:cs typeface="Menlo" charset="0"/>
+              </a:rPr>
+              <a:t>'player'</a:t>
+            </a:r>
+            <a:br>
+              <a:rPr lang="en-US" sz="1600" dirty="0">
+                <a:solidFill>
+                  <a:srgbClr val="6A8759"/>
+                </a:solidFill>
+                <a:latin typeface="Menlo" charset="0"/>
+                <a:ea typeface="Menlo" charset="0"/>
+                <a:cs typeface="Menlo" charset="0"/>
+              </a:rPr>
+            </a:br>
+            <a:r>
+              <a:rPr lang="en-US" sz="1600" dirty="0">
+                <a:solidFill>
+                  <a:srgbClr val="6A8759"/>
+                </a:solidFill>
+                <a:latin typeface="Menlo" charset="0"/>
+                <a:ea typeface="Menlo" charset="0"/>
+                <a:cs typeface="Menlo" charset="0"/>
+              </a:rPr>
+              <a:t/>
+            </a:r>
+            <a:br>
+              <a:rPr lang="en-US" sz="1600" dirty="0">
+                <a:solidFill>
+                  <a:srgbClr val="6A8759"/>
+                </a:solidFill>
+                <a:latin typeface="Menlo" charset="0"/>
+                <a:ea typeface="Menlo" charset="0"/>
+                <a:cs typeface="Menlo" charset="0"/>
+              </a:rPr>
+            </a:br>
+            <a:r>
+              <a:rPr lang="en-US" sz="1600" dirty="0">
+                <a:solidFill>
+                  <a:srgbClr val="6A8759"/>
+                </a:solidFill>
+                <a:latin typeface="Menlo" charset="0"/>
+                <a:ea typeface="Menlo" charset="0"/>
+                <a:cs typeface="Menlo" charset="0"/>
+              </a:rPr>
+              <a:t>    </a:t>
+            </a:r>
+            <a:r>
+              <a:rPr lang="en-US" sz="1600" dirty="0" err="1">
+                <a:solidFill>
+                  <a:srgbClr val="CC7832"/>
+                </a:solidFill>
+                <a:latin typeface="Menlo" charset="0"/>
+                <a:ea typeface="Menlo" charset="0"/>
+                <a:cs typeface="Menlo" charset="0"/>
+              </a:rPr>
+              <a:t>def</a:t>
+            </a:r>
+            <a:r>
+              <a:rPr lang="en-US" sz="1600" dirty="0">
+                <a:solidFill>
+                  <a:srgbClr val="CC7832"/>
+                </a:solidFill>
+                <a:latin typeface="Menlo" charset="0"/>
+                <a:ea typeface="Menlo" charset="0"/>
+                <a:cs typeface="Menlo" charset="0"/>
+              </a:rPr>
+              <a:t> </a:t>
+            </a:r>
+            <a:r>
+              <a:rPr lang="en-US" sz="1600" dirty="0" err="1">
+                <a:solidFill>
+                  <a:srgbClr val="FFC66D"/>
+                </a:solidFill>
+                <a:latin typeface="Menlo" charset="0"/>
+                <a:ea typeface="Menlo" charset="0"/>
+                <a:cs typeface="Menlo" charset="0"/>
+              </a:rPr>
+              <a:t>is_displayed</a:t>
+            </a:r>
+            <a:r>
+              <a:rPr lang="en-US" sz="1600" dirty="0">
+                <a:latin typeface="Menlo" charset="0"/>
+                <a:ea typeface="Menlo" charset="0"/>
+                <a:cs typeface="Menlo" charset="0"/>
+              </a:rPr>
+              <a:t>(</a:t>
+            </a:r>
+            <a:r>
+              <a:rPr lang="en-US" sz="1600" dirty="0">
+                <a:solidFill>
+                  <a:srgbClr val="94558D"/>
+                </a:solidFill>
+                <a:latin typeface="Menlo" charset="0"/>
+                <a:ea typeface="Menlo" charset="0"/>
+                <a:cs typeface="Menlo" charset="0"/>
+              </a:rPr>
+              <a:t>self</a:t>
+            </a:r>
+            <a:r>
+              <a:rPr lang="en-US" sz="1600" dirty="0">
+                <a:latin typeface="Menlo" charset="0"/>
+                <a:ea typeface="Menlo" charset="0"/>
+                <a:cs typeface="Menlo" charset="0"/>
+              </a:rPr>
+              <a:t>):</a:t>
+            </a:r>
+            <a:br>
+              <a:rPr lang="en-US" sz="1600" dirty="0">
+                <a:latin typeface="Menlo" charset="0"/>
+                <a:ea typeface="Menlo" charset="0"/>
+                <a:cs typeface="Menlo" charset="0"/>
+              </a:rPr>
+            </a:br>
+            <a:r>
+              <a:rPr lang="en-US" sz="1600" dirty="0">
+                <a:latin typeface="Menlo" charset="0"/>
+                <a:ea typeface="Menlo" charset="0"/>
+                <a:cs typeface="Menlo" charset="0"/>
+              </a:rPr>
+              <a:t>        </a:t>
+            </a:r>
+            <a:r>
+              <a:rPr lang="en-US" sz="1600" dirty="0">
+                <a:solidFill>
+                  <a:srgbClr val="CC7832"/>
+                </a:solidFill>
+                <a:latin typeface="Menlo" charset="0"/>
+                <a:ea typeface="Menlo" charset="0"/>
+                <a:cs typeface="Menlo" charset="0"/>
+              </a:rPr>
+              <a:t>return </a:t>
+            </a:r>
+            <a:r>
+              <a:rPr lang="en-US" sz="1600" dirty="0" err="1">
+                <a:solidFill>
+                  <a:srgbClr val="94558D"/>
+                </a:solidFill>
+                <a:latin typeface="Menlo" charset="0"/>
+                <a:ea typeface="Menlo" charset="0"/>
+                <a:cs typeface="Menlo" charset="0"/>
+              </a:rPr>
+              <a:t>self</a:t>
+            </a:r>
+            <a:r>
+              <a:rPr lang="en-US" sz="1600" dirty="0" err="1">
+                <a:latin typeface="Menlo" charset="0"/>
+                <a:ea typeface="Menlo" charset="0"/>
+                <a:cs typeface="Menlo" charset="0"/>
+              </a:rPr>
+              <a:t>.subsession.punishment</a:t>
+            </a:r>
+            <a:r>
+              <a:rPr lang="en-US" sz="1600" dirty="0">
+                <a:latin typeface="Menlo" charset="0"/>
+                <a:ea typeface="Menlo" charset="0"/>
+                <a:cs typeface="Menlo" charset="0"/>
+              </a:rPr>
+              <a:t/>
+            </a:r>
+            <a:br>
+              <a:rPr lang="en-US" sz="1600" dirty="0">
+                <a:latin typeface="Menlo" charset="0"/>
+                <a:ea typeface="Menlo" charset="0"/>
+                <a:cs typeface="Menlo" charset="0"/>
+              </a:rPr>
+            </a:br>
+            <a:r>
+              <a:rPr lang="en-US" sz="1600" dirty="0">
+                <a:latin typeface="Menlo" charset="0"/>
+                <a:ea typeface="Menlo" charset="0"/>
+                <a:cs typeface="Menlo" charset="0"/>
+              </a:rPr>
+              <a:t/>
+            </a:r>
+            <a:br>
+              <a:rPr lang="en-US" sz="1600" dirty="0">
+                <a:latin typeface="Menlo" charset="0"/>
+                <a:ea typeface="Menlo" charset="0"/>
+                <a:cs typeface="Menlo" charset="0"/>
+              </a:rPr>
+            </a:br>
+            <a:r>
+              <a:rPr lang="en-US" sz="1600" dirty="0">
+                <a:latin typeface="Menlo" charset="0"/>
+                <a:ea typeface="Menlo" charset="0"/>
+                <a:cs typeface="Menlo" charset="0"/>
+              </a:rPr>
+              <a:t>    </a:t>
+            </a:r>
+            <a:r>
+              <a:rPr lang="en-US" sz="1600" dirty="0" err="1">
+                <a:solidFill>
+                  <a:srgbClr val="CC7832"/>
+                </a:solidFill>
+                <a:latin typeface="Menlo" charset="0"/>
+                <a:ea typeface="Menlo" charset="0"/>
+                <a:cs typeface="Menlo" charset="0"/>
+              </a:rPr>
+              <a:t>def</a:t>
+            </a:r>
+            <a:r>
+              <a:rPr lang="en-US" sz="1600" dirty="0">
+                <a:solidFill>
+                  <a:srgbClr val="CC7832"/>
+                </a:solidFill>
+                <a:latin typeface="Menlo" charset="0"/>
+                <a:ea typeface="Menlo" charset="0"/>
+                <a:cs typeface="Menlo" charset="0"/>
+              </a:rPr>
+              <a:t> </a:t>
+            </a:r>
+            <a:r>
+              <a:rPr lang="en-US" sz="1600" dirty="0" err="1">
+                <a:solidFill>
+                  <a:srgbClr val="FFC66D"/>
+                </a:solidFill>
+                <a:latin typeface="Menlo" charset="0"/>
+                <a:ea typeface="Menlo" charset="0"/>
+                <a:cs typeface="Menlo" charset="0"/>
+              </a:rPr>
+              <a:t>get_form_fields</a:t>
+            </a:r>
+            <a:r>
+              <a:rPr lang="en-US" sz="1600" dirty="0">
+                <a:latin typeface="Menlo" charset="0"/>
+                <a:ea typeface="Menlo" charset="0"/>
+                <a:cs typeface="Menlo" charset="0"/>
+              </a:rPr>
+              <a:t>(</a:t>
+            </a:r>
+            <a:r>
+              <a:rPr lang="en-US" sz="1600" dirty="0">
+                <a:solidFill>
+                  <a:srgbClr val="94558D"/>
+                </a:solidFill>
+                <a:latin typeface="Menlo" charset="0"/>
+                <a:ea typeface="Menlo" charset="0"/>
+                <a:cs typeface="Menlo" charset="0"/>
+              </a:rPr>
+              <a:t>self</a:t>
+            </a:r>
+            <a:r>
+              <a:rPr lang="en-US" sz="1600" dirty="0">
+                <a:latin typeface="Menlo" charset="0"/>
+                <a:ea typeface="Menlo" charset="0"/>
+                <a:cs typeface="Menlo" charset="0"/>
+              </a:rPr>
+              <a:t>):</a:t>
+            </a:r>
+            <a:br>
+              <a:rPr lang="en-US" sz="1600" dirty="0">
+                <a:latin typeface="Menlo" charset="0"/>
+                <a:ea typeface="Menlo" charset="0"/>
+                <a:cs typeface="Menlo" charset="0"/>
+              </a:rPr>
+            </a:br>
+            <a:r>
+              <a:rPr lang="en-US" sz="1600" dirty="0">
+                <a:latin typeface="Menlo" charset="0"/>
+                <a:ea typeface="Menlo" charset="0"/>
+                <a:cs typeface="Menlo" charset="0"/>
+              </a:rPr>
+              <a:t>        </a:t>
+            </a:r>
+            <a:r>
+              <a:rPr lang="en-US" sz="1600" dirty="0">
+                <a:solidFill>
+                  <a:srgbClr val="CC7832"/>
+                </a:solidFill>
+                <a:latin typeface="Menlo" charset="0"/>
+                <a:ea typeface="Menlo" charset="0"/>
+                <a:cs typeface="Menlo" charset="0"/>
+              </a:rPr>
+              <a:t>return </a:t>
+            </a:r>
+            <a:r>
+              <a:rPr lang="en-US" sz="1600" dirty="0">
+                <a:latin typeface="Menlo" charset="0"/>
+                <a:ea typeface="Menlo" charset="0"/>
+                <a:cs typeface="Menlo" charset="0"/>
+              </a:rPr>
+              <a:t>[</a:t>
+            </a:r>
+            <a:r>
+              <a:rPr lang="en-US" sz="1600" dirty="0">
+                <a:solidFill>
+                  <a:srgbClr val="6A8759"/>
+                </a:solidFill>
+                <a:latin typeface="Menlo" charset="0"/>
+                <a:ea typeface="Menlo" charset="0"/>
+                <a:cs typeface="Menlo" charset="0"/>
+              </a:rPr>
+              <a:t>'pun{}'</a:t>
+            </a:r>
+            <a:r>
+              <a:rPr lang="en-US" sz="1600" dirty="0">
+                <a:latin typeface="Menlo" charset="0"/>
+                <a:ea typeface="Menlo" charset="0"/>
+                <a:cs typeface="Menlo" charset="0"/>
+              </a:rPr>
+              <a:t>.format(</a:t>
+            </a:r>
+            <a:r>
+              <a:rPr lang="en-US" sz="1600" dirty="0" err="1">
+                <a:latin typeface="Menlo" charset="0"/>
+                <a:ea typeface="Menlo" charset="0"/>
+                <a:cs typeface="Menlo" charset="0"/>
+              </a:rPr>
+              <a:t>p.id_in_group</a:t>
+            </a:r>
+            <a:r>
+              <a:rPr lang="en-US" sz="1600" dirty="0">
+                <a:latin typeface="Menlo" charset="0"/>
+                <a:ea typeface="Menlo" charset="0"/>
+                <a:cs typeface="Menlo" charset="0"/>
+              </a:rPr>
+              <a:t>) </a:t>
+            </a:r>
+            <a:r>
+              <a:rPr lang="en-US" sz="1600" dirty="0">
+                <a:solidFill>
+                  <a:srgbClr val="CC7832"/>
+                </a:solidFill>
+                <a:latin typeface="Menlo" charset="0"/>
+                <a:ea typeface="Menlo" charset="0"/>
+                <a:cs typeface="Menlo" charset="0"/>
+              </a:rPr>
+              <a:t>for </a:t>
+            </a:r>
+            <a:r>
+              <a:rPr lang="en-US" sz="1600" dirty="0">
+                <a:latin typeface="Menlo" charset="0"/>
+                <a:ea typeface="Menlo" charset="0"/>
+                <a:cs typeface="Menlo" charset="0"/>
+              </a:rPr>
+              <a:t>p </a:t>
+            </a:r>
+            <a:r>
+              <a:rPr lang="en-US" sz="1600" dirty="0">
+                <a:solidFill>
+                  <a:srgbClr val="CC7832"/>
+                </a:solidFill>
+                <a:latin typeface="Menlo" charset="0"/>
+                <a:ea typeface="Menlo" charset="0"/>
+                <a:cs typeface="Menlo" charset="0"/>
+              </a:rPr>
+              <a:t>in </a:t>
+            </a:r>
+            <a:r>
+              <a:rPr lang="en-US" sz="1600" dirty="0" err="1">
+                <a:solidFill>
+                  <a:srgbClr val="94558D"/>
+                </a:solidFill>
+                <a:latin typeface="Menlo" charset="0"/>
+                <a:ea typeface="Menlo" charset="0"/>
+                <a:cs typeface="Menlo" charset="0"/>
+              </a:rPr>
+              <a:t>self</a:t>
+            </a:r>
+            <a:r>
+              <a:rPr lang="en-US" sz="1600" dirty="0" err="1">
+                <a:latin typeface="Menlo" charset="0"/>
+                <a:ea typeface="Menlo" charset="0"/>
+                <a:cs typeface="Menlo" charset="0"/>
+              </a:rPr>
+              <a:t>.player.get_others_in_group</a:t>
+            </a:r>
+            <a:r>
+              <a:rPr lang="en-US" sz="1600" dirty="0">
+                <a:latin typeface="Menlo" charset="0"/>
+                <a:ea typeface="Menlo" charset="0"/>
+                <a:cs typeface="Menlo" charset="0"/>
+              </a:rPr>
+              <a:t>()]</a:t>
+            </a:r>
+            <a:br>
+              <a:rPr lang="en-US" sz="1600" dirty="0">
+                <a:latin typeface="Menlo" charset="0"/>
+                <a:ea typeface="Menlo" charset="0"/>
+                <a:cs typeface="Menlo" charset="0"/>
+              </a:rPr>
+            </a:br>
+            <a:endParaRPr lang="en-US" sz="1600" dirty="0">
+              <a:latin typeface="Menlo" charset="0"/>
+              <a:ea typeface="Menlo" charset="0"/>
+              <a:cs typeface="Menlo" charset="0"/>
+            </a:endParaRPr>
+          </a:p>
+        </p:txBody>
+      </p:sp>
+    </p:spTree>
+    <p:extLst>
+      <p:ext uri="{BB962C8B-B14F-4D97-AF65-F5344CB8AC3E}">
+        <p14:creationId xmlns:p14="http://schemas.microsoft.com/office/powerpoint/2010/main" val="1839213901"/>
+      </p:ext>
+    </p:extLst>
+  </p:cSld>
+  <p:clrMapOvr>
+    <a:masterClrMapping/>
+  </p:clrMapOvr>
+  <p:timing>
+    <p:tnLst>
+      <p:par>
+        <p:cTn id="1" dur="indefinite" restart="never" nodeType="tmRoot"/>
+      </p:par>
+    </p:tnLst>
+  </p:timing>
+</p:sld>
+</file>
+
+<file path=ppt/slides/slide6.xml><?xml version="1.0" encoding="utf-8"?>
+<p:sld xmlns:a="http://schemas.openxmlformats.org/drawingml/2006/main" xmlns:r="http://schemas.openxmlformats.org/officeDocument/2006/relationships" xmlns:p="http://schemas.openxmlformats.org/presentationml/2006/main">
+  <p:cSld>
+    <p:spTree>
+      <p:nvGrpSpPr>
+        <p:cNvPr id="1" name=""/>
+        <p:cNvGrpSpPr/>
+        <p:nvPr/>
+      </p:nvGrpSpPr>
+      <p:grpSpPr>
+        <a:xfrm>
+          <a:off x="0" y="0"/>
+          <a:ext cx="0" cy="0"/>
+          <a:chOff x="0" y="0"/>
+          <a:chExt cx="0" cy="0"/>
+        </a:xfrm>
+      </p:grpSpPr>
+      <p:sp>
+        <p:nvSpPr>
+          <p:cNvPr id="2" name="Title 1"/>
+          <p:cNvSpPr>
+            <a:spLocks noGrp="1"/>
+          </p:cNvSpPr>
+          <p:nvPr>
+            <p:ph type="title"/>
+          </p:nvPr>
+        </p:nvSpPr>
+        <p:spPr/>
+        <p:txBody>
+          <a:bodyPr/>
+          <a:lstStyle/>
+          <a:p>
+            <a:r>
+              <a:rPr lang="en-US" dirty="0" smtClean="0"/>
+              <a:t>Checking total sum</a:t>
+            </a:r>
+            <a:endParaRPr lang="en-US" dirty="0"/>
+          </a:p>
+        </p:txBody>
+      </p:sp>
+      <p:sp>
+        <p:nvSpPr>
+          <p:cNvPr id="4" name="Rectangle 3"/>
+          <p:cNvSpPr/>
+          <p:nvPr/>
+        </p:nvSpPr>
+        <p:spPr>
+          <a:xfrm>
+            <a:off x="609600" y="2336096"/>
+            <a:ext cx="11753850" cy="1815882"/>
+          </a:xfrm>
+          <a:prstGeom prst="rect">
+            <a:avLst/>
+          </a:prstGeom>
+        </p:spPr>
+        <p:txBody>
+          <a:bodyPr wrap="square">
+            <a:spAutoFit/>
+          </a:bodyPr>
+          <a:lstStyle/>
+          <a:p>
+            <a:r>
+              <a:rPr lang="en-US" sz="1400" dirty="0">
+                <a:solidFill>
+                  <a:srgbClr val="CC7832"/>
+                </a:solidFill>
+                <a:latin typeface="Menlo" charset="0"/>
+                <a:ea typeface="Menlo" charset="0"/>
+                <a:cs typeface="Menlo" charset="0"/>
+              </a:rPr>
+              <a:t>class </a:t>
+            </a:r>
+            <a:r>
+              <a:rPr lang="en-US" sz="1400" dirty="0">
+                <a:latin typeface="Menlo" charset="0"/>
+                <a:ea typeface="Menlo" charset="0"/>
+                <a:cs typeface="Menlo" charset="0"/>
+              </a:rPr>
+              <a:t>Punishment(Page):</a:t>
+            </a:r>
+            <a:br>
+              <a:rPr lang="en-US" sz="1400" dirty="0">
+                <a:latin typeface="Menlo" charset="0"/>
+                <a:ea typeface="Menlo" charset="0"/>
+                <a:cs typeface="Menlo" charset="0"/>
+              </a:rPr>
+            </a:br>
+            <a:r>
+              <a:rPr lang="en-US" sz="1400" dirty="0">
+                <a:latin typeface="Menlo" charset="0"/>
+                <a:ea typeface="Menlo" charset="0"/>
+                <a:cs typeface="Menlo" charset="0"/>
+              </a:rPr>
+              <a:t/>
+            </a:r>
+            <a:br>
+              <a:rPr lang="en-US" sz="1400" dirty="0">
+                <a:latin typeface="Menlo" charset="0"/>
+                <a:ea typeface="Menlo" charset="0"/>
+                <a:cs typeface="Menlo" charset="0"/>
+              </a:rPr>
+            </a:br>
+            <a:r>
+              <a:rPr lang="en-US" sz="1400" dirty="0">
+                <a:latin typeface="Menlo" charset="0"/>
+                <a:ea typeface="Menlo" charset="0"/>
+                <a:cs typeface="Menlo" charset="0"/>
+              </a:rPr>
+              <a:t/>
+            </a:r>
+            <a:br>
+              <a:rPr lang="en-US" sz="1400" dirty="0">
+                <a:latin typeface="Menlo" charset="0"/>
+                <a:ea typeface="Menlo" charset="0"/>
+                <a:cs typeface="Menlo" charset="0"/>
+              </a:rPr>
+            </a:br>
+            <a:r>
+              <a:rPr lang="en-US" sz="1400" dirty="0">
+                <a:latin typeface="Menlo" charset="0"/>
+                <a:ea typeface="Menlo" charset="0"/>
+                <a:cs typeface="Menlo" charset="0"/>
+              </a:rPr>
+              <a:t>    </a:t>
+            </a:r>
+            <a:r>
+              <a:rPr lang="en-US" sz="1400" dirty="0" err="1">
+                <a:solidFill>
+                  <a:srgbClr val="CC7832"/>
+                </a:solidFill>
+                <a:latin typeface="Menlo" charset="0"/>
+                <a:ea typeface="Menlo" charset="0"/>
+                <a:cs typeface="Menlo" charset="0"/>
+              </a:rPr>
+              <a:t>def</a:t>
+            </a:r>
+            <a:r>
+              <a:rPr lang="en-US" sz="1400" dirty="0">
+                <a:solidFill>
+                  <a:srgbClr val="CC7832"/>
+                </a:solidFill>
+                <a:latin typeface="Menlo" charset="0"/>
+                <a:ea typeface="Menlo" charset="0"/>
+                <a:cs typeface="Menlo" charset="0"/>
+              </a:rPr>
+              <a:t> </a:t>
+            </a:r>
+            <a:r>
+              <a:rPr lang="en-US" sz="1400" dirty="0" err="1">
+                <a:solidFill>
+                  <a:srgbClr val="FFC66D"/>
+                </a:solidFill>
+                <a:latin typeface="Menlo" charset="0"/>
+                <a:ea typeface="Menlo" charset="0"/>
+                <a:cs typeface="Menlo" charset="0"/>
+              </a:rPr>
+              <a:t>error_message</a:t>
+            </a:r>
+            <a:r>
+              <a:rPr lang="en-US" sz="1400" dirty="0">
+                <a:latin typeface="Menlo" charset="0"/>
+                <a:ea typeface="Menlo" charset="0"/>
+                <a:cs typeface="Menlo" charset="0"/>
+              </a:rPr>
+              <a:t>(</a:t>
+            </a:r>
+            <a:r>
+              <a:rPr lang="en-US" sz="1400" dirty="0">
+                <a:solidFill>
+                  <a:srgbClr val="94558D"/>
+                </a:solidFill>
+                <a:latin typeface="Menlo" charset="0"/>
+                <a:ea typeface="Menlo" charset="0"/>
+                <a:cs typeface="Menlo" charset="0"/>
+              </a:rPr>
+              <a:t>self</a:t>
+            </a:r>
+            <a:r>
+              <a:rPr lang="en-US" sz="1400" dirty="0">
+                <a:solidFill>
+                  <a:srgbClr val="CC7832"/>
+                </a:solidFill>
+                <a:latin typeface="Menlo" charset="0"/>
+                <a:ea typeface="Menlo" charset="0"/>
+                <a:cs typeface="Menlo" charset="0"/>
+              </a:rPr>
+              <a:t>, </a:t>
+            </a:r>
+            <a:r>
+              <a:rPr lang="en-US" sz="1400" dirty="0">
+                <a:latin typeface="Menlo" charset="0"/>
+                <a:ea typeface="Menlo" charset="0"/>
+                <a:cs typeface="Menlo" charset="0"/>
+              </a:rPr>
+              <a:t>values):</a:t>
+            </a:r>
+            <a:br>
+              <a:rPr lang="en-US" sz="1400" dirty="0">
+                <a:latin typeface="Menlo" charset="0"/>
+                <a:ea typeface="Menlo" charset="0"/>
+                <a:cs typeface="Menlo" charset="0"/>
+              </a:rPr>
+            </a:br>
+            <a:r>
+              <a:rPr lang="en-US" sz="1400" dirty="0">
+                <a:latin typeface="Menlo" charset="0"/>
+                <a:ea typeface="Menlo" charset="0"/>
+                <a:cs typeface="Menlo" charset="0"/>
+              </a:rPr>
+              <a:t>        </a:t>
+            </a:r>
+            <a:r>
+              <a:rPr lang="en-US" sz="1400" dirty="0" err="1">
+                <a:latin typeface="Menlo" charset="0"/>
+                <a:ea typeface="Menlo" charset="0"/>
+                <a:cs typeface="Menlo" charset="0"/>
+              </a:rPr>
+              <a:t>tot_pun</a:t>
+            </a:r>
+            <a:r>
+              <a:rPr lang="en-US" sz="1400" dirty="0">
+                <a:latin typeface="Menlo" charset="0"/>
+                <a:ea typeface="Menlo" charset="0"/>
+                <a:cs typeface="Menlo" charset="0"/>
+              </a:rPr>
+              <a:t> = </a:t>
+            </a:r>
+            <a:r>
+              <a:rPr lang="en-US" sz="1400" dirty="0">
+                <a:solidFill>
+                  <a:srgbClr val="8888C6"/>
+                </a:solidFill>
+                <a:latin typeface="Menlo" charset="0"/>
+                <a:ea typeface="Menlo" charset="0"/>
+                <a:cs typeface="Menlo" charset="0"/>
+              </a:rPr>
+              <a:t>sum</a:t>
+            </a:r>
+            <a:r>
+              <a:rPr lang="en-US" sz="1400" dirty="0">
+                <a:latin typeface="Menlo" charset="0"/>
+                <a:ea typeface="Menlo" charset="0"/>
+                <a:cs typeface="Menlo" charset="0"/>
+              </a:rPr>
+              <a:t>([</a:t>
+            </a:r>
+            <a:r>
+              <a:rPr lang="en-US" sz="1400" dirty="0" err="1">
+                <a:solidFill>
+                  <a:srgbClr val="8888C6"/>
+                </a:solidFill>
+                <a:latin typeface="Menlo" charset="0"/>
+                <a:ea typeface="Menlo" charset="0"/>
+                <a:cs typeface="Menlo" charset="0"/>
+              </a:rPr>
+              <a:t>int</a:t>
+            </a:r>
+            <a:r>
+              <a:rPr lang="en-US" sz="1400" dirty="0">
+                <a:latin typeface="Menlo" charset="0"/>
+                <a:ea typeface="Menlo" charset="0"/>
+                <a:cs typeface="Menlo" charset="0"/>
+              </a:rPr>
+              <a:t>(</a:t>
+            </a:r>
+            <a:r>
+              <a:rPr lang="en-US" sz="1400" dirty="0" err="1">
+                <a:latin typeface="Menlo" charset="0"/>
+                <a:ea typeface="Menlo" charset="0"/>
+                <a:cs typeface="Menlo" charset="0"/>
+              </a:rPr>
+              <a:t>i</a:t>
+            </a:r>
+            <a:r>
+              <a:rPr lang="en-US" sz="1400" dirty="0">
+                <a:latin typeface="Menlo" charset="0"/>
+                <a:ea typeface="Menlo" charset="0"/>
+                <a:cs typeface="Menlo" charset="0"/>
+              </a:rPr>
+              <a:t>) </a:t>
+            </a:r>
+            <a:r>
+              <a:rPr lang="en-US" sz="1400" dirty="0">
+                <a:solidFill>
+                  <a:srgbClr val="CC7832"/>
+                </a:solidFill>
+                <a:latin typeface="Menlo" charset="0"/>
+                <a:ea typeface="Menlo" charset="0"/>
+                <a:cs typeface="Menlo" charset="0"/>
+              </a:rPr>
+              <a:t>for </a:t>
+            </a:r>
+            <a:r>
+              <a:rPr lang="en-US" sz="1400" dirty="0" err="1">
+                <a:latin typeface="Menlo" charset="0"/>
+                <a:ea typeface="Menlo" charset="0"/>
+                <a:cs typeface="Menlo" charset="0"/>
+              </a:rPr>
+              <a:t>i</a:t>
+            </a:r>
+            <a:r>
+              <a:rPr lang="en-US" sz="1400" dirty="0">
+                <a:latin typeface="Menlo" charset="0"/>
+                <a:ea typeface="Menlo" charset="0"/>
+                <a:cs typeface="Menlo" charset="0"/>
+              </a:rPr>
+              <a:t> </a:t>
+            </a:r>
+            <a:r>
+              <a:rPr lang="en-US" sz="1400" dirty="0">
+                <a:solidFill>
+                  <a:srgbClr val="CC7832"/>
+                </a:solidFill>
+                <a:latin typeface="Menlo" charset="0"/>
+                <a:ea typeface="Menlo" charset="0"/>
+                <a:cs typeface="Menlo" charset="0"/>
+              </a:rPr>
+              <a:t>in </a:t>
+            </a:r>
+            <a:r>
+              <a:rPr lang="en-US" sz="1400" dirty="0" err="1">
+                <a:latin typeface="Menlo" charset="0"/>
+                <a:ea typeface="Menlo" charset="0"/>
+                <a:cs typeface="Menlo" charset="0"/>
+              </a:rPr>
+              <a:t>values.values</a:t>
+            </a:r>
+            <a:r>
+              <a:rPr lang="en-US" sz="1400" dirty="0">
+                <a:latin typeface="Menlo" charset="0"/>
+                <a:ea typeface="Menlo" charset="0"/>
+                <a:cs typeface="Menlo" charset="0"/>
+              </a:rPr>
+              <a:t>()])</a:t>
+            </a:r>
+            <a:br>
+              <a:rPr lang="en-US" sz="1400" dirty="0">
+                <a:latin typeface="Menlo" charset="0"/>
+                <a:ea typeface="Menlo" charset="0"/>
+                <a:cs typeface="Menlo" charset="0"/>
+              </a:rPr>
+            </a:br>
+            <a:r>
+              <a:rPr lang="en-US" sz="1400" dirty="0">
+                <a:latin typeface="Menlo" charset="0"/>
+                <a:ea typeface="Menlo" charset="0"/>
+                <a:cs typeface="Menlo" charset="0"/>
+              </a:rPr>
+              <a:t>        </a:t>
+            </a:r>
+            <a:r>
+              <a:rPr lang="en-US" sz="1400" dirty="0">
+                <a:solidFill>
+                  <a:srgbClr val="CC7832"/>
+                </a:solidFill>
+                <a:latin typeface="Menlo" charset="0"/>
+                <a:ea typeface="Menlo" charset="0"/>
+                <a:cs typeface="Menlo" charset="0"/>
+              </a:rPr>
+              <a:t>if </a:t>
+            </a:r>
+            <a:r>
+              <a:rPr lang="en-US" sz="1400" dirty="0" err="1">
+                <a:latin typeface="Menlo" charset="0"/>
+                <a:ea typeface="Menlo" charset="0"/>
+                <a:cs typeface="Menlo" charset="0"/>
+              </a:rPr>
+              <a:t>tot_pun</a:t>
+            </a:r>
+            <a:r>
+              <a:rPr lang="en-US" sz="1400" dirty="0">
+                <a:latin typeface="Menlo" charset="0"/>
+                <a:ea typeface="Menlo" charset="0"/>
+                <a:cs typeface="Menlo" charset="0"/>
+              </a:rPr>
+              <a:t> &gt; </a:t>
+            </a:r>
+            <a:r>
+              <a:rPr lang="en-US" sz="1400" dirty="0" err="1">
+                <a:solidFill>
+                  <a:srgbClr val="94558D"/>
+                </a:solidFill>
+                <a:latin typeface="Menlo" charset="0"/>
+                <a:ea typeface="Menlo" charset="0"/>
+                <a:cs typeface="Menlo" charset="0"/>
+              </a:rPr>
+              <a:t>self</a:t>
+            </a:r>
+            <a:r>
+              <a:rPr lang="en-US" sz="1400" dirty="0" err="1">
+                <a:latin typeface="Menlo" charset="0"/>
+                <a:ea typeface="Menlo" charset="0"/>
+                <a:cs typeface="Menlo" charset="0"/>
+              </a:rPr>
+              <a:t>.player.punishment_endowment</a:t>
+            </a:r>
+            <a:r>
+              <a:rPr lang="en-US" sz="1400" dirty="0">
+                <a:latin typeface="Menlo" charset="0"/>
+                <a:ea typeface="Menlo" charset="0"/>
+                <a:cs typeface="Menlo" charset="0"/>
+              </a:rPr>
+              <a:t>:</a:t>
+            </a:r>
+            <a:br>
+              <a:rPr lang="en-US" sz="1400" dirty="0">
+                <a:latin typeface="Menlo" charset="0"/>
+                <a:ea typeface="Menlo" charset="0"/>
+                <a:cs typeface="Menlo" charset="0"/>
+              </a:rPr>
+            </a:br>
+            <a:r>
+              <a:rPr lang="en-US" sz="1400" dirty="0">
+                <a:latin typeface="Menlo" charset="0"/>
+                <a:ea typeface="Menlo" charset="0"/>
+                <a:cs typeface="Menlo" charset="0"/>
+              </a:rPr>
+              <a:t>            </a:t>
+            </a:r>
+            <a:r>
+              <a:rPr lang="en-US" sz="1400" dirty="0">
+                <a:solidFill>
+                  <a:srgbClr val="CC7832"/>
+                </a:solidFill>
+                <a:latin typeface="Menlo" charset="0"/>
+                <a:ea typeface="Menlo" charset="0"/>
+                <a:cs typeface="Menlo" charset="0"/>
+              </a:rPr>
+              <a:t>return </a:t>
+            </a:r>
+            <a:r>
+              <a:rPr lang="en-US" sz="1400" dirty="0" err="1">
+                <a:solidFill>
+                  <a:srgbClr val="6A8759"/>
+                </a:solidFill>
+                <a:latin typeface="Menlo" charset="0"/>
+                <a:ea typeface="Menlo" charset="0"/>
+                <a:cs typeface="Menlo" charset="0"/>
+              </a:rPr>
+              <a:t>f'You</a:t>
+            </a:r>
+            <a:r>
+              <a:rPr lang="en-US" sz="1400" dirty="0">
+                <a:solidFill>
+                  <a:srgbClr val="6A8759"/>
+                </a:solidFill>
+                <a:latin typeface="Menlo" charset="0"/>
+                <a:ea typeface="Menlo" charset="0"/>
+                <a:cs typeface="Menlo" charset="0"/>
+              </a:rPr>
+              <a:t> cannot spend  more than </a:t>
+            </a:r>
+            <a:r>
+              <a:rPr lang="en-US" sz="1400" dirty="0">
+                <a:solidFill>
+                  <a:srgbClr val="CC7832"/>
+                </a:solidFill>
+                <a:latin typeface="Menlo" charset="0"/>
+                <a:ea typeface="Menlo" charset="0"/>
+                <a:cs typeface="Menlo" charset="0"/>
+              </a:rPr>
+              <a:t>{</a:t>
+            </a:r>
+            <a:r>
+              <a:rPr lang="en-US" sz="1400" dirty="0" err="1">
+                <a:solidFill>
+                  <a:srgbClr val="94558D"/>
+                </a:solidFill>
+                <a:latin typeface="Menlo" charset="0"/>
+                <a:ea typeface="Menlo" charset="0"/>
+                <a:cs typeface="Menlo" charset="0"/>
+              </a:rPr>
+              <a:t>self</a:t>
+            </a:r>
+            <a:r>
+              <a:rPr lang="en-US" sz="1400" dirty="0" err="1">
+                <a:latin typeface="Menlo" charset="0"/>
+                <a:ea typeface="Menlo" charset="0"/>
+                <a:cs typeface="Menlo" charset="0"/>
+              </a:rPr>
+              <a:t>.player.punishment_endowment</a:t>
+            </a:r>
+            <a:r>
+              <a:rPr lang="en-US" sz="1400" dirty="0">
+                <a:solidFill>
+                  <a:srgbClr val="CC7832"/>
+                </a:solidFill>
+                <a:latin typeface="Menlo" charset="0"/>
+                <a:ea typeface="Menlo" charset="0"/>
+                <a:cs typeface="Menlo" charset="0"/>
+              </a:rPr>
+              <a:t>}</a:t>
+            </a:r>
+            <a:r>
+              <a:rPr lang="en-US" sz="1400" dirty="0">
+                <a:solidFill>
+                  <a:srgbClr val="6A8759"/>
+                </a:solidFill>
+                <a:latin typeface="Menlo" charset="0"/>
+                <a:ea typeface="Menlo" charset="0"/>
+                <a:cs typeface="Menlo" charset="0"/>
+              </a:rPr>
+              <a:t> on deduction'</a:t>
+            </a:r>
+            <a:br>
+              <a:rPr lang="en-US" sz="1400" dirty="0">
+                <a:solidFill>
+                  <a:srgbClr val="6A8759"/>
+                </a:solidFill>
+                <a:latin typeface="Menlo" charset="0"/>
+                <a:ea typeface="Menlo" charset="0"/>
+                <a:cs typeface="Menlo" charset="0"/>
+              </a:rPr>
+            </a:br>
+            <a:endParaRPr lang="en-US" sz="1400" dirty="0">
+              <a:latin typeface="Menlo" charset="0"/>
+              <a:ea typeface="Menlo" charset="0"/>
+              <a:cs typeface="Menlo" charset="0"/>
+            </a:endParaRPr>
+          </a:p>
+        </p:txBody>
+      </p:sp>
+    </p:spTree>
+    <p:extLst>
+      <p:ext uri="{BB962C8B-B14F-4D97-AF65-F5344CB8AC3E}">
+        <p14:creationId xmlns:p14="http://schemas.microsoft.com/office/powerpoint/2010/main" val="1039030523"/>
+      </p:ext>
+    </p:extLst>
+  </p:cSld>
+  <p:clrMapOvr>
+    <a:masterClrMapping/>
+  </p:clrMapOvr>
+  <p:timing>
+    <p:tnLst>
+      <p:par>
+        <p:cTn id="1" dur="indefinite" restart="never" nodeType="tmRoot"/>
+      </p:par>
+    </p:tnLst>
+  </p:timing>
+</p:sld>
+</file>
+
+<file path=ppt/slides/slide7.xml><?xml version="1.0" encoding="utf-8"?>
+<p:sld xmlns:a="http://schemas.openxmlformats.org/drawingml/2006/main" xmlns:r="http://schemas.openxmlformats.org/officeDocument/2006/relationships" xmlns:p="http://schemas.openxmlformats.org/presentationml/2006/main">
+  <p:cSld>
+    <p:spTree>
+      <p:nvGrpSpPr>
+        <p:cNvPr id="1" name=""/>
+        <p:cNvGrpSpPr/>
+        <p:nvPr/>
+      </p:nvGrpSpPr>
+      <p:grpSpPr>
+        <a:xfrm>
+          <a:off x="0" y="0"/>
+          <a:ext cx="0" cy="0"/>
+          <a:chOff x="0" y="0"/>
+          <a:chExt cx="0" cy="0"/>
+        </a:xfrm>
+      </p:grpSpPr>
+      <p:sp>
+        <p:nvSpPr>
+          <p:cNvPr id="2" name="Title 1"/>
+          <p:cNvSpPr>
+            <a:spLocks noGrp="1"/>
+          </p:cNvSpPr>
+          <p:nvPr>
+            <p:ph type="title"/>
+          </p:nvPr>
+        </p:nvSpPr>
+        <p:spPr/>
+        <p:txBody>
+          <a:bodyPr/>
+          <a:lstStyle/>
+          <a:p>
+            <a:r>
+              <a:rPr lang="en-US" dirty="0" smtClean="0"/>
+              <a:t>Zip fields and data</a:t>
+            </a:r>
+            <a:endParaRPr lang="en-US" dirty="0"/>
+          </a:p>
+        </p:txBody>
+      </p:sp>
+      <p:sp>
+        <p:nvSpPr>
+          <p:cNvPr id="4" name="Rectangle 3"/>
+          <p:cNvSpPr/>
+          <p:nvPr/>
+        </p:nvSpPr>
+        <p:spPr>
+          <a:xfrm>
+            <a:off x="1314450" y="2023586"/>
+            <a:ext cx="8877300" cy="1477328"/>
+          </a:xfrm>
+          <a:prstGeom prst="rect">
+            <a:avLst/>
+          </a:prstGeom>
+        </p:spPr>
+        <p:txBody>
+          <a:bodyPr wrap="square">
+            <a:spAutoFit/>
+          </a:bodyPr>
+          <a:lstStyle/>
+          <a:p>
+            <a:r>
+              <a:rPr lang="en-US" dirty="0" err="1">
+                <a:solidFill>
+                  <a:srgbClr val="CC7832"/>
+                </a:solidFill>
+                <a:latin typeface="Menlo" charset="0"/>
+                <a:ea typeface="Menlo" charset="0"/>
+                <a:cs typeface="Menlo" charset="0"/>
+              </a:rPr>
+              <a:t>def</a:t>
+            </a:r>
+            <a:r>
+              <a:rPr lang="en-US" dirty="0">
+                <a:solidFill>
+                  <a:srgbClr val="CC7832"/>
+                </a:solidFill>
+                <a:latin typeface="Menlo" charset="0"/>
+                <a:ea typeface="Menlo" charset="0"/>
+                <a:cs typeface="Menlo" charset="0"/>
+              </a:rPr>
+              <a:t> </a:t>
+            </a:r>
+            <a:r>
+              <a:rPr lang="en-US" dirty="0" err="1">
+                <a:solidFill>
+                  <a:srgbClr val="FFC66D"/>
+                </a:solidFill>
+                <a:latin typeface="Menlo" charset="0"/>
+                <a:ea typeface="Menlo" charset="0"/>
+                <a:cs typeface="Menlo" charset="0"/>
+              </a:rPr>
+              <a:t>vars_for_template</a:t>
+            </a:r>
+            <a:r>
+              <a:rPr lang="en-US" dirty="0">
+                <a:latin typeface="Menlo" charset="0"/>
+                <a:ea typeface="Menlo" charset="0"/>
+                <a:cs typeface="Menlo" charset="0"/>
+              </a:rPr>
+              <a:t>(</a:t>
+            </a:r>
+            <a:r>
+              <a:rPr lang="en-US" dirty="0">
+                <a:solidFill>
+                  <a:srgbClr val="94558D"/>
+                </a:solidFill>
+                <a:latin typeface="Menlo" charset="0"/>
+                <a:ea typeface="Menlo" charset="0"/>
+                <a:cs typeface="Menlo" charset="0"/>
+              </a:rPr>
+              <a:t>self</a:t>
+            </a:r>
+            <a:r>
+              <a:rPr lang="en-US" dirty="0">
+                <a:latin typeface="Menlo" charset="0"/>
+                <a:ea typeface="Menlo" charset="0"/>
+                <a:cs typeface="Menlo" charset="0"/>
+              </a:rPr>
+              <a:t>):</a:t>
+            </a:r>
+            <a:br>
+              <a:rPr lang="en-US" dirty="0">
+                <a:latin typeface="Menlo" charset="0"/>
+                <a:ea typeface="Menlo" charset="0"/>
+                <a:cs typeface="Menlo" charset="0"/>
+              </a:rPr>
+            </a:br>
+            <a:r>
+              <a:rPr lang="en-US" dirty="0">
+                <a:latin typeface="Menlo" charset="0"/>
+                <a:ea typeface="Menlo" charset="0"/>
+                <a:cs typeface="Menlo" charset="0"/>
+              </a:rPr>
+              <a:t>    others = </a:t>
+            </a:r>
+            <a:r>
+              <a:rPr lang="en-US" dirty="0" err="1">
+                <a:solidFill>
+                  <a:srgbClr val="94558D"/>
+                </a:solidFill>
+                <a:latin typeface="Menlo" charset="0"/>
+                <a:ea typeface="Menlo" charset="0"/>
+                <a:cs typeface="Menlo" charset="0"/>
+              </a:rPr>
+              <a:t>self</a:t>
+            </a:r>
+            <a:r>
+              <a:rPr lang="en-US" dirty="0" err="1">
+                <a:latin typeface="Menlo" charset="0"/>
+                <a:ea typeface="Menlo" charset="0"/>
+                <a:cs typeface="Menlo" charset="0"/>
+              </a:rPr>
+              <a:t>.player.get_others_in_group</a:t>
+            </a:r>
+            <a:r>
+              <a:rPr lang="en-US" dirty="0">
+                <a:latin typeface="Menlo" charset="0"/>
+                <a:ea typeface="Menlo" charset="0"/>
+                <a:cs typeface="Menlo" charset="0"/>
+              </a:rPr>
+              <a:t>()</a:t>
+            </a:r>
+            <a:br>
+              <a:rPr lang="en-US" dirty="0">
+                <a:latin typeface="Menlo" charset="0"/>
+                <a:ea typeface="Menlo" charset="0"/>
+                <a:cs typeface="Menlo" charset="0"/>
+              </a:rPr>
+            </a:br>
+            <a:r>
+              <a:rPr lang="en-US" dirty="0">
+                <a:latin typeface="Menlo" charset="0"/>
+                <a:ea typeface="Menlo" charset="0"/>
+                <a:cs typeface="Menlo" charset="0"/>
+              </a:rPr>
+              <a:t>    form = </a:t>
+            </a:r>
+            <a:r>
+              <a:rPr lang="en-US" dirty="0" err="1">
+                <a:solidFill>
+                  <a:srgbClr val="94558D"/>
+                </a:solidFill>
+                <a:latin typeface="Menlo" charset="0"/>
+                <a:ea typeface="Menlo" charset="0"/>
+                <a:cs typeface="Menlo" charset="0"/>
+              </a:rPr>
+              <a:t>self</a:t>
+            </a:r>
+            <a:r>
+              <a:rPr lang="en-US" dirty="0" err="1">
+                <a:latin typeface="Menlo" charset="0"/>
+                <a:ea typeface="Menlo" charset="0"/>
+                <a:cs typeface="Menlo" charset="0"/>
+              </a:rPr>
+              <a:t>.get_form</a:t>
+            </a:r>
+            <a:r>
+              <a:rPr lang="en-US" dirty="0">
+                <a:latin typeface="Menlo" charset="0"/>
+                <a:ea typeface="Menlo" charset="0"/>
+                <a:cs typeface="Menlo" charset="0"/>
+              </a:rPr>
+              <a:t>()</a:t>
+            </a:r>
+            <a:br>
+              <a:rPr lang="en-US" dirty="0">
+                <a:latin typeface="Menlo" charset="0"/>
+                <a:ea typeface="Menlo" charset="0"/>
+                <a:cs typeface="Menlo" charset="0"/>
+              </a:rPr>
+            </a:br>
+            <a:r>
+              <a:rPr lang="en-US" dirty="0">
+                <a:latin typeface="Menlo" charset="0"/>
+                <a:ea typeface="Menlo" charset="0"/>
+                <a:cs typeface="Menlo" charset="0"/>
+              </a:rPr>
+              <a:t>    data = </a:t>
+            </a:r>
+            <a:r>
+              <a:rPr lang="en-US" dirty="0">
+                <a:solidFill>
+                  <a:srgbClr val="8888C6"/>
+                </a:solidFill>
+                <a:latin typeface="Menlo" charset="0"/>
+                <a:ea typeface="Menlo" charset="0"/>
+                <a:cs typeface="Menlo" charset="0"/>
+              </a:rPr>
+              <a:t>zip</a:t>
+            </a:r>
+            <a:r>
+              <a:rPr lang="en-US" dirty="0">
+                <a:latin typeface="Menlo" charset="0"/>
+                <a:ea typeface="Menlo" charset="0"/>
+                <a:cs typeface="Menlo" charset="0"/>
+              </a:rPr>
+              <a:t>(others</a:t>
+            </a:r>
+            <a:r>
+              <a:rPr lang="en-US" dirty="0">
+                <a:solidFill>
+                  <a:srgbClr val="CC7832"/>
+                </a:solidFill>
+                <a:latin typeface="Menlo" charset="0"/>
+                <a:ea typeface="Menlo" charset="0"/>
+                <a:cs typeface="Menlo" charset="0"/>
+              </a:rPr>
+              <a:t>, </a:t>
+            </a:r>
+            <a:r>
+              <a:rPr lang="en-US" dirty="0">
+                <a:latin typeface="Menlo" charset="0"/>
+                <a:ea typeface="Menlo" charset="0"/>
+                <a:cs typeface="Menlo" charset="0"/>
+              </a:rPr>
+              <a:t>form)</a:t>
+            </a:r>
+            <a:br>
+              <a:rPr lang="en-US" dirty="0">
+                <a:latin typeface="Menlo" charset="0"/>
+                <a:ea typeface="Menlo" charset="0"/>
+                <a:cs typeface="Menlo" charset="0"/>
+              </a:rPr>
+            </a:br>
+            <a:r>
+              <a:rPr lang="en-US" dirty="0">
+                <a:latin typeface="Menlo" charset="0"/>
+                <a:ea typeface="Menlo" charset="0"/>
+                <a:cs typeface="Menlo" charset="0"/>
+              </a:rPr>
+              <a:t>    </a:t>
+            </a:r>
+            <a:r>
+              <a:rPr lang="en-US" dirty="0">
+                <a:solidFill>
+                  <a:srgbClr val="CC7832"/>
+                </a:solidFill>
+                <a:latin typeface="Menlo" charset="0"/>
+                <a:ea typeface="Menlo" charset="0"/>
+                <a:cs typeface="Menlo" charset="0"/>
+              </a:rPr>
+              <a:t>return </a:t>
+            </a:r>
+            <a:r>
+              <a:rPr lang="en-US" dirty="0">
+                <a:latin typeface="Menlo" charset="0"/>
+                <a:ea typeface="Menlo" charset="0"/>
+                <a:cs typeface="Menlo" charset="0"/>
+              </a:rPr>
+              <a:t>{</a:t>
+            </a:r>
+            <a:r>
+              <a:rPr lang="en-US" dirty="0">
+                <a:solidFill>
+                  <a:srgbClr val="6A8759"/>
+                </a:solidFill>
+                <a:latin typeface="Menlo" charset="0"/>
+                <a:ea typeface="Menlo" charset="0"/>
+                <a:cs typeface="Menlo" charset="0"/>
+              </a:rPr>
+              <a:t>'data'</a:t>
+            </a:r>
+            <a:r>
+              <a:rPr lang="en-US" dirty="0">
+                <a:latin typeface="Menlo" charset="0"/>
+                <a:ea typeface="Menlo" charset="0"/>
+                <a:cs typeface="Menlo" charset="0"/>
+              </a:rPr>
+              <a:t>: data}</a:t>
+            </a:r>
+          </a:p>
+        </p:txBody>
+      </p:sp>
+      <p:sp>
+        <p:nvSpPr>
+          <p:cNvPr id="5" name="Rectangle 4"/>
+          <p:cNvSpPr/>
+          <p:nvPr/>
+        </p:nvSpPr>
+        <p:spPr>
+          <a:xfrm>
+            <a:off x="1314450" y="4022289"/>
+            <a:ext cx="8877300" cy="2308324"/>
+          </a:xfrm>
+          <a:prstGeom prst="rect">
+            <a:avLst/>
+          </a:prstGeom>
+        </p:spPr>
+        <p:txBody>
+          <a:bodyPr wrap="square">
+            <a:spAutoFit/>
+          </a:bodyPr>
+          <a:lstStyle/>
+          <a:p>
+            <a:r>
+              <a:rPr lang="mr-IN" sz="1600" dirty="0">
+                <a:latin typeface="Menlo" charset="0"/>
+                <a:ea typeface="Menlo" charset="0"/>
+                <a:cs typeface="Menlo" charset="0"/>
+              </a:rPr>
+              <a:t>{% </a:t>
+            </a:r>
+            <a:r>
+              <a:rPr lang="mr-IN" sz="1600" dirty="0" err="1">
+                <a:solidFill>
+                  <a:srgbClr val="E8BF6A"/>
+                </a:solidFill>
+                <a:latin typeface="Menlo" charset="0"/>
+                <a:ea typeface="Menlo" charset="0"/>
+                <a:cs typeface="Menlo" charset="0"/>
+              </a:rPr>
+              <a:t>for</a:t>
+            </a:r>
+            <a:r>
+              <a:rPr lang="mr-IN" sz="1600" dirty="0">
+                <a:solidFill>
+                  <a:srgbClr val="E8BF6A"/>
+                </a:solidFill>
+                <a:latin typeface="Menlo" charset="0"/>
+                <a:ea typeface="Menlo" charset="0"/>
+                <a:cs typeface="Menlo" charset="0"/>
+              </a:rPr>
+              <a:t> </a:t>
+            </a:r>
+            <a:r>
+              <a:rPr lang="mr-IN" sz="1600" dirty="0" err="1">
+                <a:solidFill>
+                  <a:srgbClr val="BABABA"/>
+                </a:solidFill>
+                <a:latin typeface="Menlo" charset="0"/>
+                <a:ea typeface="Menlo" charset="0"/>
+                <a:cs typeface="Menlo" charset="0"/>
+              </a:rPr>
+              <a:t>i</a:t>
+            </a:r>
+            <a:r>
+              <a:rPr lang="mr-IN" sz="1600" dirty="0" err="1">
+                <a:latin typeface="Menlo" charset="0"/>
+                <a:ea typeface="Menlo" charset="0"/>
+                <a:cs typeface="Menlo" charset="0"/>
+              </a:rPr>
+              <a:t>,</a:t>
+            </a:r>
+            <a:r>
+              <a:rPr lang="mr-IN" sz="1600" dirty="0" err="1">
+                <a:solidFill>
+                  <a:srgbClr val="BABABA"/>
+                </a:solidFill>
+                <a:latin typeface="Menlo" charset="0"/>
+                <a:ea typeface="Menlo" charset="0"/>
+                <a:cs typeface="Menlo" charset="0"/>
+              </a:rPr>
+              <a:t>j</a:t>
+            </a:r>
+            <a:r>
+              <a:rPr lang="mr-IN" sz="1600" dirty="0">
+                <a:solidFill>
+                  <a:srgbClr val="BABABA"/>
+                </a:solidFill>
+                <a:latin typeface="Menlo" charset="0"/>
+                <a:ea typeface="Menlo" charset="0"/>
+                <a:cs typeface="Menlo" charset="0"/>
+              </a:rPr>
+              <a:t> </a:t>
+            </a:r>
+            <a:r>
+              <a:rPr lang="mr-IN" sz="1600" dirty="0" err="1">
+                <a:solidFill>
+                  <a:srgbClr val="CC7832"/>
+                </a:solidFill>
+                <a:latin typeface="Menlo" charset="0"/>
+                <a:ea typeface="Menlo" charset="0"/>
+                <a:cs typeface="Menlo" charset="0"/>
+              </a:rPr>
+              <a:t>in</a:t>
+            </a:r>
+            <a:r>
+              <a:rPr lang="mr-IN" sz="1600" dirty="0">
+                <a:solidFill>
+                  <a:srgbClr val="CC7832"/>
+                </a:solidFill>
+                <a:latin typeface="Menlo" charset="0"/>
+                <a:ea typeface="Menlo" charset="0"/>
+                <a:cs typeface="Menlo" charset="0"/>
+              </a:rPr>
+              <a:t> </a:t>
+            </a:r>
+            <a:r>
+              <a:rPr lang="mr-IN" sz="1600" dirty="0" err="1">
+                <a:solidFill>
+                  <a:srgbClr val="BABABA"/>
+                </a:solidFill>
+                <a:latin typeface="Menlo" charset="0"/>
+                <a:ea typeface="Menlo" charset="0"/>
+                <a:cs typeface="Menlo" charset="0"/>
+              </a:rPr>
+              <a:t>data</a:t>
+            </a:r>
+            <a:r>
+              <a:rPr lang="mr-IN" sz="1600" dirty="0">
+                <a:solidFill>
+                  <a:srgbClr val="BABABA"/>
+                </a:solidFill>
+                <a:latin typeface="Menlo" charset="0"/>
+                <a:ea typeface="Menlo" charset="0"/>
+                <a:cs typeface="Menlo" charset="0"/>
+              </a:rPr>
+              <a:t> </a:t>
+            </a:r>
+            <a:r>
+              <a:rPr lang="mr-IN" sz="1600" dirty="0">
+                <a:latin typeface="Menlo" charset="0"/>
+                <a:ea typeface="Menlo" charset="0"/>
+                <a:cs typeface="Menlo" charset="0"/>
+              </a:rPr>
+              <a:t>%}</a:t>
+            </a:r>
+            <a:br>
+              <a:rPr lang="mr-IN" sz="1600" dirty="0">
+                <a:latin typeface="Menlo" charset="0"/>
+                <a:ea typeface="Menlo" charset="0"/>
+                <a:cs typeface="Menlo" charset="0"/>
+              </a:rPr>
+            </a:br>
+            <a:r>
+              <a:rPr lang="mr-IN" sz="1600" dirty="0">
+                <a:latin typeface="Menlo" charset="0"/>
+                <a:ea typeface="Menlo" charset="0"/>
+                <a:cs typeface="Menlo" charset="0"/>
+              </a:rPr>
+              <a:t>    </a:t>
+            </a:r>
+            <a:r>
+              <a:rPr lang="mr-IN" sz="1600" dirty="0">
+                <a:solidFill>
+                  <a:srgbClr val="E8BF6A"/>
+                </a:solidFill>
+                <a:latin typeface="Menlo" charset="0"/>
+                <a:ea typeface="Menlo" charset="0"/>
+                <a:cs typeface="Menlo" charset="0"/>
+              </a:rPr>
+              <a:t>&lt;</a:t>
+            </a:r>
+            <a:r>
+              <a:rPr lang="mr-IN" sz="1600" dirty="0" err="1">
+                <a:solidFill>
+                  <a:srgbClr val="E8BF6A"/>
+                </a:solidFill>
+                <a:latin typeface="Menlo" charset="0"/>
+                <a:ea typeface="Menlo" charset="0"/>
+                <a:cs typeface="Menlo" charset="0"/>
+              </a:rPr>
+              <a:t>tr</a:t>
+            </a:r>
+            <a:r>
+              <a:rPr lang="mr-IN" sz="1600" dirty="0">
+                <a:solidFill>
+                  <a:srgbClr val="E8BF6A"/>
+                </a:solidFill>
+                <a:latin typeface="Menlo" charset="0"/>
+                <a:ea typeface="Menlo" charset="0"/>
+                <a:cs typeface="Menlo" charset="0"/>
+              </a:rPr>
+              <a:t>&gt;</a:t>
+            </a:r>
+            <a:br>
+              <a:rPr lang="mr-IN" sz="1600" dirty="0">
+                <a:solidFill>
+                  <a:srgbClr val="E8BF6A"/>
+                </a:solidFill>
+                <a:latin typeface="Menlo" charset="0"/>
+                <a:ea typeface="Menlo" charset="0"/>
+                <a:cs typeface="Menlo" charset="0"/>
+              </a:rPr>
+            </a:br>
+            <a:r>
+              <a:rPr lang="mr-IN" sz="1600" dirty="0">
+                <a:solidFill>
+                  <a:srgbClr val="E8BF6A"/>
+                </a:solidFill>
+                <a:latin typeface="Menlo" charset="0"/>
+                <a:ea typeface="Menlo" charset="0"/>
+                <a:cs typeface="Menlo" charset="0"/>
+              </a:rPr>
+              <a:t>        &lt;</a:t>
+            </a:r>
+            <a:r>
+              <a:rPr lang="mr-IN" sz="1600" dirty="0" err="1">
+                <a:solidFill>
+                  <a:srgbClr val="E8BF6A"/>
+                </a:solidFill>
+                <a:latin typeface="Menlo" charset="0"/>
+                <a:ea typeface="Menlo" charset="0"/>
+                <a:cs typeface="Menlo" charset="0"/>
+              </a:rPr>
+              <a:t>td</a:t>
+            </a:r>
+            <a:r>
+              <a:rPr lang="mr-IN" sz="1600" dirty="0">
+                <a:solidFill>
+                  <a:srgbClr val="E8BF6A"/>
+                </a:solidFill>
+                <a:latin typeface="Menlo" charset="0"/>
+                <a:ea typeface="Menlo" charset="0"/>
+                <a:cs typeface="Menlo" charset="0"/>
+              </a:rPr>
+              <a:t>&gt;</a:t>
+            </a:r>
+            <a:r>
+              <a:rPr lang="mr-IN" sz="1600" dirty="0">
+                <a:latin typeface="Menlo" charset="0"/>
+                <a:ea typeface="Menlo" charset="0"/>
+                <a:cs typeface="Menlo" charset="0"/>
+              </a:rPr>
+              <a:t>{{ </a:t>
+            </a:r>
+            <a:r>
+              <a:rPr lang="mr-IN" sz="1600" dirty="0" err="1">
+                <a:solidFill>
+                  <a:srgbClr val="BABABA"/>
+                </a:solidFill>
+                <a:latin typeface="Menlo" charset="0"/>
+                <a:ea typeface="Menlo" charset="0"/>
+                <a:cs typeface="Menlo" charset="0"/>
+              </a:rPr>
+              <a:t>forloop</a:t>
+            </a:r>
+            <a:r>
+              <a:rPr lang="mr-IN" sz="1600" dirty="0" err="1">
+                <a:latin typeface="Menlo" charset="0"/>
+                <a:ea typeface="Menlo" charset="0"/>
+                <a:cs typeface="Menlo" charset="0"/>
+              </a:rPr>
+              <a:t>.</a:t>
+            </a:r>
+            <a:r>
+              <a:rPr lang="mr-IN" sz="1600" dirty="0" err="1">
+                <a:solidFill>
+                  <a:srgbClr val="BABABA"/>
+                </a:solidFill>
+                <a:latin typeface="Menlo" charset="0"/>
+                <a:ea typeface="Menlo" charset="0"/>
+                <a:cs typeface="Menlo" charset="0"/>
+              </a:rPr>
+              <a:t>counter</a:t>
+            </a:r>
+            <a:r>
+              <a:rPr lang="mr-IN" sz="1600" dirty="0">
+                <a:solidFill>
+                  <a:srgbClr val="BABABA"/>
+                </a:solidFill>
+                <a:latin typeface="Menlo" charset="0"/>
+                <a:ea typeface="Menlo" charset="0"/>
+                <a:cs typeface="Menlo" charset="0"/>
+              </a:rPr>
+              <a:t> </a:t>
+            </a:r>
+            <a:r>
+              <a:rPr lang="mr-IN" sz="1600" dirty="0">
+                <a:latin typeface="Menlo" charset="0"/>
+                <a:ea typeface="Menlo" charset="0"/>
+                <a:cs typeface="Menlo" charset="0"/>
+              </a:rPr>
+              <a:t>}}</a:t>
+            </a:r>
+            <a:r>
+              <a:rPr lang="mr-IN" sz="1600" dirty="0">
+                <a:solidFill>
+                  <a:srgbClr val="E8BF6A"/>
+                </a:solidFill>
+                <a:latin typeface="Menlo" charset="0"/>
+                <a:ea typeface="Menlo" charset="0"/>
+                <a:cs typeface="Menlo" charset="0"/>
+              </a:rPr>
+              <a:t>&lt;/</a:t>
+            </a:r>
+            <a:r>
+              <a:rPr lang="mr-IN" sz="1600" dirty="0" err="1">
+                <a:solidFill>
+                  <a:srgbClr val="E8BF6A"/>
+                </a:solidFill>
+                <a:latin typeface="Menlo" charset="0"/>
+                <a:ea typeface="Menlo" charset="0"/>
+                <a:cs typeface="Menlo" charset="0"/>
+              </a:rPr>
+              <a:t>td</a:t>
+            </a:r>
+            <a:r>
+              <a:rPr lang="mr-IN" sz="1600" dirty="0">
+                <a:solidFill>
+                  <a:srgbClr val="E8BF6A"/>
+                </a:solidFill>
+                <a:latin typeface="Menlo" charset="0"/>
+                <a:ea typeface="Menlo" charset="0"/>
+                <a:cs typeface="Menlo" charset="0"/>
+              </a:rPr>
+              <a:t>&gt;</a:t>
+            </a:r>
+            <a:br>
+              <a:rPr lang="mr-IN" sz="1600" dirty="0">
+                <a:solidFill>
+                  <a:srgbClr val="E8BF6A"/>
+                </a:solidFill>
+                <a:latin typeface="Menlo" charset="0"/>
+                <a:ea typeface="Menlo" charset="0"/>
+                <a:cs typeface="Menlo" charset="0"/>
+              </a:rPr>
+            </a:br>
+            <a:r>
+              <a:rPr lang="mr-IN" sz="1600" dirty="0">
+                <a:solidFill>
+                  <a:srgbClr val="E8BF6A"/>
+                </a:solidFill>
+                <a:latin typeface="Menlo" charset="0"/>
+                <a:ea typeface="Menlo" charset="0"/>
+                <a:cs typeface="Menlo" charset="0"/>
+              </a:rPr>
+              <a:t>        &lt;</a:t>
+            </a:r>
+            <a:r>
+              <a:rPr lang="mr-IN" sz="1600" dirty="0" err="1">
+                <a:solidFill>
+                  <a:srgbClr val="E8BF6A"/>
+                </a:solidFill>
+                <a:latin typeface="Menlo" charset="0"/>
+                <a:ea typeface="Menlo" charset="0"/>
+                <a:cs typeface="Menlo" charset="0"/>
+              </a:rPr>
+              <a:t>td</a:t>
+            </a:r>
+            <a:r>
+              <a:rPr lang="mr-IN" sz="1600" dirty="0">
+                <a:solidFill>
+                  <a:srgbClr val="E8BF6A"/>
+                </a:solidFill>
+                <a:latin typeface="Menlo" charset="0"/>
+                <a:ea typeface="Menlo" charset="0"/>
+                <a:cs typeface="Menlo" charset="0"/>
+              </a:rPr>
+              <a:t>&gt;</a:t>
+            </a:r>
+            <a:r>
+              <a:rPr lang="mr-IN" sz="1600" dirty="0">
+                <a:latin typeface="Menlo" charset="0"/>
+                <a:ea typeface="Menlo" charset="0"/>
+                <a:cs typeface="Menlo" charset="0"/>
+              </a:rPr>
+              <a:t>{{ </a:t>
+            </a:r>
+            <a:r>
+              <a:rPr lang="mr-IN" sz="1600" dirty="0" err="1">
+                <a:solidFill>
+                  <a:srgbClr val="BABABA"/>
+                </a:solidFill>
+                <a:latin typeface="Menlo" charset="0"/>
+                <a:ea typeface="Menlo" charset="0"/>
+                <a:cs typeface="Menlo" charset="0"/>
+              </a:rPr>
+              <a:t>i</a:t>
+            </a:r>
+            <a:r>
+              <a:rPr lang="mr-IN" sz="1600" dirty="0" err="1">
+                <a:latin typeface="Menlo" charset="0"/>
+                <a:ea typeface="Menlo" charset="0"/>
+                <a:cs typeface="Menlo" charset="0"/>
+              </a:rPr>
+              <a:t>.</a:t>
+            </a:r>
+            <a:r>
+              <a:rPr lang="mr-IN" sz="1600" dirty="0" err="1">
+                <a:solidFill>
+                  <a:srgbClr val="BABABA"/>
+                </a:solidFill>
+                <a:latin typeface="Menlo" charset="0"/>
+                <a:ea typeface="Menlo" charset="0"/>
+                <a:cs typeface="Menlo" charset="0"/>
+              </a:rPr>
+              <a:t>endowment</a:t>
+            </a:r>
+            <a:r>
+              <a:rPr lang="mr-IN" sz="1600" dirty="0">
+                <a:solidFill>
+                  <a:srgbClr val="BABABA"/>
+                </a:solidFill>
+                <a:latin typeface="Menlo" charset="0"/>
+                <a:ea typeface="Menlo" charset="0"/>
+                <a:cs typeface="Menlo" charset="0"/>
+              </a:rPr>
+              <a:t> </a:t>
+            </a:r>
+            <a:r>
+              <a:rPr lang="mr-IN" sz="1600" dirty="0">
+                <a:latin typeface="Menlo" charset="0"/>
+                <a:ea typeface="Menlo" charset="0"/>
+                <a:cs typeface="Menlo" charset="0"/>
+              </a:rPr>
+              <a:t>}}</a:t>
+            </a:r>
+            <a:r>
+              <a:rPr lang="mr-IN" sz="1600" dirty="0">
+                <a:solidFill>
+                  <a:srgbClr val="E8BF6A"/>
+                </a:solidFill>
+                <a:latin typeface="Menlo" charset="0"/>
+                <a:ea typeface="Menlo" charset="0"/>
+                <a:cs typeface="Menlo" charset="0"/>
+              </a:rPr>
+              <a:t>&lt;/</a:t>
+            </a:r>
+            <a:r>
+              <a:rPr lang="mr-IN" sz="1600" dirty="0" err="1">
+                <a:solidFill>
+                  <a:srgbClr val="E8BF6A"/>
+                </a:solidFill>
+                <a:latin typeface="Menlo" charset="0"/>
+                <a:ea typeface="Menlo" charset="0"/>
+                <a:cs typeface="Menlo" charset="0"/>
+              </a:rPr>
+              <a:t>td</a:t>
+            </a:r>
+            <a:r>
+              <a:rPr lang="mr-IN" sz="1600" dirty="0">
+                <a:solidFill>
+                  <a:srgbClr val="E8BF6A"/>
+                </a:solidFill>
+                <a:latin typeface="Menlo" charset="0"/>
+                <a:ea typeface="Menlo" charset="0"/>
+                <a:cs typeface="Menlo" charset="0"/>
+              </a:rPr>
+              <a:t>&gt;</a:t>
+            </a:r>
+            <a:br>
+              <a:rPr lang="mr-IN" sz="1600" dirty="0">
+                <a:solidFill>
+                  <a:srgbClr val="E8BF6A"/>
+                </a:solidFill>
+                <a:latin typeface="Menlo" charset="0"/>
+                <a:ea typeface="Menlo" charset="0"/>
+                <a:cs typeface="Menlo" charset="0"/>
+              </a:rPr>
+            </a:br>
+            <a:r>
+              <a:rPr lang="mr-IN" sz="1600" dirty="0">
+                <a:solidFill>
+                  <a:srgbClr val="E8BF6A"/>
+                </a:solidFill>
+                <a:latin typeface="Menlo" charset="0"/>
+                <a:ea typeface="Menlo" charset="0"/>
+                <a:cs typeface="Menlo" charset="0"/>
+              </a:rPr>
+              <a:t>        &lt;</a:t>
+            </a:r>
+            <a:r>
+              <a:rPr lang="mr-IN" sz="1600" dirty="0" err="1">
+                <a:solidFill>
+                  <a:srgbClr val="E8BF6A"/>
+                </a:solidFill>
+                <a:latin typeface="Menlo" charset="0"/>
+                <a:ea typeface="Menlo" charset="0"/>
+                <a:cs typeface="Menlo" charset="0"/>
+              </a:rPr>
+              <a:t>td</a:t>
+            </a:r>
+            <a:r>
+              <a:rPr lang="mr-IN" sz="1600" dirty="0">
+                <a:solidFill>
+                  <a:srgbClr val="E8BF6A"/>
+                </a:solidFill>
+                <a:latin typeface="Menlo" charset="0"/>
+                <a:ea typeface="Menlo" charset="0"/>
+                <a:cs typeface="Menlo" charset="0"/>
+              </a:rPr>
+              <a:t>&gt;</a:t>
+            </a:r>
+            <a:r>
+              <a:rPr lang="mr-IN" sz="1600" dirty="0">
+                <a:latin typeface="Menlo" charset="0"/>
+                <a:ea typeface="Menlo" charset="0"/>
+                <a:cs typeface="Menlo" charset="0"/>
+              </a:rPr>
+              <a:t>{{ </a:t>
+            </a:r>
+            <a:r>
+              <a:rPr lang="mr-IN" sz="1600" dirty="0" err="1">
+                <a:solidFill>
+                  <a:srgbClr val="BABABA"/>
+                </a:solidFill>
+                <a:latin typeface="Menlo" charset="0"/>
+                <a:ea typeface="Menlo" charset="0"/>
+                <a:cs typeface="Menlo" charset="0"/>
+              </a:rPr>
+              <a:t>i</a:t>
+            </a:r>
+            <a:r>
+              <a:rPr lang="mr-IN" sz="1600" dirty="0" err="1">
+                <a:latin typeface="Menlo" charset="0"/>
+                <a:ea typeface="Menlo" charset="0"/>
+                <a:cs typeface="Menlo" charset="0"/>
+              </a:rPr>
+              <a:t>.</a:t>
+            </a:r>
+            <a:r>
+              <a:rPr lang="mr-IN" sz="1600" dirty="0" err="1">
+                <a:solidFill>
+                  <a:srgbClr val="BABABA"/>
+                </a:solidFill>
+                <a:latin typeface="Menlo" charset="0"/>
+                <a:ea typeface="Menlo" charset="0"/>
+                <a:cs typeface="Menlo" charset="0"/>
+              </a:rPr>
+              <a:t>contribution</a:t>
+            </a:r>
+            <a:r>
+              <a:rPr lang="mr-IN" sz="1600" dirty="0">
+                <a:solidFill>
+                  <a:srgbClr val="BABABA"/>
+                </a:solidFill>
+                <a:latin typeface="Menlo" charset="0"/>
+                <a:ea typeface="Menlo" charset="0"/>
+                <a:cs typeface="Menlo" charset="0"/>
+              </a:rPr>
+              <a:t> </a:t>
+            </a:r>
+            <a:r>
+              <a:rPr lang="mr-IN" sz="1600" dirty="0">
+                <a:latin typeface="Menlo" charset="0"/>
+                <a:ea typeface="Menlo" charset="0"/>
+                <a:cs typeface="Menlo" charset="0"/>
+              </a:rPr>
+              <a:t>}}</a:t>
+            </a:r>
+            <a:r>
+              <a:rPr lang="mr-IN" sz="1600" dirty="0">
+                <a:solidFill>
+                  <a:srgbClr val="E8BF6A"/>
+                </a:solidFill>
+                <a:latin typeface="Menlo" charset="0"/>
+                <a:ea typeface="Menlo" charset="0"/>
+                <a:cs typeface="Menlo" charset="0"/>
+              </a:rPr>
+              <a:t>&lt;/</a:t>
+            </a:r>
+            <a:r>
+              <a:rPr lang="mr-IN" sz="1600" dirty="0" err="1">
+                <a:solidFill>
+                  <a:srgbClr val="E8BF6A"/>
+                </a:solidFill>
+                <a:latin typeface="Menlo" charset="0"/>
+                <a:ea typeface="Menlo" charset="0"/>
+                <a:cs typeface="Menlo" charset="0"/>
+              </a:rPr>
+              <a:t>td</a:t>
+            </a:r>
+            <a:r>
+              <a:rPr lang="mr-IN" sz="1600" dirty="0">
+                <a:solidFill>
+                  <a:srgbClr val="E8BF6A"/>
+                </a:solidFill>
+                <a:latin typeface="Menlo" charset="0"/>
+                <a:ea typeface="Menlo" charset="0"/>
+                <a:cs typeface="Menlo" charset="0"/>
+              </a:rPr>
+              <a:t>&gt;</a:t>
+            </a:r>
+            <a:br>
+              <a:rPr lang="mr-IN" sz="1600" dirty="0">
+                <a:solidFill>
+                  <a:srgbClr val="E8BF6A"/>
+                </a:solidFill>
+                <a:latin typeface="Menlo" charset="0"/>
+                <a:ea typeface="Menlo" charset="0"/>
+                <a:cs typeface="Menlo" charset="0"/>
+              </a:rPr>
+            </a:br>
+            <a:r>
+              <a:rPr lang="mr-IN" sz="1600" dirty="0">
+                <a:solidFill>
+                  <a:srgbClr val="E8BF6A"/>
+                </a:solidFill>
+                <a:latin typeface="Menlo" charset="0"/>
+                <a:ea typeface="Menlo" charset="0"/>
+                <a:cs typeface="Menlo" charset="0"/>
+              </a:rPr>
+              <a:t>        &lt;</a:t>
+            </a:r>
+            <a:r>
+              <a:rPr lang="mr-IN" sz="1600" dirty="0" err="1">
+                <a:solidFill>
+                  <a:srgbClr val="E8BF6A"/>
+                </a:solidFill>
+                <a:latin typeface="Menlo" charset="0"/>
+                <a:ea typeface="Menlo" charset="0"/>
+                <a:cs typeface="Menlo" charset="0"/>
+              </a:rPr>
+              <a:t>td</a:t>
+            </a:r>
+            <a:r>
+              <a:rPr lang="mr-IN" sz="1600" dirty="0">
+                <a:solidFill>
+                  <a:srgbClr val="E8BF6A"/>
+                </a:solidFill>
+                <a:latin typeface="Menlo" charset="0"/>
+                <a:ea typeface="Menlo" charset="0"/>
+                <a:cs typeface="Menlo" charset="0"/>
+              </a:rPr>
+              <a:t>&gt;</a:t>
+            </a:r>
+            <a:r>
+              <a:rPr lang="mr-IN" sz="1600" dirty="0">
+                <a:latin typeface="Menlo" charset="0"/>
+                <a:ea typeface="Menlo" charset="0"/>
+                <a:cs typeface="Menlo" charset="0"/>
+              </a:rPr>
+              <a:t>{% </a:t>
+            </a:r>
+            <a:r>
+              <a:rPr lang="mr-IN" sz="1600" dirty="0" err="1">
+                <a:solidFill>
+                  <a:srgbClr val="E8BF6A"/>
+                </a:solidFill>
+                <a:latin typeface="Menlo" charset="0"/>
+                <a:ea typeface="Menlo" charset="0"/>
+                <a:cs typeface="Menlo" charset="0"/>
+              </a:rPr>
+              <a:t>formfield</a:t>
+            </a:r>
+            <a:r>
+              <a:rPr lang="mr-IN" sz="1600" dirty="0">
+                <a:solidFill>
+                  <a:srgbClr val="E8BF6A"/>
+                </a:solidFill>
+                <a:latin typeface="Menlo" charset="0"/>
+                <a:ea typeface="Menlo" charset="0"/>
+                <a:cs typeface="Menlo" charset="0"/>
+              </a:rPr>
+              <a:t> </a:t>
+            </a:r>
+            <a:r>
+              <a:rPr lang="mr-IN" sz="1600" dirty="0" err="1">
+                <a:solidFill>
+                  <a:srgbClr val="BABABA"/>
+                </a:solidFill>
+                <a:latin typeface="Menlo" charset="0"/>
+                <a:ea typeface="Menlo" charset="0"/>
+                <a:cs typeface="Menlo" charset="0"/>
+              </a:rPr>
+              <a:t>j</a:t>
+            </a:r>
+            <a:r>
+              <a:rPr lang="mr-IN" sz="1600" dirty="0">
+                <a:solidFill>
+                  <a:srgbClr val="BABABA"/>
+                </a:solidFill>
+                <a:latin typeface="Menlo" charset="0"/>
+                <a:ea typeface="Menlo" charset="0"/>
+                <a:cs typeface="Menlo" charset="0"/>
+              </a:rPr>
+              <a:t> </a:t>
+            </a:r>
+            <a:r>
+              <a:rPr lang="mr-IN" sz="1600" dirty="0" err="1">
+                <a:solidFill>
+                  <a:srgbClr val="BABABA"/>
+                </a:solidFill>
+                <a:latin typeface="Menlo" charset="0"/>
+                <a:ea typeface="Menlo" charset="0"/>
+                <a:cs typeface="Menlo" charset="0"/>
+              </a:rPr>
+              <a:t>label</a:t>
+            </a:r>
+            <a:r>
+              <a:rPr lang="mr-IN" sz="1600" dirty="0">
+                <a:latin typeface="Menlo" charset="0"/>
+                <a:ea typeface="Menlo" charset="0"/>
+                <a:cs typeface="Menlo" charset="0"/>
+              </a:rPr>
+              <a:t>=</a:t>
+            </a:r>
+            <a:r>
+              <a:rPr lang="mr-IN" sz="1600" dirty="0">
+                <a:solidFill>
+                  <a:srgbClr val="6A8759"/>
+                </a:solidFill>
+                <a:latin typeface="Menlo" charset="0"/>
+                <a:ea typeface="Menlo" charset="0"/>
+                <a:cs typeface="Menlo" charset="0"/>
+              </a:rPr>
+              <a:t>'' </a:t>
+            </a:r>
+            <a:r>
+              <a:rPr lang="mr-IN" sz="1600" dirty="0">
+                <a:latin typeface="Menlo" charset="0"/>
+                <a:ea typeface="Menlo" charset="0"/>
+                <a:cs typeface="Menlo" charset="0"/>
+              </a:rPr>
+              <a:t>%}</a:t>
+            </a:r>
+            <a:r>
+              <a:rPr lang="mr-IN" sz="1600" dirty="0">
+                <a:solidFill>
+                  <a:srgbClr val="E8BF6A"/>
+                </a:solidFill>
+                <a:latin typeface="Menlo" charset="0"/>
+                <a:ea typeface="Menlo" charset="0"/>
+                <a:cs typeface="Menlo" charset="0"/>
+              </a:rPr>
+              <a:t>&lt;/</a:t>
+            </a:r>
+            <a:r>
+              <a:rPr lang="mr-IN" sz="1600" dirty="0" err="1">
+                <a:solidFill>
+                  <a:srgbClr val="E8BF6A"/>
+                </a:solidFill>
+                <a:latin typeface="Menlo" charset="0"/>
+                <a:ea typeface="Menlo" charset="0"/>
+                <a:cs typeface="Menlo" charset="0"/>
+              </a:rPr>
+              <a:t>td</a:t>
+            </a:r>
+            <a:r>
+              <a:rPr lang="mr-IN" sz="1600" dirty="0">
+                <a:solidFill>
+                  <a:srgbClr val="E8BF6A"/>
+                </a:solidFill>
+                <a:latin typeface="Menlo" charset="0"/>
+                <a:ea typeface="Menlo" charset="0"/>
+                <a:cs typeface="Menlo" charset="0"/>
+              </a:rPr>
+              <a:t>&gt;</a:t>
+            </a:r>
+            <a:br>
+              <a:rPr lang="mr-IN" sz="1600" dirty="0">
+                <a:solidFill>
+                  <a:srgbClr val="E8BF6A"/>
+                </a:solidFill>
+                <a:latin typeface="Menlo" charset="0"/>
+                <a:ea typeface="Menlo" charset="0"/>
+                <a:cs typeface="Menlo" charset="0"/>
+              </a:rPr>
+            </a:br>
+            <a:r>
+              <a:rPr lang="mr-IN" sz="1600" dirty="0">
+                <a:solidFill>
+                  <a:srgbClr val="E8BF6A"/>
+                </a:solidFill>
+                <a:latin typeface="Menlo" charset="0"/>
+                <a:ea typeface="Menlo" charset="0"/>
+                <a:cs typeface="Menlo" charset="0"/>
+              </a:rPr>
+              <a:t>        &lt;</a:t>
+            </a:r>
+            <a:r>
+              <a:rPr lang="mr-IN" sz="1600" dirty="0" err="1">
+                <a:solidFill>
+                  <a:srgbClr val="E8BF6A"/>
+                </a:solidFill>
+                <a:latin typeface="Menlo" charset="0"/>
+                <a:ea typeface="Menlo" charset="0"/>
+                <a:cs typeface="Menlo" charset="0"/>
+              </a:rPr>
+              <a:t>td</a:t>
+            </a:r>
+            <a:r>
+              <a:rPr lang="mr-IN" sz="1600" dirty="0">
+                <a:solidFill>
+                  <a:srgbClr val="E8BF6A"/>
+                </a:solidFill>
+                <a:latin typeface="Menlo" charset="0"/>
+                <a:ea typeface="Menlo" charset="0"/>
+                <a:cs typeface="Menlo" charset="0"/>
+              </a:rPr>
+              <a:t> </a:t>
+            </a:r>
+            <a:r>
+              <a:rPr lang="mr-IN" sz="1600" dirty="0" err="1">
+                <a:solidFill>
+                  <a:srgbClr val="BABABA"/>
+                </a:solidFill>
+                <a:latin typeface="Menlo" charset="0"/>
+                <a:ea typeface="Menlo" charset="0"/>
+                <a:cs typeface="Menlo" charset="0"/>
+              </a:rPr>
+              <a:t>id</a:t>
+            </a:r>
+            <a:r>
+              <a:rPr lang="mr-IN" sz="1600" dirty="0">
+                <a:solidFill>
+                  <a:srgbClr val="A5C261"/>
+                </a:solidFill>
+                <a:latin typeface="Menlo" charset="0"/>
+                <a:ea typeface="Menlo" charset="0"/>
+                <a:cs typeface="Menlo" charset="0"/>
+              </a:rPr>
+              <a:t>="</a:t>
+            </a:r>
+            <a:r>
+              <a:rPr lang="mr-IN" sz="1600" dirty="0">
+                <a:latin typeface="Menlo" charset="0"/>
+                <a:ea typeface="Menlo" charset="0"/>
+                <a:cs typeface="Menlo" charset="0"/>
+              </a:rPr>
+              <a:t>{{ </a:t>
+            </a:r>
+            <a:r>
+              <a:rPr lang="mr-IN" sz="1600" dirty="0" err="1">
+                <a:solidFill>
+                  <a:srgbClr val="BABABA"/>
+                </a:solidFill>
+                <a:latin typeface="Menlo" charset="0"/>
+                <a:ea typeface="Menlo" charset="0"/>
+                <a:cs typeface="Menlo" charset="0"/>
+              </a:rPr>
+              <a:t>j</a:t>
+            </a:r>
+            <a:r>
+              <a:rPr lang="mr-IN" sz="1600" dirty="0" err="1">
+                <a:latin typeface="Menlo" charset="0"/>
+                <a:ea typeface="Menlo" charset="0"/>
+                <a:cs typeface="Menlo" charset="0"/>
+              </a:rPr>
+              <a:t>.</a:t>
+            </a:r>
+            <a:r>
+              <a:rPr lang="mr-IN" sz="1600" dirty="0" err="1">
+                <a:solidFill>
+                  <a:srgbClr val="BABABA"/>
+                </a:solidFill>
+                <a:latin typeface="Menlo" charset="0"/>
+                <a:ea typeface="Menlo" charset="0"/>
+                <a:cs typeface="Menlo" charset="0"/>
+              </a:rPr>
+              <a:t>id_for_label</a:t>
+            </a:r>
+            <a:r>
+              <a:rPr lang="mr-IN" sz="1600" dirty="0">
+                <a:solidFill>
+                  <a:srgbClr val="BABABA"/>
+                </a:solidFill>
+                <a:latin typeface="Menlo" charset="0"/>
+                <a:ea typeface="Menlo" charset="0"/>
+                <a:cs typeface="Menlo" charset="0"/>
+              </a:rPr>
+              <a:t> </a:t>
+            </a:r>
+            <a:r>
+              <a:rPr lang="mr-IN" sz="1600" dirty="0">
+                <a:latin typeface="Menlo" charset="0"/>
+                <a:ea typeface="Menlo" charset="0"/>
+                <a:cs typeface="Menlo" charset="0"/>
+              </a:rPr>
+              <a:t>}}</a:t>
+            </a:r>
+            <a:r>
+              <a:rPr lang="mr-IN" sz="1600" dirty="0">
+                <a:solidFill>
+                  <a:srgbClr val="A5C261"/>
+                </a:solidFill>
+                <a:latin typeface="Menlo" charset="0"/>
+                <a:ea typeface="Menlo" charset="0"/>
+                <a:cs typeface="Menlo" charset="0"/>
+              </a:rPr>
+              <a:t>"</a:t>
+            </a:r>
+            <a:r>
+              <a:rPr lang="mr-IN" sz="1600" dirty="0">
+                <a:solidFill>
+                  <a:srgbClr val="E8BF6A"/>
+                </a:solidFill>
+                <a:latin typeface="Menlo" charset="0"/>
+                <a:ea typeface="Menlo" charset="0"/>
+                <a:cs typeface="Menlo" charset="0"/>
+              </a:rPr>
+              <a:t>&gt;&lt;/</a:t>
+            </a:r>
+            <a:r>
+              <a:rPr lang="mr-IN" sz="1600" dirty="0" err="1">
+                <a:solidFill>
+                  <a:srgbClr val="E8BF6A"/>
+                </a:solidFill>
+                <a:latin typeface="Menlo" charset="0"/>
+                <a:ea typeface="Menlo" charset="0"/>
+                <a:cs typeface="Menlo" charset="0"/>
+              </a:rPr>
+              <a:t>td</a:t>
+            </a:r>
+            <a:r>
+              <a:rPr lang="mr-IN" sz="1600" dirty="0">
+                <a:solidFill>
+                  <a:srgbClr val="E8BF6A"/>
+                </a:solidFill>
+                <a:latin typeface="Menlo" charset="0"/>
+                <a:ea typeface="Menlo" charset="0"/>
+                <a:cs typeface="Menlo" charset="0"/>
+              </a:rPr>
+              <a:t>&gt;</a:t>
+            </a:r>
+            <a:br>
+              <a:rPr lang="mr-IN" sz="1600" dirty="0">
+                <a:solidFill>
+                  <a:srgbClr val="E8BF6A"/>
+                </a:solidFill>
+                <a:latin typeface="Menlo" charset="0"/>
+                <a:ea typeface="Menlo" charset="0"/>
+                <a:cs typeface="Menlo" charset="0"/>
+              </a:rPr>
+            </a:br>
+            <a:r>
+              <a:rPr lang="mr-IN" sz="1600" dirty="0">
+                <a:solidFill>
+                  <a:srgbClr val="E8BF6A"/>
+                </a:solidFill>
+                <a:latin typeface="Menlo" charset="0"/>
+                <a:ea typeface="Menlo" charset="0"/>
+                <a:cs typeface="Menlo" charset="0"/>
+              </a:rPr>
+              <a:t>    &lt;/</a:t>
+            </a:r>
+            <a:r>
+              <a:rPr lang="mr-IN" sz="1600" dirty="0" err="1">
+                <a:solidFill>
+                  <a:srgbClr val="E8BF6A"/>
+                </a:solidFill>
+                <a:latin typeface="Menlo" charset="0"/>
+                <a:ea typeface="Menlo" charset="0"/>
+                <a:cs typeface="Menlo" charset="0"/>
+              </a:rPr>
+              <a:t>tr</a:t>
+            </a:r>
+            <a:r>
+              <a:rPr lang="mr-IN" sz="1600" dirty="0">
+                <a:solidFill>
+                  <a:srgbClr val="E8BF6A"/>
+                </a:solidFill>
+                <a:latin typeface="Menlo" charset="0"/>
+                <a:ea typeface="Menlo" charset="0"/>
+                <a:cs typeface="Menlo" charset="0"/>
+              </a:rPr>
+              <a:t>&gt;</a:t>
+            </a:r>
+            <a:br>
+              <a:rPr lang="mr-IN" sz="1600" dirty="0">
+                <a:solidFill>
+                  <a:srgbClr val="E8BF6A"/>
+                </a:solidFill>
+                <a:latin typeface="Menlo" charset="0"/>
+                <a:ea typeface="Menlo" charset="0"/>
+                <a:cs typeface="Menlo" charset="0"/>
+              </a:rPr>
+            </a:br>
+            <a:r>
+              <a:rPr lang="mr-IN" sz="1600" dirty="0">
+                <a:latin typeface="Menlo" charset="0"/>
+                <a:ea typeface="Menlo" charset="0"/>
+                <a:cs typeface="Menlo" charset="0"/>
+              </a:rPr>
+              <a:t>{% </a:t>
+            </a:r>
+            <a:r>
+              <a:rPr lang="mr-IN" sz="1600" dirty="0" err="1">
+                <a:solidFill>
+                  <a:srgbClr val="E8BF6A"/>
+                </a:solidFill>
+                <a:latin typeface="Menlo" charset="0"/>
+                <a:ea typeface="Menlo" charset="0"/>
+                <a:cs typeface="Menlo" charset="0"/>
+              </a:rPr>
+              <a:t>endfor</a:t>
+            </a:r>
+            <a:r>
+              <a:rPr lang="mr-IN" sz="1600" dirty="0">
+                <a:solidFill>
+                  <a:srgbClr val="E8BF6A"/>
+                </a:solidFill>
+                <a:latin typeface="Menlo" charset="0"/>
+                <a:ea typeface="Menlo" charset="0"/>
+                <a:cs typeface="Menlo" charset="0"/>
+              </a:rPr>
+              <a:t> </a:t>
+            </a:r>
+            <a:r>
+              <a:rPr lang="mr-IN" sz="1600" dirty="0">
+                <a:latin typeface="Menlo" charset="0"/>
+                <a:ea typeface="Menlo" charset="0"/>
+                <a:cs typeface="Menlo" charset="0"/>
+              </a:rPr>
+              <a:t>%}</a:t>
+            </a:r>
+            <a:endParaRPr lang="en-US" sz="1600" dirty="0">
+              <a:latin typeface="Menlo" charset="0"/>
+              <a:ea typeface="Menlo" charset="0"/>
+              <a:cs typeface="Menlo" charset="0"/>
+            </a:endParaRPr>
+          </a:p>
+        </p:txBody>
+      </p:sp>
+    </p:spTree>
+    <p:extLst>
+      <p:ext uri="{BB962C8B-B14F-4D97-AF65-F5344CB8AC3E}">
+        <p14:creationId xmlns:p14="http://schemas.microsoft.com/office/powerpoint/2010/main" val="1629640617"/>
+      </p:ext>
+    </p:extLst>
+  </p:cSld>
+  <p:clrMapOvr>
+    <a:masterClrMapping/>
+  </p:clrMapOvr>
+  <p:timing>
+    <p:tnLst>
+      <p:par>
+        <p:cTn id="1" dur="indefinite" restart="never" nodeType="tmRoot"/>
+      </p:par>
+    </p:tnLst>
+  </p:timing>
+</p:sld>
+</file>
+
+<file path=ppt/slides/slide8.xml><?xml version="1.0" encoding="utf-8"?>
+<p:sld xmlns:a="http://schemas.openxmlformats.org/drawingml/2006/main" xmlns:r="http://schemas.openxmlformats.org/officeDocument/2006/relationships" xmlns:p="http://schemas.openxmlformats.org/presentationml/2006/main">
+  <p:cSld>
+    <p:spTree>
+      <p:nvGrpSpPr>
+        <p:cNvPr id="1" name=""/>
+        <p:cNvGrpSpPr/>
+        <p:nvPr/>
+      </p:nvGrpSpPr>
+      <p:grpSpPr>
+        <a:xfrm>
+          <a:off x="0" y="0"/>
+          <a:ext cx="0" cy="0"/>
+          <a:chOff x="0" y="0"/>
+          <a:chExt cx="0" cy="0"/>
+        </a:xfrm>
+      </p:grpSpPr>
+      <p:sp>
+        <p:nvSpPr>
+          <p:cNvPr id="2" name="Title 1"/>
+          <p:cNvSpPr>
+            <a:spLocks noGrp="1"/>
+          </p:cNvSpPr>
+          <p:nvPr>
+            <p:ph type="title"/>
+          </p:nvPr>
+        </p:nvSpPr>
+        <p:spPr/>
+        <p:txBody>
+          <a:bodyPr/>
+          <a:lstStyle/>
+          <a:p>
+            <a:r>
+              <a:rPr lang="en-US" dirty="0" smtClean="0"/>
+              <a:t>Bootstrap 4.0</a:t>
+            </a:r>
+            <a:endParaRPr lang="en-US" dirty="0"/>
+          </a:p>
+        </p:txBody>
+      </p:sp>
+      <p:sp>
+        <p:nvSpPr>
+          <p:cNvPr id="3" name="Content Placeholder 2"/>
+          <p:cNvSpPr>
+            <a:spLocks noGrp="1"/>
+          </p:cNvSpPr>
+          <p:nvPr>
+            <p:ph idx="1"/>
+          </p:nvPr>
+        </p:nvSpPr>
+        <p:spPr/>
+        <p:txBody>
+          <a:bodyPr>
+            <a:normAutofit/>
+          </a:bodyPr>
+          <a:lstStyle/>
+          <a:p>
+            <a:pPr marL="0" indent="0" algn="ctr">
+              <a:buNone/>
+            </a:pPr>
+            <a:endParaRPr lang="en-US" sz="5000" dirty="0" smtClean="0">
+              <a:hlinkClick r:id="rId2"/>
+            </a:endParaRPr>
+          </a:p>
+          <a:p>
+            <a:pPr marL="0" indent="0" algn="ctr">
+              <a:buNone/>
+            </a:pPr>
+            <a:endParaRPr lang="en-US" sz="5000" dirty="0">
+              <a:hlinkClick r:id="rId2"/>
+            </a:endParaRPr>
+          </a:p>
+          <a:p>
+            <a:pPr marL="0" indent="0" algn="ctr">
+              <a:buNone/>
+            </a:pPr>
+            <a:r>
+              <a:rPr lang="en-US" sz="5000" dirty="0" smtClean="0">
+                <a:hlinkClick r:id="rId2"/>
+              </a:rPr>
+              <a:t>www.getbootstrap.com</a:t>
+            </a:r>
+            <a:r>
+              <a:rPr lang="en-US" sz="5000" dirty="0" smtClean="0"/>
+              <a:t> </a:t>
+            </a:r>
+            <a:endParaRPr lang="en-US" sz="5000" dirty="0"/>
+          </a:p>
+        </p:txBody>
+      </p:sp>
+    </p:spTree>
+    <p:extLst>
+      <p:ext uri="{BB962C8B-B14F-4D97-AF65-F5344CB8AC3E}">
+        <p14:creationId xmlns:p14="http://schemas.microsoft.com/office/powerpoint/2010/main" val="1698886139"/>
+      </p:ext>
+    </p:extLst>
+  </p:cSld>
+  <p:clrMapOvr>
+    <a:masterClrMapping/>
+  </p:clrMapOvr>
+  <p:timing>
+    <p:tnLst>
+      <p:par>
+        <p:cTn id="1" dur="indefinite" restart="never" nodeType="tmRoot"/>
+      </p:par>
+    </p:tnLst>
+  </p:timing>
+</p:sld>
+</file>
+
+<file path=ppt/slides/slide9.xml><?xml version="1.0" encoding="utf-8"?>
+<p:sld xmlns:a="http://schemas.openxmlformats.org/drawingml/2006/main" xmlns:r="http://schemas.openxmlformats.org/officeDocument/2006/relationships" xmlns:p="http://schemas.openxmlformats.org/presentationml/2006/main">
+  <p:cSld>
+    <p:spTree>
+      <p:nvGrpSpPr>
+        <p:cNvPr id="1" name=""/>
+        <p:cNvGrpSpPr/>
+        <p:nvPr/>
+      </p:nvGrpSpPr>
+      <p:grpSpPr>
+        <a:xfrm>
+          <a:off x="0" y="0"/>
+          <a:ext cx="0" cy="0"/>
+          <a:chOff x="0" y="0"/>
+          <a:chExt cx="0" cy="0"/>
+        </a:xfrm>
+      </p:grpSpPr>
+      <p:sp>
+        <p:nvSpPr>
+          <p:cNvPr id="2" name="Title 1"/>
+          <p:cNvSpPr>
+            <a:spLocks noGrp="1"/>
+          </p:cNvSpPr>
+          <p:nvPr>
+            <p:ph type="title"/>
+          </p:nvPr>
+        </p:nvSpPr>
+        <p:spPr/>
+        <p:txBody>
+          <a:bodyPr/>
+          <a:lstStyle/>
+          <a:p>
+            <a:r>
+              <a:rPr lang="en-US" dirty="0" smtClean="0"/>
+              <a:t>Rooms</a:t>
+            </a:r>
+            <a:endParaRPr lang="en-US" dirty="0"/>
+          </a:p>
+        </p:txBody>
+      </p:sp>
+      <p:sp>
+        <p:nvSpPr>
+          <p:cNvPr id="4" name="Rectangle 3"/>
+          <p:cNvSpPr/>
+          <p:nvPr/>
+        </p:nvSpPr>
+        <p:spPr>
+          <a:xfrm>
+            <a:off x="1885950" y="2967335"/>
+            <a:ext cx="8705850" cy="1477328"/>
+          </a:xfrm>
+          <a:prstGeom prst="rect">
+            <a:avLst/>
+          </a:prstGeom>
+        </p:spPr>
+        <p:txBody>
+          <a:bodyPr wrap="square">
+            <a:spAutoFit/>
+          </a:bodyPr>
+          <a:lstStyle/>
+          <a:p>
+            <a:r>
+              <a:rPr lang="en-US" dirty="0">
+                <a:latin typeface="Menlo" charset="0"/>
+                <a:ea typeface="Menlo" charset="0"/>
+                <a:cs typeface="Menlo" charset="0"/>
+              </a:rPr>
+              <a:t>ROOMS = </a:t>
+            </a:r>
+            <a:r>
+              <a:rPr lang="en-US" dirty="0" smtClean="0">
+                <a:latin typeface="Menlo" charset="0"/>
+                <a:ea typeface="Menlo" charset="0"/>
+                <a:cs typeface="Menlo" charset="0"/>
+              </a:rPr>
+              <a:t>[</a:t>
+            </a:r>
+          </a:p>
+          <a:p>
+            <a:r>
+              <a:rPr lang="en-US" dirty="0">
+                <a:latin typeface="Menlo" charset="0"/>
+                <a:ea typeface="Menlo" charset="0"/>
+                <a:cs typeface="Menlo" charset="0"/>
+              </a:rPr>
+              <a:t> </a:t>
+            </a:r>
+            <a:r>
+              <a:rPr lang="en-US" dirty="0" smtClean="0">
+                <a:latin typeface="Menlo" charset="0"/>
+                <a:ea typeface="Menlo" charset="0"/>
+                <a:cs typeface="Menlo" charset="0"/>
+              </a:rPr>
+              <a:t>          {</a:t>
+            </a:r>
+            <a:r>
+              <a:rPr lang="en-US" dirty="0">
+                <a:solidFill>
+                  <a:srgbClr val="6A8759"/>
+                </a:solidFill>
+                <a:latin typeface="Menlo" charset="0"/>
+                <a:ea typeface="Menlo" charset="0"/>
+                <a:cs typeface="Menlo" charset="0"/>
+              </a:rPr>
+              <a:t>'name'</a:t>
+            </a:r>
+            <a:r>
+              <a:rPr lang="en-US" dirty="0">
+                <a:latin typeface="Menlo" charset="0"/>
+                <a:ea typeface="Menlo" charset="0"/>
+                <a:cs typeface="Menlo" charset="0"/>
+              </a:rPr>
+              <a:t>: </a:t>
+            </a:r>
+            <a:r>
+              <a:rPr lang="en-US" dirty="0">
+                <a:solidFill>
+                  <a:srgbClr val="6A8759"/>
+                </a:solidFill>
+                <a:latin typeface="Menlo" charset="0"/>
+                <a:ea typeface="Menlo" charset="0"/>
+                <a:cs typeface="Menlo" charset="0"/>
+              </a:rPr>
+              <a:t>'</a:t>
+            </a:r>
+            <a:r>
+              <a:rPr lang="en-US" dirty="0" err="1">
+                <a:solidFill>
+                  <a:srgbClr val="6A8759"/>
+                </a:solidFill>
+                <a:latin typeface="Menlo" charset="0"/>
+                <a:ea typeface="Menlo" charset="0"/>
+                <a:cs typeface="Menlo" charset="0"/>
+              </a:rPr>
+              <a:t>hse</a:t>
+            </a:r>
+            <a:r>
+              <a:rPr lang="en-US" dirty="0">
+                <a:solidFill>
+                  <a:srgbClr val="6A8759"/>
+                </a:solidFill>
+                <a:latin typeface="Menlo" charset="0"/>
+                <a:ea typeface="Menlo" charset="0"/>
+                <a:cs typeface="Menlo" charset="0"/>
+              </a:rPr>
+              <a:t>'</a:t>
+            </a:r>
+            <a:r>
+              <a:rPr lang="en-US" dirty="0">
+                <a:solidFill>
+                  <a:srgbClr val="CC7832"/>
+                </a:solidFill>
+                <a:latin typeface="Menlo" charset="0"/>
+                <a:ea typeface="Menlo" charset="0"/>
+                <a:cs typeface="Menlo" charset="0"/>
+              </a:rPr>
+              <a:t>,</a:t>
+            </a:r>
+            <a:br>
+              <a:rPr lang="en-US" dirty="0">
+                <a:solidFill>
+                  <a:srgbClr val="CC7832"/>
+                </a:solidFill>
+                <a:latin typeface="Menlo" charset="0"/>
+                <a:ea typeface="Menlo" charset="0"/>
+                <a:cs typeface="Menlo" charset="0"/>
+              </a:rPr>
+            </a:br>
+            <a:r>
+              <a:rPr lang="en-US" dirty="0">
+                <a:solidFill>
+                  <a:srgbClr val="CC7832"/>
+                </a:solidFill>
+                <a:latin typeface="Menlo" charset="0"/>
+                <a:ea typeface="Menlo" charset="0"/>
+                <a:cs typeface="Menlo" charset="0"/>
+              </a:rPr>
+              <a:t>          </a:t>
+            </a:r>
+            <a:r>
+              <a:rPr lang="en-US" dirty="0">
+                <a:solidFill>
+                  <a:srgbClr val="6A8759"/>
+                </a:solidFill>
+                <a:latin typeface="Menlo" charset="0"/>
+                <a:ea typeface="Menlo" charset="0"/>
+                <a:cs typeface="Menlo" charset="0"/>
+              </a:rPr>
+              <a:t>'</a:t>
+            </a:r>
+            <a:r>
+              <a:rPr lang="en-US" dirty="0" err="1">
+                <a:solidFill>
+                  <a:srgbClr val="6A8759"/>
+                </a:solidFill>
+                <a:latin typeface="Menlo" charset="0"/>
+                <a:ea typeface="Menlo" charset="0"/>
+                <a:cs typeface="Menlo" charset="0"/>
+              </a:rPr>
+              <a:t>display_name</a:t>
+            </a:r>
+            <a:r>
+              <a:rPr lang="en-US" dirty="0">
+                <a:solidFill>
+                  <a:srgbClr val="6A8759"/>
+                </a:solidFill>
+                <a:latin typeface="Menlo" charset="0"/>
+                <a:ea typeface="Menlo" charset="0"/>
+                <a:cs typeface="Menlo" charset="0"/>
+              </a:rPr>
+              <a:t>'</a:t>
+            </a:r>
+            <a:r>
+              <a:rPr lang="en-US" dirty="0">
+                <a:latin typeface="Menlo" charset="0"/>
+                <a:ea typeface="Menlo" charset="0"/>
+                <a:cs typeface="Menlo" charset="0"/>
+              </a:rPr>
+              <a:t>: </a:t>
+            </a:r>
+            <a:r>
+              <a:rPr lang="en-US" dirty="0">
+                <a:solidFill>
+                  <a:srgbClr val="6A8759"/>
+                </a:solidFill>
+                <a:latin typeface="Menlo" charset="0"/>
+                <a:ea typeface="Menlo" charset="0"/>
+                <a:cs typeface="Menlo" charset="0"/>
+              </a:rPr>
+              <a:t>'Summer School (HSE</a:t>
+            </a:r>
+            <a:r>
+              <a:rPr lang="en-US" dirty="0" smtClean="0">
+                <a:solidFill>
+                  <a:srgbClr val="6A8759"/>
+                </a:solidFill>
+                <a:latin typeface="Menlo" charset="0"/>
+                <a:ea typeface="Menlo" charset="0"/>
+                <a:cs typeface="Menlo" charset="0"/>
+              </a:rPr>
+              <a:t>)'</a:t>
+            </a:r>
+            <a:r>
+              <a:rPr lang="en-US" dirty="0" smtClean="0">
+                <a:latin typeface="Menlo" charset="0"/>
+                <a:ea typeface="Menlo" charset="0"/>
+                <a:cs typeface="Menlo" charset="0"/>
+              </a:rPr>
+              <a:t>}</a:t>
+            </a:r>
+          </a:p>
+          <a:p>
+            <a:r>
+              <a:rPr lang="en-US" dirty="0" smtClean="0">
+                <a:latin typeface="Menlo" charset="0"/>
+                <a:ea typeface="Menlo" charset="0"/>
+                <a:cs typeface="Menlo" charset="0"/>
+              </a:rPr>
+              <a:t>]</a:t>
+            </a:r>
+            <a:r>
+              <a:rPr lang="en-US" dirty="0">
+                <a:latin typeface="Menlo" charset="0"/>
+                <a:ea typeface="Menlo" charset="0"/>
+                <a:cs typeface="Menlo" charset="0"/>
+              </a:rPr>
+              <a:t/>
+            </a:r>
+            <a:br>
+              <a:rPr lang="en-US" dirty="0">
+                <a:latin typeface="Menlo" charset="0"/>
+                <a:ea typeface="Menlo" charset="0"/>
+                <a:cs typeface="Menlo" charset="0"/>
+              </a:rPr>
+            </a:br>
+            <a:endParaRPr lang="en-US" dirty="0">
+              <a:latin typeface="Menlo" charset="0"/>
+              <a:ea typeface="Menlo" charset="0"/>
+              <a:cs typeface="Menlo" charset="0"/>
+            </a:endParaRPr>
+          </a:p>
+        </p:txBody>
+      </p:sp>
+    </p:spTree>
+    <p:extLst>
+      <p:ext uri="{BB962C8B-B14F-4D97-AF65-F5344CB8AC3E}">
+        <p14:creationId xmlns:p14="http://schemas.microsoft.com/office/powerpoint/2010/main" val="994624233"/>
+      </p:ext>
+    </p:extLst>
+  </p:cSld>
+  <p:clrMapOvr>
+    <a:masterClrMapping/>
+  </p:clrMapOvr>
+  <p:timing>
+    <p:tnLst>
+      <p:par>
+        <p:cTn id="1" dur="indefinite" restart="never" nodeType="tmRoot"/>
+      </p:par>
+    </p:tnLst>
+  </p:timing>
 </p:sld>
 </file>
 
